--- a/assets/pictures.pptx
+++ b/assets/pictures.pptx
@@ -5,14 +5,20 @@
     <p:sldMasterId id="2147483648" r:id="rId1"/>
   </p:sldMasterIdLst>
   <p:notesMasterIdLst>
-    <p:notesMasterId r:id="rId7"/>
+    <p:notesMasterId r:id="rId13"/>
   </p:notesMasterIdLst>
   <p:sldIdLst>
     <p:sldId id="256" r:id="rId2"/>
-    <p:sldId id="257" r:id="rId3"/>
-    <p:sldId id="258" r:id="rId4"/>
-    <p:sldId id="259" r:id="rId5"/>
-    <p:sldId id="260" r:id="rId6"/>
+    <p:sldId id="261" r:id="rId3"/>
+    <p:sldId id="257" r:id="rId4"/>
+    <p:sldId id="258" r:id="rId5"/>
+    <p:sldId id="259" r:id="rId6"/>
+    <p:sldId id="262" r:id="rId7"/>
+    <p:sldId id="263" r:id="rId8"/>
+    <p:sldId id="265" r:id="rId9"/>
+    <p:sldId id="266" r:id="rId10"/>
+    <p:sldId id="260" r:id="rId11"/>
+    <p:sldId id="264" r:id="rId12"/>
   </p:sldIdLst>
   <p:sldSz cx="12192000" cy="6858000"/>
   <p:notesSz cx="6858000" cy="9144000"/>
@@ -529,7 +535,7 @@
           <a:p>
             <a:fld id="{73CDDE7B-91EA-AC44-A35C-0C86F1F7BCB0}" type="slidenum">
               <a:rPr lang="en-TW" smtClean="0"/>
-              <a:t>4</a:t>
+              <a:t>5</a:t>
             </a:fld>
             <a:endParaRPr lang="en-TW"/>
           </a:p>
@@ -3938,7 +3944,5805 @@
 </p:sld>
 </file>
 
+<file path=ppt/slides/slide10.xml><?xml version="1.0" encoding="utf-8"?>
+<p:sld xmlns:a="http://schemas.openxmlformats.org/drawingml/2006/main" xmlns:r="http://schemas.openxmlformats.org/officeDocument/2006/relationships" xmlns:p="http://schemas.openxmlformats.org/presentationml/2006/main">
+  <p:cSld>
+    <p:spTree>
+      <p:nvGrpSpPr>
+        <p:cNvPr id="1" name=""/>
+        <p:cNvGrpSpPr/>
+        <p:nvPr/>
+      </p:nvGrpSpPr>
+      <p:grpSpPr>
+        <a:xfrm>
+          <a:off x="0" y="0"/>
+          <a:ext cx="0" cy="0"/>
+          <a:chOff x="0" y="0"/>
+          <a:chExt cx="0" cy="0"/>
+        </a:xfrm>
+      </p:grpSpPr>
+      <p:pic>
+        <p:nvPicPr>
+          <p:cNvPr id="5" name="Content Placeholder 4">
+            <a:extLst>
+              <a:ext uri="{FF2B5EF4-FFF2-40B4-BE49-F238E27FC236}">
+                <a16:creationId xmlns:a16="http://schemas.microsoft.com/office/drawing/2014/main" id="{75A002A0-3879-3A4D-8D91-0B0A95E7207C}"/>
+              </a:ext>
+            </a:extLst>
+          </p:cNvPr>
+          <p:cNvPicPr>
+            <a:picLocks noGrp="1" noChangeAspect="1"/>
+          </p:cNvPicPr>
+          <p:nvPr>
+            <p:ph idx="1"/>
+          </p:nvPr>
+        </p:nvPicPr>
+        <p:blipFill>
+          <a:blip r:embed="rId2"/>
+          <a:stretch>
+            <a:fillRect/>
+          </a:stretch>
+        </p:blipFill>
+        <p:spPr>
+          <a:xfrm>
+            <a:off x="1038503" y="2181884"/>
+            <a:ext cx="1080000" cy="1080000"/>
+          </a:xfrm>
+        </p:spPr>
+      </p:pic>
+      <p:pic>
+        <p:nvPicPr>
+          <p:cNvPr id="7" name="Picture 6">
+            <a:extLst>
+              <a:ext uri="{FF2B5EF4-FFF2-40B4-BE49-F238E27FC236}">
+                <a16:creationId xmlns:a16="http://schemas.microsoft.com/office/drawing/2014/main" id="{7627371F-8DE0-8E41-A9F0-10213C78B3A9}"/>
+              </a:ext>
+            </a:extLst>
+          </p:cNvPr>
+          <p:cNvPicPr>
+            <a:picLocks noChangeAspect="1"/>
+          </p:cNvPicPr>
+          <p:nvPr/>
+        </p:nvPicPr>
+        <p:blipFill>
+          <a:blip r:embed="rId3"/>
+          <a:stretch>
+            <a:fillRect/>
+          </a:stretch>
+        </p:blipFill>
+        <p:spPr>
+          <a:xfrm>
+            <a:off x="2118503" y="2248685"/>
+            <a:ext cx="1080000" cy="1080000"/>
+          </a:xfrm>
+          <a:prstGeom prst="rect">
+            <a:avLst/>
+          </a:prstGeom>
+        </p:spPr>
+      </p:pic>
+      <p:pic>
+        <p:nvPicPr>
+          <p:cNvPr id="9" name="Picture 8">
+            <a:extLst>
+              <a:ext uri="{FF2B5EF4-FFF2-40B4-BE49-F238E27FC236}">
+                <a16:creationId xmlns:a16="http://schemas.microsoft.com/office/drawing/2014/main" id="{77030F85-A9FE-3548-AFED-BDC0A377FC6D}"/>
+              </a:ext>
+            </a:extLst>
+          </p:cNvPr>
+          <p:cNvPicPr>
+            <a:picLocks noChangeAspect="1"/>
+          </p:cNvPicPr>
+          <p:nvPr/>
+        </p:nvPicPr>
+        <p:blipFill>
+          <a:blip r:embed="rId4"/>
+          <a:stretch>
+            <a:fillRect/>
+          </a:stretch>
+        </p:blipFill>
+        <p:spPr>
+          <a:xfrm>
+            <a:off x="3522600" y="2228068"/>
+            <a:ext cx="1080000" cy="1080000"/>
+          </a:xfrm>
+          <a:prstGeom prst="rect">
+            <a:avLst/>
+          </a:prstGeom>
+        </p:spPr>
+      </p:pic>
+      <p:pic>
+        <p:nvPicPr>
+          <p:cNvPr id="11" name="Picture 10">
+            <a:extLst>
+              <a:ext uri="{FF2B5EF4-FFF2-40B4-BE49-F238E27FC236}">
+                <a16:creationId xmlns:a16="http://schemas.microsoft.com/office/drawing/2014/main" id="{78066529-75E3-3E45-8978-C88ECB9463D8}"/>
+              </a:ext>
+            </a:extLst>
+          </p:cNvPr>
+          <p:cNvPicPr>
+            <a:picLocks noChangeAspect="1"/>
+          </p:cNvPicPr>
+          <p:nvPr/>
+        </p:nvPicPr>
+        <p:blipFill>
+          <a:blip r:embed="rId5"/>
+          <a:stretch>
+            <a:fillRect/>
+          </a:stretch>
+        </p:blipFill>
+        <p:spPr>
+          <a:xfrm>
+            <a:off x="3522600" y="3955061"/>
+            <a:ext cx="1080000" cy="1080000"/>
+          </a:xfrm>
+          <a:prstGeom prst="rect">
+            <a:avLst/>
+          </a:prstGeom>
+        </p:spPr>
+      </p:pic>
+      <p:pic>
+        <p:nvPicPr>
+          <p:cNvPr id="13" name="Picture 12">
+            <a:extLst>
+              <a:ext uri="{FF2B5EF4-FFF2-40B4-BE49-F238E27FC236}">
+                <a16:creationId xmlns:a16="http://schemas.microsoft.com/office/drawing/2014/main" id="{2583D733-D069-5547-A46B-28CA4A7AAC19}"/>
+              </a:ext>
+            </a:extLst>
+          </p:cNvPr>
+          <p:cNvPicPr>
+            <a:picLocks noChangeAspect="1"/>
+          </p:cNvPicPr>
+          <p:nvPr/>
+        </p:nvPicPr>
+        <p:blipFill>
+          <a:blip r:embed="rId6"/>
+          <a:stretch>
+            <a:fillRect/>
+          </a:stretch>
+        </p:blipFill>
+        <p:spPr>
+          <a:xfrm>
+            <a:off x="1038503" y="3955061"/>
+            <a:ext cx="1080000" cy="1080000"/>
+          </a:xfrm>
+          <a:prstGeom prst="rect">
+            <a:avLst/>
+          </a:prstGeom>
+        </p:spPr>
+      </p:pic>
+      <p:pic>
+        <p:nvPicPr>
+          <p:cNvPr id="15" name="Picture 14">
+            <a:extLst>
+              <a:ext uri="{FF2B5EF4-FFF2-40B4-BE49-F238E27FC236}">
+                <a16:creationId xmlns:a16="http://schemas.microsoft.com/office/drawing/2014/main" id="{B3371ED6-42DE-5348-9DF4-4D6A148647BF}"/>
+              </a:ext>
+            </a:extLst>
+          </p:cNvPr>
+          <p:cNvPicPr>
+            <a:picLocks noChangeAspect="1"/>
+          </p:cNvPicPr>
+          <p:nvPr/>
+        </p:nvPicPr>
+        <p:blipFill>
+          <a:blip r:embed="rId7"/>
+          <a:stretch>
+            <a:fillRect/>
+          </a:stretch>
+        </p:blipFill>
+        <p:spPr>
+          <a:xfrm>
+            <a:off x="2118503" y="3955061"/>
+            <a:ext cx="1080000" cy="1080000"/>
+          </a:xfrm>
+          <a:prstGeom prst="rect">
+            <a:avLst/>
+          </a:prstGeom>
+        </p:spPr>
+      </p:pic>
+      <p:pic>
+        <p:nvPicPr>
+          <p:cNvPr id="17" name="Picture 16">
+            <a:extLst>
+              <a:ext uri="{FF2B5EF4-FFF2-40B4-BE49-F238E27FC236}">
+                <a16:creationId xmlns:a16="http://schemas.microsoft.com/office/drawing/2014/main" id="{4A50A8F1-CF83-3349-92A8-6902E610375F}"/>
+              </a:ext>
+            </a:extLst>
+          </p:cNvPr>
+          <p:cNvPicPr>
+            <a:picLocks noChangeAspect="1"/>
+          </p:cNvPicPr>
+          <p:nvPr/>
+        </p:nvPicPr>
+        <p:blipFill>
+          <a:blip r:embed="rId8"/>
+          <a:stretch>
+            <a:fillRect/>
+          </a:stretch>
+        </p:blipFill>
+        <p:spPr>
+          <a:xfrm>
+            <a:off x="5770793" y="616301"/>
+            <a:ext cx="1080000" cy="1080000"/>
+          </a:xfrm>
+          <a:prstGeom prst="rect">
+            <a:avLst/>
+          </a:prstGeom>
+        </p:spPr>
+      </p:pic>
+      <p:pic>
+        <p:nvPicPr>
+          <p:cNvPr id="19" name="Picture 18">
+            <a:extLst>
+              <a:ext uri="{FF2B5EF4-FFF2-40B4-BE49-F238E27FC236}">
+                <a16:creationId xmlns:a16="http://schemas.microsoft.com/office/drawing/2014/main" id="{8CC003FF-2465-704D-B6CC-E92F61D961CC}"/>
+              </a:ext>
+            </a:extLst>
+          </p:cNvPr>
+          <p:cNvPicPr>
+            <a:picLocks noChangeAspect="1"/>
+          </p:cNvPicPr>
+          <p:nvPr/>
+        </p:nvPicPr>
+        <p:blipFill>
+          <a:blip r:embed="rId9"/>
+          <a:stretch>
+            <a:fillRect/>
+          </a:stretch>
+        </p:blipFill>
+        <p:spPr>
+          <a:xfrm>
+            <a:off x="7174890" y="594985"/>
+            <a:ext cx="1080000" cy="1080000"/>
+          </a:xfrm>
+          <a:prstGeom prst="rect">
+            <a:avLst/>
+          </a:prstGeom>
+        </p:spPr>
+      </p:pic>
+      <p:pic>
+        <p:nvPicPr>
+          <p:cNvPr id="21" name="Picture 20">
+            <a:extLst>
+              <a:ext uri="{FF2B5EF4-FFF2-40B4-BE49-F238E27FC236}">
+                <a16:creationId xmlns:a16="http://schemas.microsoft.com/office/drawing/2014/main" id="{FB91ED6D-ECE3-294E-B8AF-7CC913649395}"/>
+              </a:ext>
+            </a:extLst>
+          </p:cNvPr>
+          <p:cNvPicPr>
+            <a:picLocks noChangeAspect="1"/>
+          </p:cNvPicPr>
+          <p:nvPr/>
+        </p:nvPicPr>
+        <p:blipFill>
+          <a:blip r:embed="rId10"/>
+          <a:stretch>
+            <a:fillRect/>
+          </a:stretch>
+        </p:blipFill>
+        <p:spPr>
+          <a:xfrm>
+            <a:off x="8592538" y="578791"/>
+            <a:ext cx="1080000" cy="1080000"/>
+          </a:xfrm>
+          <a:prstGeom prst="rect">
+            <a:avLst/>
+          </a:prstGeom>
+        </p:spPr>
+      </p:pic>
+      <p:pic>
+        <p:nvPicPr>
+          <p:cNvPr id="23" name="Picture 22">
+            <a:extLst>
+              <a:ext uri="{FF2B5EF4-FFF2-40B4-BE49-F238E27FC236}">
+                <a16:creationId xmlns:a16="http://schemas.microsoft.com/office/drawing/2014/main" id="{0CC0E38D-3013-4C4C-AC98-CEC8F89C17E0}"/>
+              </a:ext>
+            </a:extLst>
+          </p:cNvPr>
+          <p:cNvPicPr>
+            <a:picLocks noChangeAspect="1"/>
+          </p:cNvPicPr>
+          <p:nvPr/>
+        </p:nvPicPr>
+        <p:blipFill>
+          <a:blip r:embed="rId11"/>
+          <a:stretch>
+            <a:fillRect/>
+          </a:stretch>
+        </p:blipFill>
+        <p:spPr>
+          <a:xfrm>
+            <a:off x="10010186" y="578791"/>
+            <a:ext cx="1080000" cy="1080000"/>
+          </a:xfrm>
+          <a:prstGeom prst="rect">
+            <a:avLst/>
+          </a:prstGeom>
+        </p:spPr>
+      </p:pic>
+      <p:pic>
+        <p:nvPicPr>
+          <p:cNvPr id="27" name="Picture 26">
+            <a:extLst>
+              <a:ext uri="{FF2B5EF4-FFF2-40B4-BE49-F238E27FC236}">
+                <a16:creationId xmlns:a16="http://schemas.microsoft.com/office/drawing/2014/main" id="{A1F19967-9693-824A-BC46-117AE2258F2A}"/>
+              </a:ext>
+            </a:extLst>
+          </p:cNvPr>
+          <p:cNvPicPr>
+            <a:picLocks noChangeAspect="1"/>
+          </p:cNvPicPr>
+          <p:nvPr/>
+        </p:nvPicPr>
+        <p:blipFill>
+          <a:blip r:embed="rId12"/>
+          <a:stretch>
+            <a:fillRect/>
+          </a:stretch>
+        </p:blipFill>
+        <p:spPr>
+          <a:xfrm>
+            <a:off x="6006697" y="2458769"/>
+            <a:ext cx="1080000" cy="1080000"/>
+          </a:xfrm>
+          <a:prstGeom prst="rect">
+            <a:avLst/>
+          </a:prstGeom>
+        </p:spPr>
+      </p:pic>
+      <p:pic>
+        <p:nvPicPr>
+          <p:cNvPr id="28" name="Picture 27">
+            <a:extLst>
+              <a:ext uri="{FF2B5EF4-FFF2-40B4-BE49-F238E27FC236}">
+                <a16:creationId xmlns:a16="http://schemas.microsoft.com/office/drawing/2014/main" id="{0E078ED4-2DDC-3441-A7E9-D1C070A278F4}"/>
+              </a:ext>
+            </a:extLst>
+          </p:cNvPr>
+          <p:cNvPicPr>
+            <a:picLocks noChangeAspect="1"/>
+          </p:cNvPicPr>
+          <p:nvPr/>
+        </p:nvPicPr>
+        <p:blipFill>
+          <a:blip r:embed="rId10"/>
+          <a:stretch>
+            <a:fillRect/>
+          </a:stretch>
+        </p:blipFill>
+        <p:spPr>
+          <a:xfrm>
+            <a:off x="7174890" y="2458769"/>
+            <a:ext cx="1080000" cy="1080000"/>
+          </a:xfrm>
+          <a:prstGeom prst="rect">
+            <a:avLst/>
+          </a:prstGeom>
+        </p:spPr>
+      </p:pic>
+      <p:pic>
+        <p:nvPicPr>
+          <p:cNvPr id="30" name="Picture 29">
+            <a:extLst>
+              <a:ext uri="{FF2B5EF4-FFF2-40B4-BE49-F238E27FC236}">
+                <a16:creationId xmlns:a16="http://schemas.microsoft.com/office/drawing/2014/main" id="{A2179CE7-BECE-5141-A718-654C6091CD0B}"/>
+              </a:ext>
+            </a:extLst>
+          </p:cNvPr>
+          <p:cNvPicPr>
+            <a:picLocks noChangeAspect="1"/>
+          </p:cNvPicPr>
+          <p:nvPr/>
+        </p:nvPicPr>
+        <p:blipFill>
+          <a:blip r:embed="rId13"/>
+          <a:stretch>
+            <a:fillRect/>
+          </a:stretch>
+        </p:blipFill>
+        <p:spPr>
+          <a:xfrm>
+            <a:off x="9672538" y="3955061"/>
+            <a:ext cx="1080000" cy="1080000"/>
+          </a:xfrm>
+          <a:prstGeom prst="rect">
+            <a:avLst/>
+          </a:prstGeom>
+        </p:spPr>
+      </p:pic>
+      <p:pic>
+        <p:nvPicPr>
+          <p:cNvPr id="31" name="Picture 30">
+            <a:extLst>
+              <a:ext uri="{FF2B5EF4-FFF2-40B4-BE49-F238E27FC236}">
+                <a16:creationId xmlns:a16="http://schemas.microsoft.com/office/drawing/2014/main" id="{F3969A62-EC00-3C4F-9FDE-C81DDA5705B9}"/>
+              </a:ext>
+            </a:extLst>
+          </p:cNvPr>
+          <p:cNvPicPr>
+            <a:picLocks noChangeAspect="1"/>
+          </p:cNvPicPr>
+          <p:nvPr/>
+        </p:nvPicPr>
+        <p:blipFill>
+          <a:blip r:embed="rId7"/>
+          <a:stretch>
+            <a:fillRect/>
+          </a:stretch>
+        </p:blipFill>
+        <p:spPr>
+          <a:xfrm>
+            <a:off x="7913499" y="3955061"/>
+            <a:ext cx="1080000" cy="1080000"/>
+          </a:xfrm>
+          <a:prstGeom prst="rect">
+            <a:avLst/>
+          </a:prstGeom>
+        </p:spPr>
+      </p:pic>
+      <p:pic>
+        <p:nvPicPr>
+          <p:cNvPr id="32" name="Picture 31">
+            <a:extLst>
+              <a:ext uri="{FF2B5EF4-FFF2-40B4-BE49-F238E27FC236}">
+                <a16:creationId xmlns:a16="http://schemas.microsoft.com/office/drawing/2014/main" id="{BEB3AA7E-C171-804B-AD06-3E2805EFDCFB}"/>
+              </a:ext>
+            </a:extLst>
+          </p:cNvPr>
+          <p:cNvPicPr>
+            <a:picLocks noChangeAspect="1"/>
+          </p:cNvPicPr>
+          <p:nvPr/>
+        </p:nvPicPr>
+        <p:blipFill>
+          <a:blip r:embed="rId8"/>
+          <a:stretch>
+            <a:fillRect/>
+          </a:stretch>
+        </p:blipFill>
+        <p:spPr>
+          <a:xfrm>
+            <a:off x="6310793" y="3955061"/>
+            <a:ext cx="1080000" cy="1080000"/>
+          </a:xfrm>
+          <a:prstGeom prst="rect">
+            <a:avLst/>
+          </a:prstGeom>
+        </p:spPr>
+      </p:pic>
+      <p:pic>
+        <p:nvPicPr>
+          <p:cNvPr id="38" name="Picture 37">
+            <a:extLst>
+              <a:ext uri="{FF2B5EF4-FFF2-40B4-BE49-F238E27FC236}">
+                <a16:creationId xmlns:a16="http://schemas.microsoft.com/office/drawing/2014/main" id="{88F9CCEF-C7C2-EB48-8004-D204ED09911F}"/>
+              </a:ext>
+            </a:extLst>
+          </p:cNvPr>
+          <p:cNvPicPr>
+            <a:picLocks noChangeAspect="1"/>
+          </p:cNvPicPr>
+          <p:nvPr/>
+        </p:nvPicPr>
+        <p:blipFill>
+          <a:blip r:embed="rId14"/>
+          <a:stretch>
+            <a:fillRect/>
+          </a:stretch>
+        </p:blipFill>
+        <p:spPr>
+          <a:xfrm>
+            <a:off x="730992" y="215296"/>
+            <a:ext cx="1080000" cy="1080000"/>
+          </a:xfrm>
+          <a:prstGeom prst="rect">
+            <a:avLst/>
+          </a:prstGeom>
+        </p:spPr>
+      </p:pic>
+    </p:spTree>
+    <p:extLst>
+      <p:ext uri="{BB962C8B-B14F-4D97-AF65-F5344CB8AC3E}">
+        <p14:creationId xmlns:p14="http://schemas.microsoft.com/office/powerpoint/2010/main" val="4239763204"/>
+      </p:ext>
+    </p:extLst>
+  </p:cSld>
+  <p:clrMapOvr>
+    <a:masterClrMapping/>
+  </p:clrMapOvr>
+</p:sld>
+</file>
+
+<file path=ppt/slides/slide11.xml><?xml version="1.0" encoding="utf-8"?>
+<p:sld xmlns:a="http://schemas.openxmlformats.org/drawingml/2006/main" xmlns:r="http://schemas.openxmlformats.org/officeDocument/2006/relationships" xmlns:p="http://schemas.openxmlformats.org/presentationml/2006/main">
+  <p:cSld>
+    <p:spTree>
+      <p:nvGrpSpPr>
+        <p:cNvPr id="1" name=""/>
+        <p:cNvGrpSpPr/>
+        <p:nvPr/>
+      </p:nvGrpSpPr>
+      <p:grpSpPr>
+        <a:xfrm>
+          <a:off x="0" y="0"/>
+          <a:ext cx="0" cy="0"/>
+          <a:chOff x="0" y="0"/>
+          <a:chExt cx="0" cy="0"/>
+        </a:xfrm>
+      </p:grpSpPr>
+      <p:graphicFrame>
+        <p:nvGraphicFramePr>
+          <p:cNvPr id="4" name="Table 4">
+            <a:extLst>
+              <a:ext uri="{FF2B5EF4-FFF2-40B4-BE49-F238E27FC236}">
+                <a16:creationId xmlns:a16="http://schemas.microsoft.com/office/drawing/2014/main" id="{453F0A74-D8FE-C440-AD8A-51AB86BC4281}"/>
+              </a:ext>
+            </a:extLst>
+          </p:cNvPr>
+          <p:cNvGraphicFramePr>
+            <a:graphicFrameLocks noGrp="1"/>
+          </p:cNvGraphicFramePr>
+          <p:nvPr>
+            <p:ph idx="1"/>
+            <p:extLst>
+              <p:ext uri="{D42A27DB-BD31-4B8C-83A1-F6EECF244321}">
+                <p14:modId xmlns:p14="http://schemas.microsoft.com/office/powerpoint/2010/main" val="3302523659"/>
+              </p:ext>
+            </p:extLst>
+          </p:nvPr>
+        </p:nvGraphicFramePr>
+        <p:xfrm>
+          <a:off x="838198" y="816223"/>
+          <a:ext cx="10515604" cy="5501640"/>
+        </p:xfrm>
+        <a:graphic>
+          <a:graphicData uri="http://schemas.openxmlformats.org/drawingml/2006/table">
+            <a:tbl>
+              <a:tblPr firstRow="1" bandRow="1">
+                <a:tableStyleId>{2D5ABB26-0587-4C30-8999-92F81FD0307C}</a:tableStyleId>
+              </a:tblPr>
+              <a:tblGrid>
+                <a:gridCol w="955964">
+                  <a:extLst>
+                    <a:ext uri="{9D8B030D-6E8A-4147-A177-3AD203B41FA5}">
+                      <a16:colId xmlns:a16="http://schemas.microsoft.com/office/drawing/2014/main" val="546904081"/>
+                    </a:ext>
+                  </a:extLst>
+                </a:gridCol>
+                <a:gridCol w="955964">
+                  <a:extLst>
+                    <a:ext uri="{9D8B030D-6E8A-4147-A177-3AD203B41FA5}">
+                      <a16:colId xmlns:a16="http://schemas.microsoft.com/office/drawing/2014/main" val="4249807539"/>
+                    </a:ext>
+                  </a:extLst>
+                </a:gridCol>
+                <a:gridCol w="955964">
+                  <a:extLst>
+                    <a:ext uri="{9D8B030D-6E8A-4147-A177-3AD203B41FA5}">
+                      <a16:colId xmlns:a16="http://schemas.microsoft.com/office/drawing/2014/main" val="694187241"/>
+                    </a:ext>
+                  </a:extLst>
+                </a:gridCol>
+                <a:gridCol w="955964">
+                  <a:extLst>
+                    <a:ext uri="{9D8B030D-6E8A-4147-A177-3AD203B41FA5}">
+                      <a16:colId xmlns:a16="http://schemas.microsoft.com/office/drawing/2014/main" val="3808082280"/>
+                    </a:ext>
+                  </a:extLst>
+                </a:gridCol>
+                <a:gridCol w="955964">
+                  <a:extLst>
+                    <a:ext uri="{9D8B030D-6E8A-4147-A177-3AD203B41FA5}">
+                      <a16:colId xmlns:a16="http://schemas.microsoft.com/office/drawing/2014/main" val="287092559"/>
+                    </a:ext>
+                  </a:extLst>
+                </a:gridCol>
+                <a:gridCol w="955964">
+                  <a:extLst>
+                    <a:ext uri="{9D8B030D-6E8A-4147-A177-3AD203B41FA5}">
+                      <a16:colId xmlns:a16="http://schemas.microsoft.com/office/drawing/2014/main" val="1523545265"/>
+                    </a:ext>
+                  </a:extLst>
+                </a:gridCol>
+                <a:gridCol w="955964">
+                  <a:extLst>
+                    <a:ext uri="{9D8B030D-6E8A-4147-A177-3AD203B41FA5}">
+                      <a16:colId xmlns:a16="http://schemas.microsoft.com/office/drawing/2014/main" val="217778918"/>
+                    </a:ext>
+                  </a:extLst>
+                </a:gridCol>
+                <a:gridCol w="955964">
+                  <a:extLst>
+                    <a:ext uri="{9D8B030D-6E8A-4147-A177-3AD203B41FA5}">
+                      <a16:colId xmlns:a16="http://schemas.microsoft.com/office/drawing/2014/main" val="2901155010"/>
+                    </a:ext>
+                  </a:extLst>
+                </a:gridCol>
+                <a:gridCol w="955964">
+                  <a:extLst>
+                    <a:ext uri="{9D8B030D-6E8A-4147-A177-3AD203B41FA5}">
+                      <a16:colId xmlns:a16="http://schemas.microsoft.com/office/drawing/2014/main" val="3395567660"/>
+                    </a:ext>
+                  </a:extLst>
+                </a:gridCol>
+                <a:gridCol w="955964">
+                  <a:extLst>
+                    <a:ext uri="{9D8B030D-6E8A-4147-A177-3AD203B41FA5}">
+                      <a16:colId xmlns:a16="http://schemas.microsoft.com/office/drawing/2014/main" val="3067049950"/>
+                    </a:ext>
+                  </a:extLst>
+                </a:gridCol>
+                <a:gridCol w="955964">
+                  <a:extLst>
+                    <a:ext uri="{9D8B030D-6E8A-4147-A177-3AD203B41FA5}">
+                      <a16:colId xmlns:a16="http://schemas.microsoft.com/office/drawing/2014/main" val="4239766176"/>
+                    </a:ext>
+                  </a:extLst>
+                </a:gridCol>
+              </a:tblGrid>
+              <a:tr h="370840">
+                <a:tc>
+                  <a:txBody>
+                    <a:bodyPr/>
+                    <a:lstStyle/>
+                    <a:p>
+                      <a:endParaRPr lang="en-TW" b="0" dirty="0"/>
+                    </a:p>
+                  </a:txBody>
+                  <a:tcPr>
+                    <a:lnL w="12700" cap="flat" cmpd="sng" algn="ctr">
+                      <a:solidFill>
+                        <a:schemeClr val="tx1"/>
+                      </a:solidFill>
+                      <a:prstDash val="solid"/>
+                      <a:round/>
+                      <a:headEnd type="none" w="med" len="med"/>
+                      <a:tailEnd type="none" w="med" len="med"/>
+                    </a:lnL>
+                    <a:lnR w="12700" cap="flat" cmpd="sng" algn="ctr">
+                      <a:solidFill>
+                        <a:schemeClr val="tx1"/>
+                      </a:solidFill>
+                      <a:prstDash val="solid"/>
+                      <a:round/>
+                      <a:headEnd type="none" w="med" len="med"/>
+                      <a:tailEnd type="none" w="med" len="med"/>
+                    </a:lnR>
+                    <a:lnT w="12700" cap="flat" cmpd="sng" algn="ctr">
+                      <a:solidFill>
+                        <a:schemeClr val="tx1"/>
+                      </a:solidFill>
+                      <a:prstDash val="solid"/>
+                      <a:round/>
+                      <a:headEnd type="none" w="med" len="med"/>
+                      <a:tailEnd type="none" w="med" len="med"/>
+                    </a:lnT>
+                    <a:lnB w="12700" cap="flat" cmpd="sng" algn="ctr">
+                      <a:solidFill>
+                        <a:schemeClr val="tx1"/>
+                      </a:solidFill>
+                      <a:prstDash val="solid"/>
+                      <a:round/>
+                      <a:headEnd type="none" w="med" len="med"/>
+                      <a:tailEnd type="none" w="med" len="med"/>
+                    </a:lnB>
+                  </a:tcPr>
+                </a:tc>
+                <a:tc>
+                  <a:txBody>
+                    <a:bodyPr/>
+                    <a:lstStyle/>
+                    <a:p>
+                      <a:r>
+                        <a:rPr lang="en-TW" dirty="0"/>
+                        <a:t>0</a:t>
+                      </a:r>
+                    </a:p>
+                  </a:txBody>
+                  <a:tcPr>
+                    <a:lnL w="12700" cap="flat" cmpd="sng" algn="ctr">
+                      <a:solidFill>
+                        <a:schemeClr val="tx1"/>
+                      </a:solidFill>
+                      <a:prstDash val="solid"/>
+                      <a:round/>
+                      <a:headEnd type="none" w="med" len="med"/>
+                      <a:tailEnd type="none" w="med" len="med"/>
+                    </a:lnL>
+                    <a:lnR w="12700" cap="flat" cmpd="sng" algn="ctr">
+                      <a:solidFill>
+                        <a:schemeClr val="tx1"/>
+                      </a:solidFill>
+                      <a:prstDash val="solid"/>
+                      <a:round/>
+                      <a:headEnd type="none" w="med" len="med"/>
+                      <a:tailEnd type="none" w="med" len="med"/>
+                    </a:lnR>
+                    <a:lnT w="12700" cap="flat" cmpd="sng" algn="ctr">
+                      <a:solidFill>
+                        <a:schemeClr val="tx1"/>
+                      </a:solidFill>
+                      <a:prstDash val="solid"/>
+                      <a:round/>
+                      <a:headEnd type="none" w="med" len="med"/>
+                      <a:tailEnd type="none" w="med" len="med"/>
+                    </a:lnT>
+                    <a:lnB w="12700" cap="flat" cmpd="sng" algn="ctr">
+                      <a:solidFill>
+                        <a:schemeClr val="tx1"/>
+                      </a:solidFill>
+                      <a:prstDash val="solid"/>
+                      <a:round/>
+                      <a:headEnd type="none" w="med" len="med"/>
+                      <a:tailEnd type="none" w="med" len="med"/>
+                    </a:lnB>
+                  </a:tcPr>
+                </a:tc>
+                <a:tc>
+                  <a:txBody>
+                    <a:bodyPr/>
+                    <a:lstStyle/>
+                    <a:p>
+                      <a:r>
+                        <a:rPr lang="en-TW" dirty="0"/>
+                        <a:t>100</a:t>
+                      </a:r>
+                    </a:p>
+                  </a:txBody>
+                  <a:tcPr>
+                    <a:lnL w="12700" cap="flat" cmpd="sng" algn="ctr">
+                      <a:solidFill>
+                        <a:schemeClr val="tx1"/>
+                      </a:solidFill>
+                      <a:prstDash val="solid"/>
+                      <a:round/>
+                      <a:headEnd type="none" w="med" len="med"/>
+                      <a:tailEnd type="none" w="med" len="med"/>
+                    </a:lnL>
+                    <a:lnR w="12700" cap="flat" cmpd="sng" algn="ctr">
+                      <a:solidFill>
+                        <a:schemeClr val="tx1"/>
+                      </a:solidFill>
+                      <a:prstDash val="solid"/>
+                      <a:round/>
+                      <a:headEnd type="none" w="med" len="med"/>
+                      <a:tailEnd type="none" w="med" len="med"/>
+                    </a:lnR>
+                    <a:lnT w="12700" cap="flat" cmpd="sng" algn="ctr">
+                      <a:solidFill>
+                        <a:schemeClr val="tx1"/>
+                      </a:solidFill>
+                      <a:prstDash val="solid"/>
+                      <a:round/>
+                      <a:headEnd type="none" w="med" len="med"/>
+                      <a:tailEnd type="none" w="med" len="med"/>
+                    </a:lnT>
+                    <a:lnB w="12700" cap="flat" cmpd="sng" algn="ctr">
+                      <a:solidFill>
+                        <a:schemeClr val="tx1"/>
+                      </a:solidFill>
+                      <a:prstDash val="solid"/>
+                      <a:round/>
+                      <a:headEnd type="none" w="med" len="med"/>
+                      <a:tailEnd type="none" w="med" len="med"/>
+                    </a:lnB>
+                  </a:tcPr>
+                </a:tc>
+                <a:tc>
+                  <a:txBody>
+                    <a:bodyPr/>
+                    <a:lstStyle/>
+                    <a:p>
+                      <a:r>
+                        <a:rPr lang="en-TW" dirty="0"/>
+                        <a:t>200</a:t>
+                      </a:r>
+                    </a:p>
+                  </a:txBody>
+                  <a:tcPr>
+                    <a:lnL w="12700" cap="flat" cmpd="sng" algn="ctr">
+                      <a:solidFill>
+                        <a:schemeClr val="tx1"/>
+                      </a:solidFill>
+                      <a:prstDash val="solid"/>
+                      <a:round/>
+                      <a:headEnd type="none" w="med" len="med"/>
+                      <a:tailEnd type="none" w="med" len="med"/>
+                    </a:lnL>
+                    <a:lnR w="12700" cap="flat" cmpd="sng" algn="ctr">
+                      <a:solidFill>
+                        <a:schemeClr val="tx1"/>
+                      </a:solidFill>
+                      <a:prstDash val="solid"/>
+                      <a:round/>
+                      <a:headEnd type="none" w="med" len="med"/>
+                      <a:tailEnd type="none" w="med" len="med"/>
+                    </a:lnR>
+                    <a:lnT w="12700" cap="flat" cmpd="sng" algn="ctr">
+                      <a:solidFill>
+                        <a:schemeClr val="tx1"/>
+                      </a:solidFill>
+                      <a:prstDash val="solid"/>
+                      <a:round/>
+                      <a:headEnd type="none" w="med" len="med"/>
+                      <a:tailEnd type="none" w="med" len="med"/>
+                    </a:lnT>
+                    <a:lnB w="12700" cap="flat" cmpd="sng" algn="ctr">
+                      <a:solidFill>
+                        <a:schemeClr val="tx1"/>
+                      </a:solidFill>
+                      <a:prstDash val="solid"/>
+                      <a:round/>
+                      <a:headEnd type="none" w="med" len="med"/>
+                      <a:tailEnd type="none" w="med" len="med"/>
+                    </a:lnB>
+                  </a:tcPr>
+                </a:tc>
+                <a:tc>
+                  <a:txBody>
+                    <a:bodyPr/>
+                    <a:lstStyle/>
+                    <a:p>
+                      <a:r>
+                        <a:rPr lang="en-TW" dirty="0"/>
+                        <a:t>300</a:t>
+                      </a:r>
+                    </a:p>
+                  </a:txBody>
+                  <a:tcPr>
+                    <a:lnL w="12700" cap="flat" cmpd="sng" algn="ctr">
+                      <a:solidFill>
+                        <a:schemeClr val="tx1"/>
+                      </a:solidFill>
+                      <a:prstDash val="solid"/>
+                      <a:round/>
+                      <a:headEnd type="none" w="med" len="med"/>
+                      <a:tailEnd type="none" w="med" len="med"/>
+                    </a:lnL>
+                    <a:lnR w="12700" cap="flat" cmpd="sng" algn="ctr">
+                      <a:solidFill>
+                        <a:schemeClr val="tx1"/>
+                      </a:solidFill>
+                      <a:prstDash val="solid"/>
+                      <a:round/>
+                      <a:headEnd type="none" w="med" len="med"/>
+                      <a:tailEnd type="none" w="med" len="med"/>
+                    </a:lnR>
+                    <a:lnT w="12700" cap="flat" cmpd="sng" algn="ctr">
+                      <a:solidFill>
+                        <a:schemeClr val="tx1"/>
+                      </a:solidFill>
+                      <a:prstDash val="solid"/>
+                      <a:round/>
+                      <a:headEnd type="none" w="med" len="med"/>
+                      <a:tailEnd type="none" w="med" len="med"/>
+                    </a:lnT>
+                    <a:lnB w="12700" cap="flat" cmpd="sng" algn="ctr">
+                      <a:solidFill>
+                        <a:schemeClr val="tx1"/>
+                      </a:solidFill>
+                      <a:prstDash val="solid"/>
+                      <a:round/>
+                      <a:headEnd type="none" w="med" len="med"/>
+                      <a:tailEnd type="none" w="med" len="med"/>
+                    </a:lnB>
+                  </a:tcPr>
+                </a:tc>
+                <a:tc>
+                  <a:txBody>
+                    <a:bodyPr/>
+                    <a:lstStyle/>
+                    <a:p>
+                      <a:r>
+                        <a:rPr lang="en-TW" dirty="0"/>
+                        <a:t>400</a:t>
+                      </a:r>
+                    </a:p>
+                  </a:txBody>
+                  <a:tcPr>
+                    <a:lnL w="12700" cap="flat" cmpd="sng" algn="ctr">
+                      <a:solidFill>
+                        <a:schemeClr val="tx1"/>
+                      </a:solidFill>
+                      <a:prstDash val="solid"/>
+                      <a:round/>
+                      <a:headEnd type="none" w="med" len="med"/>
+                      <a:tailEnd type="none" w="med" len="med"/>
+                    </a:lnL>
+                    <a:lnR w="12700" cap="flat" cmpd="sng" algn="ctr">
+                      <a:solidFill>
+                        <a:schemeClr val="tx1"/>
+                      </a:solidFill>
+                      <a:prstDash val="solid"/>
+                      <a:round/>
+                      <a:headEnd type="none" w="med" len="med"/>
+                      <a:tailEnd type="none" w="med" len="med"/>
+                    </a:lnR>
+                    <a:lnT w="12700" cap="flat" cmpd="sng" algn="ctr">
+                      <a:solidFill>
+                        <a:schemeClr val="tx1"/>
+                      </a:solidFill>
+                      <a:prstDash val="solid"/>
+                      <a:round/>
+                      <a:headEnd type="none" w="med" len="med"/>
+                      <a:tailEnd type="none" w="med" len="med"/>
+                    </a:lnT>
+                    <a:lnB w="12700" cap="flat" cmpd="sng" algn="ctr">
+                      <a:solidFill>
+                        <a:schemeClr val="tx1"/>
+                      </a:solidFill>
+                      <a:prstDash val="solid"/>
+                      <a:round/>
+                      <a:headEnd type="none" w="med" len="med"/>
+                      <a:tailEnd type="none" w="med" len="med"/>
+                    </a:lnB>
+                  </a:tcPr>
+                </a:tc>
+                <a:tc>
+                  <a:txBody>
+                    <a:bodyPr/>
+                    <a:lstStyle/>
+                    <a:p>
+                      <a:r>
+                        <a:rPr lang="en-TW" dirty="0"/>
+                        <a:t>500</a:t>
+                      </a:r>
+                    </a:p>
+                  </a:txBody>
+                  <a:tcPr>
+                    <a:lnL w="12700" cap="flat" cmpd="sng" algn="ctr">
+                      <a:solidFill>
+                        <a:schemeClr val="tx1"/>
+                      </a:solidFill>
+                      <a:prstDash val="solid"/>
+                      <a:round/>
+                      <a:headEnd type="none" w="med" len="med"/>
+                      <a:tailEnd type="none" w="med" len="med"/>
+                    </a:lnL>
+                    <a:lnR w="12700" cap="flat" cmpd="sng" algn="ctr">
+                      <a:solidFill>
+                        <a:schemeClr val="tx1"/>
+                      </a:solidFill>
+                      <a:prstDash val="solid"/>
+                      <a:round/>
+                      <a:headEnd type="none" w="med" len="med"/>
+                      <a:tailEnd type="none" w="med" len="med"/>
+                    </a:lnR>
+                    <a:lnT w="12700" cap="flat" cmpd="sng" algn="ctr">
+                      <a:solidFill>
+                        <a:schemeClr val="tx1"/>
+                      </a:solidFill>
+                      <a:prstDash val="solid"/>
+                      <a:round/>
+                      <a:headEnd type="none" w="med" len="med"/>
+                      <a:tailEnd type="none" w="med" len="med"/>
+                    </a:lnT>
+                    <a:lnB w="12700" cap="flat" cmpd="sng" algn="ctr">
+                      <a:solidFill>
+                        <a:schemeClr val="tx1"/>
+                      </a:solidFill>
+                      <a:prstDash val="solid"/>
+                      <a:round/>
+                      <a:headEnd type="none" w="med" len="med"/>
+                      <a:tailEnd type="none" w="med" len="med"/>
+                    </a:lnB>
+                  </a:tcPr>
+                </a:tc>
+                <a:tc>
+                  <a:txBody>
+                    <a:bodyPr/>
+                    <a:lstStyle/>
+                    <a:p>
+                      <a:r>
+                        <a:rPr lang="en-TW" dirty="0"/>
+                        <a:t>600</a:t>
+                      </a:r>
+                    </a:p>
+                  </a:txBody>
+                  <a:tcPr>
+                    <a:lnL w="12700" cap="flat" cmpd="sng" algn="ctr">
+                      <a:solidFill>
+                        <a:schemeClr val="tx1"/>
+                      </a:solidFill>
+                      <a:prstDash val="solid"/>
+                      <a:round/>
+                      <a:headEnd type="none" w="med" len="med"/>
+                      <a:tailEnd type="none" w="med" len="med"/>
+                    </a:lnL>
+                    <a:lnR w="12700" cap="flat" cmpd="sng" algn="ctr">
+                      <a:solidFill>
+                        <a:schemeClr val="tx1"/>
+                      </a:solidFill>
+                      <a:prstDash val="solid"/>
+                      <a:round/>
+                      <a:headEnd type="none" w="med" len="med"/>
+                      <a:tailEnd type="none" w="med" len="med"/>
+                    </a:lnR>
+                    <a:lnT w="12700" cap="flat" cmpd="sng" algn="ctr">
+                      <a:solidFill>
+                        <a:schemeClr val="tx1"/>
+                      </a:solidFill>
+                      <a:prstDash val="solid"/>
+                      <a:round/>
+                      <a:headEnd type="none" w="med" len="med"/>
+                      <a:tailEnd type="none" w="med" len="med"/>
+                    </a:lnT>
+                    <a:lnB w="12700" cap="flat" cmpd="sng" algn="ctr">
+                      <a:solidFill>
+                        <a:schemeClr val="tx1"/>
+                      </a:solidFill>
+                      <a:prstDash val="solid"/>
+                      <a:round/>
+                      <a:headEnd type="none" w="med" len="med"/>
+                      <a:tailEnd type="none" w="med" len="med"/>
+                    </a:lnB>
+                  </a:tcPr>
+                </a:tc>
+                <a:tc>
+                  <a:txBody>
+                    <a:bodyPr/>
+                    <a:lstStyle/>
+                    <a:p>
+                      <a:r>
+                        <a:rPr lang="en-TW" dirty="0"/>
+                        <a:t>700</a:t>
+                      </a:r>
+                    </a:p>
+                  </a:txBody>
+                  <a:tcPr>
+                    <a:lnL w="12700" cap="flat" cmpd="sng" algn="ctr">
+                      <a:solidFill>
+                        <a:schemeClr val="tx1"/>
+                      </a:solidFill>
+                      <a:prstDash val="solid"/>
+                      <a:round/>
+                      <a:headEnd type="none" w="med" len="med"/>
+                      <a:tailEnd type="none" w="med" len="med"/>
+                    </a:lnL>
+                    <a:lnR w="12700" cap="flat" cmpd="sng" algn="ctr">
+                      <a:solidFill>
+                        <a:schemeClr val="tx1"/>
+                      </a:solidFill>
+                      <a:prstDash val="solid"/>
+                      <a:round/>
+                      <a:headEnd type="none" w="med" len="med"/>
+                      <a:tailEnd type="none" w="med" len="med"/>
+                    </a:lnR>
+                    <a:lnT w="12700" cap="flat" cmpd="sng" algn="ctr">
+                      <a:solidFill>
+                        <a:schemeClr val="tx1"/>
+                      </a:solidFill>
+                      <a:prstDash val="solid"/>
+                      <a:round/>
+                      <a:headEnd type="none" w="med" len="med"/>
+                      <a:tailEnd type="none" w="med" len="med"/>
+                    </a:lnT>
+                    <a:lnB w="12700" cap="flat" cmpd="sng" algn="ctr">
+                      <a:solidFill>
+                        <a:schemeClr val="tx1"/>
+                      </a:solidFill>
+                      <a:prstDash val="solid"/>
+                      <a:round/>
+                      <a:headEnd type="none" w="med" len="med"/>
+                      <a:tailEnd type="none" w="med" len="med"/>
+                    </a:lnB>
+                  </a:tcPr>
+                </a:tc>
+                <a:tc>
+                  <a:txBody>
+                    <a:bodyPr/>
+                    <a:lstStyle/>
+                    <a:p>
+                      <a:r>
+                        <a:rPr lang="en-TW" dirty="0"/>
+                        <a:t>800</a:t>
+                      </a:r>
+                    </a:p>
+                  </a:txBody>
+                  <a:tcPr>
+                    <a:lnL w="12700" cap="flat" cmpd="sng" algn="ctr">
+                      <a:solidFill>
+                        <a:schemeClr val="tx1"/>
+                      </a:solidFill>
+                      <a:prstDash val="solid"/>
+                      <a:round/>
+                      <a:headEnd type="none" w="med" len="med"/>
+                      <a:tailEnd type="none" w="med" len="med"/>
+                    </a:lnL>
+                    <a:lnR w="12700" cap="flat" cmpd="sng" algn="ctr">
+                      <a:solidFill>
+                        <a:schemeClr val="tx1"/>
+                      </a:solidFill>
+                      <a:prstDash val="solid"/>
+                      <a:round/>
+                      <a:headEnd type="none" w="med" len="med"/>
+                      <a:tailEnd type="none" w="med" len="med"/>
+                    </a:lnR>
+                    <a:lnT w="12700" cap="flat" cmpd="sng" algn="ctr">
+                      <a:solidFill>
+                        <a:schemeClr val="tx1"/>
+                      </a:solidFill>
+                      <a:prstDash val="solid"/>
+                      <a:round/>
+                      <a:headEnd type="none" w="med" len="med"/>
+                      <a:tailEnd type="none" w="med" len="med"/>
+                    </a:lnT>
+                    <a:lnB w="12700" cap="flat" cmpd="sng" algn="ctr">
+                      <a:solidFill>
+                        <a:schemeClr val="tx1"/>
+                      </a:solidFill>
+                      <a:prstDash val="solid"/>
+                      <a:round/>
+                      <a:headEnd type="none" w="med" len="med"/>
+                      <a:tailEnd type="none" w="med" len="med"/>
+                    </a:lnB>
+                  </a:tcPr>
+                </a:tc>
+                <a:tc>
+                  <a:txBody>
+                    <a:bodyPr/>
+                    <a:lstStyle/>
+                    <a:p>
+                      <a:r>
+                        <a:rPr lang="en-TW" dirty="0"/>
+                        <a:t>900</a:t>
+                      </a:r>
+                    </a:p>
+                  </a:txBody>
+                  <a:tcPr>
+                    <a:lnL w="12700" cap="flat" cmpd="sng" algn="ctr">
+                      <a:solidFill>
+                        <a:schemeClr val="tx1"/>
+                      </a:solidFill>
+                      <a:prstDash val="solid"/>
+                      <a:round/>
+                      <a:headEnd type="none" w="med" len="med"/>
+                      <a:tailEnd type="none" w="med" len="med"/>
+                    </a:lnL>
+                    <a:lnR w="12700" cap="flat" cmpd="sng" algn="ctr">
+                      <a:solidFill>
+                        <a:schemeClr val="tx1"/>
+                      </a:solidFill>
+                      <a:prstDash val="solid"/>
+                      <a:round/>
+                      <a:headEnd type="none" w="med" len="med"/>
+                      <a:tailEnd type="none" w="med" len="med"/>
+                    </a:lnR>
+                    <a:lnT w="12700" cap="flat" cmpd="sng" algn="ctr">
+                      <a:solidFill>
+                        <a:schemeClr val="tx1"/>
+                      </a:solidFill>
+                      <a:prstDash val="solid"/>
+                      <a:round/>
+                      <a:headEnd type="none" w="med" len="med"/>
+                      <a:tailEnd type="none" w="med" len="med"/>
+                    </a:lnT>
+                    <a:lnB w="12700" cap="flat" cmpd="sng" algn="ctr">
+                      <a:solidFill>
+                        <a:schemeClr val="tx1"/>
+                      </a:solidFill>
+                      <a:prstDash val="solid"/>
+                      <a:round/>
+                      <a:headEnd type="none" w="med" len="med"/>
+                      <a:tailEnd type="none" w="med" len="med"/>
+                    </a:lnB>
+                  </a:tcPr>
+                </a:tc>
+                <a:extLst>
+                  <a:ext uri="{0D108BD9-81ED-4DB2-BD59-A6C34878D82A}">
+                    <a16:rowId xmlns:a16="http://schemas.microsoft.com/office/drawing/2014/main" val="1425352401"/>
+                  </a:ext>
+                </a:extLst>
+              </a:tr>
+              <a:tr h="370840">
+                <a:tc>
+                  <a:txBody>
+                    <a:bodyPr/>
+                    <a:lstStyle/>
+                    <a:p>
+                      <a:r>
+                        <a:rPr lang="en-TW" b="0" dirty="0"/>
+                        <a:t>0</a:t>
+                      </a:r>
+                    </a:p>
+                  </a:txBody>
+                  <a:tcPr>
+                    <a:lnL w="12700" cap="flat" cmpd="sng" algn="ctr">
+                      <a:solidFill>
+                        <a:schemeClr val="tx1"/>
+                      </a:solidFill>
+                      <a:prstDash val="solid"/>
+                      <a:round/>
+                      <a:headEnd type="none" w="med" len="med"/>
+                      <a:tailEnd type="none" w="med" len="med"/>
+                    </a:lnL>
+                    <a:lnR w="12700" cap="flat" cmpd="sng" algn="ctr">
+                      <a:solidFill>
+                        <a:schemeClr val="tx1"/>
+                      </a:solidFill>
+                      <a:prstDash val="solid"/>
+                      <a:round/>
+                      <a:headEnd type="none" w="med" len="med"/>
+                      <a:tailEnd type="none" w="med" len="med"/>
+                    </a:lnR>
+                    <a:lnT w="12700" cap="flat" cmpd="sng" algn="ctr">
+                      <a:solidFill>
+                        <a:schemeClr val="tx1"/>
+                      </a:solidFill>
+                      <a:prstDash val="solid"/>
+                      <a:round/>
+                      <a:headEnd type="none" w="med" len="med"/>
+                      <a:tailEnd type="none" w="med" len="med"/>
+                    </a:lnT>
+                    <a:lnB w="12700" cap="flat" cmpd="sng" algn="ctr">
+                      <a:solidFill>
+                        <a:schemeClr val="tx1"/>
+                      </a:solidFill>
+                      <a:prstDash val="solid"/>
+                      <a:round/>
+                      <a:headEnd type="none" w="med" len="med"/>
+                      <a:tailEnd type="none" w="med" len="med"/>
+                    </a:lnB>
+                  </a:tcPr>
+                </a:tc>
+                <a:tc>
+                  <a:txBody>
+                    <a:bodyPr/>
+                    <a:lstStyle/>
+                    <a:p>
+                      <a:endParaRPr lang="en-TW" dirty="0"/>
+                    </a:p>
+                  </a:txBody>
+                  <a:tcPr>
+                    <a:lnL w="12700" cap="flat" cmpd="sng" algn="ctr">
+                      <a:solidFill>
+                        <a:schemeClr val="tx1"/>
+                      </a:solidFill>
+                      <a:prstDash val="solid"/>
+                      <a:round/>
+                      <a:headEnd type="none" w="med" len="med"/>
+                      <a:tailEnd type="none" w="med" len="med"/>
+                    </a:lnL>
+                    <a:lnR w="12700" cap="flat" cmpd="sng" algn="ctr">
+                      <a:solidFill>
+                        <a:schemeClr val="tx1"/>
+                      </a:solidFill>
+                      <a:prstDash val="solid"/>
+                      <a:round/>
+                      <a:headEnd type="none" w="med" len="med"/>
+                      <a:tailEnd type="none" w="med" len="med"/>
+                    </a:lnR>
+                    <a:lnT w="12700" cap="flat" cmpd="sng" algn="ctr">
+                      <a:solidFill>
+                        <a:schemeClr val="tx1"/>
+                      </a:solidFill>
+                      <a:prstDash val="solid"/>
+                      <a:round/>
+                      <a:headEnd type="none" w="med" len="med"/>
+                      <a:tailEnd type="none" w="med" len="med"/>
+                    </a:lnT>
+                    <a:lnB w="12700" cap="flat" cmpd="sng" algn="ctr">
+                      <a:solidFill>
+                        <a:schemeClr val="tx1"/>
+                      </a:solidFill>
+                      <a:prstDash val="solid"/>
+                      <a:round/>
+                      <a:headEnd type="none" w="med" len="med"/>
+                      <a:tailEnd type="none" w="med" len="med"/>
+                    </a:lnB>
+                  </a:tcPr>
+                </a:tc>
+                <a:tc>
+                  <a:txBody>
+                    <a:bodyPr/>
+                    <a:lstStyle/>
+                    <a:p>
+                      <a:r>
+                        <a:rPr lang="en-TW" dirty="0"/>
+                        <a:t>Wall</a:t>
+                      </a:r>
+                    </a:p>
+                  </a:txBody>
+                  <a:tcPr>
+                    <a:lnL w="12700" cap="flat" cmpd="sng" algn="ctr">
+                      <a:solidFill>
+                        <a:schemeClr val="tx1"/>
+                      </a:solidFill>
+                      <a:prstDash val="solid"/>
+                      <a:round/>
+                      <a:headEnd type="none" w="med" len="med"/>
+                      <a:tailEnd type="none" w="med" len="med"/>
+                    </a:lnL>
+                    <a:lnR w="12700" cap="flat" cmpd="sng" algn="ctr">
+                      <a:solidFill>
+                        <a:schemeClr val="tx1"/>
+                      </a:solidFill>
+                      <a:prstDash val="solid"/>
+                      <a:round/>
+                      <a:headEnd type="none" w="med" len="med"/>
+                      <a:tailEnd type="none" w="med" len="med"/>
+                    </a:lnR>
+                    <a:lnT w="12700" cap="flat" cmpd="sng" algn="ctr">
+                      <a:solidFill>
+                        <a:schemeClr val="tx1"/>
+                      </a:solidFill>
+                      <a:prstDash val="solid"/>
+                      <a:round/>
+                      <a:headEnd type="none" w="med" len="med"/>
+                      <a:tailEnd type="none" w="med" len="med"/>
+                    </a:lnT>
+                    <a:lnB w="12700" cap="flat" cmpd="sng" algn="ctr">
+                      <a:solidFill>
+                        <a:schemeClr val="tx1"/>
+                      </a:solidFill>
+                      <a:prstDash val="solid"/>
+                      <a:round/>
+                      <a:headEnd type="none" w="med" len="med"/>
+                      <a:tailEnd type="none" w="med" len="med"/>
+                    </a:lnB>
+                  </a:tcPr>
+                </a:tc>
+                <a:tc>
+                  <a:txBody>
+                    <a:bodyPr/>
+                    <a:lstStyle/>
+                    <a:p>
+                      <a:r>
+                        <a:rPr kumimoji="0" lang="en-TW" sz="1800" b="0" i="0" u="none" strike="noStrike" kern="1200" cap="none" spc="0" normalizeH="0" baseline="0" noProof="0">
+                          <a:ln>
+                            <a:noFill/>
+                          </a:ln>
+                          <a:solidFill>
+                            <a:prstClr val="black"/>
+                          </a:solidFill>
+                          <a:effectLst/>
+                          <a:uLnTx/>
+                          <a:uFillTx/>
+                          <a:latin typeface="Calibri" panose="020F0502020204030204"/>
+                          <a:ea typeface="+mn-ea"/>
+                          <a:cs typeface="+mn-cs"/>
+                        </a:rPr>
+                        <a:t>Wall</a:t>
+                      </a:r>
+                      <a:endParaRPr lang="en-TW" dirty="0"/>
+                    </a:p>
+                  </a:txBody>
+                  <a:tcPr>
+                    <a:lnL w="12700" cap="flat" cmpd="sng" algn="ctr">
+                      <a:solidFill>
+                        <a:schemeClr val="tx1"/>
+                      </a:solidFill>
+                      <a:prstDash val="solid"/>
+                      <a:round/>
+                      <a:headEnd type="none" w="med" len="med"/>
+                      <a:tailEnd type="none" w="med" len="med"/>
+                    </a:lnL>
+                    <a:lnR w="12700" cap="flat" cmpd="sng" algn="ctr">
+                      <a:solidFill>
+                        <a:schemeClr val="tx1"/>
+                      </a:solidFill>
+                      <a:prstDash val="solid"/>
+                      <a:round/>
+                      <a:headEnd type="none" w="med" len="med"/>
+                      <a:tailEnd type="none" w="med" len="med"/>
+                    </a:lnR>
+                    <a:lnT w="12700" cap="flat" cmpd="sng" algn="ctr">
+                      <a:solidFill>
+                        <a:schemeClr val="tx1"/>
+                      </a:solidFill>
+                      <a:prstDash val="solid"/>
+                      <a:round/>
+                      <a:headEnd type="none" w="med" len="med"/>
+                      <a:tailEnd type="none" w="med" len="med"/>
+                    </a:lnT>
+                    <a:lnB w="12700" cap="flat" cmpd="sng" algn="ctr">
+                      <a:solidFill>
+                        <a:schemeClr val="tx1"/>
+                      </a:solidFill>
+                      <a:prstDash val="solid"/>
+                      <a:round/>
+                      <a:headEnd type="none" w="med" len="med"/>
+                      <a:tailEnd type="none" w="med" len="med"/>
+                    </a:lnB>
+                  </a:tcPr>
+                </a:tc>
+                <a:tc>
+                  <a:txBody>
+                    <a:bodyPr/>
+                    <a:lstStyle/>
+                    <a:p>
+                      <a:r>
+                        <a:rPr kumimoji="0" lang="en-TW" sz="1800" b="0" i="0" u="none" strike="noStrike" kern="1200" cap="none" spc="0" normalizeH="0" baseline="0" noProof="0">
+                          <a:ln>
+                            <a:noFill/>
+                          </a:ln>
+                          <a:solidFill>
+                            <a:prstClr val="black"/>
+                          </a:solidFill>
+                          <a:effectLst/>
+                          <a:uLnTx/>
+                          <a:uFillTx/>
+                          <a:latin typeface="Calibri" panose="020F0502020204030204"/>
+                          <a:ea typeface="+mn-ea"/>
+                          <a:cs typeface="+mn-cs"/>
+                        </a:rPr>
+                        <a:t>Wall</a:t>
+                      </a:r>
+                      <a:endParaRPr lang="en-TW" dirty="0"/>
+                    </a:p>
+                  </a:txBody>
+                  <a:tcPr>
+                    <a:lnL w="12700" cap="flat" cmpd="sng" algn="ctr">
+                      <a:solidFill>
+                        <a:schemeClr val="tx1"/>
+                      </a:solidFill>
+                      <a:prstDash val="solid"/>
+                      <a:round/>
+                      <a:headEnd type="none" w="med" len="med"/>
+                      <a:tailEnd type="none" w="med" len="med"/>
+                    </a:lnL>
+                    <a:lnR w="12700" cap="flat" cmpd="sng" algn="ctr">
+                      <a:solidFill>
+                        <a:schemeClr val="tx1"/>
+                      </a:solidFill>
+                      <a:prstDash val="solid"/>
+                      <a:round/>
+                      <a:headEnd type="none" w="med" len="med"/>
+                      <a:tailEnd type="none" w="med" len="med"/>
+                    </a:lnR>
+                    <a:lnT w="12700" cap="flat" cmpd="sng" algn="ctr">
+                      <a:solidFill>
+                        <a:schemeClr val="tx1"/>
+                      </a:solidFill>
+                      <a:prstDash val="solid"/>
+                      <a:round/>
+                      <a:headEnd type="none" w="med" len="med"/>
+                      <a:tailEnd type="none" w="med" len="med"/>
+                    </a:lnT>
+                    <a:lnB w="12700" cap="flat" cmpd="sng" algn="ctr">
+                      <a:solidFill>
+                        <a:schemeClr val="tx1"/>
+                      </a:solidFill>
+                      <a:prstDash val="solid"/>
+                      <a:round/>
+                      <a:headEnd type="none" w="med" len="med"/>
+                      <a:tailEnd type="none" w="med" len="med"/>
+                    </a:lnB>
+                  </a:tcPr>
+                </a:tc>
+                <a:tc>
+                  <a:txBody>
+                    <a:bodyPr/>
+                    <a:lstStyle/>
+                    <a:p>
+                      <a:r>
+                        <a:rPr kumimoji="0" lang="en-TW" sz="1800" b="0" i="0" u="none" strike="noStrike" kern="1200" cap="none" spc="0" normalizeH="0" baseline="0" noProof="0">
+                          <a:ln>
+                            <a:noFill/>
+                          </a:ln>
+                          <a:solidFill>
+                            <a:prstClr val="black"/>
+                          </a:solidFill>
+                          <a:effectLst/>
+                          <a:uLnTx/>
+                          <a:uFillTx/>
+                          <a:latin typeface="Calibri" panose="020F0502020204030204"/>
+                          <a:ea typeface="+mn-ea"/>
+                          <a:cs typeface="+mn-cs"/>
+                        </a:rPr>
+                        <a:t>Wall</a:t>
+                      </a:r>
+                      <a:endParaRPr lang="en-TW" dirty="0"/>
+                    </a:p>
+                  </a:txBody>
+                  <a:tcPr>
+                    <a:lnL w="12700" cap="flat" cmpd="sng" algn="ctr">
+                      <a:solidFill>
+                        <a:schemeClr val="tx1"/>
+                      </a:solidFill>
+                      <a:prstDash val="solid"/>
+                      <a:round/>
+                      <a:headEnd type="none" w="med" len="med"/>
+                      <a:tailEnd type="none" w="med" len="med"/>
+                    </a:lnL>
+                    <a:lnR w="12700" cap="flat" cmpd="sng" algn="ctr">
+                      <a:solidFill>
+                        <a:schemeClr val="tx1"/>
+                      </a:solidFill>
+                      <a:prstDash val="solid"/>
+                      <a:round/>
+                      <a:headEnd type="none" w="med" len="med"/>
+                      <a:tailEnd type="none" w="med" len="med"/>
+                    </a:lnR>
+                    <a:lnT w="12700" cap="flat" cmpd="sng" algn="ctr">
+                      <a:solidFill>
+                        <a:schemeClr val="tx1"/>
+                      </a:solidFill>
+                      <a:prstDash val="solid"/>
+                      <a:round/>
+                      <a:headEnd type="none" w="med" len="med"/>
+                      <a:tailEnd type="none" w="med" len="med"/>
+                    </a:lnT>
+                    <a:lnB w="12700" cap="flat" cmpd="sng" algn="ctr">
+                      <a:solidFill>
+                        <a:schemeClr val="tx1"/>
+                      </a:solidFill>
+                      <a:prstDash val="solid"/>
+                      <a:round/>
+                      <a:headEnd type="none" w="med" len="med"/>
+                      <a:tailEnd type="none" w="med" len="med"/>
+                    </a:lnB>
+                  </a:tcPr>
+                </a:tc>
+                <a:tc>
+                  <a:txBody>
+                    <a:bodyPr/>
+                    <a:lstStyle/>
+                    <a:p>
+                      <a:r>
+                        <a:rPr kumimoji="0" lang="en-TW" sz="1800" b="0" i="0" u="none" strike="noStrike" kern="1200" cap="none" spc="0" normalizeH="0" baseline="0" noProof="0">
+                          <a:ln>
+                            <a:noFill/>
+                          </a:ln>
+                          <a:solidFill>
+                            <a:prstClr val="black"/>
+                          </a:solidFill>
+                          <a:effectLst/>
+                          <a:uLnTx/>
+                          <a:uFillTx/>
+                          <a:latin typeface="Calibri" panose="020F0502020204030204"/>
+                          <a:ea typeface="+mn-ea"/>
+                          <a:cs typeface="+mn-cs"/>
+                        </a:rPr>
+                        <a:t>Wall</a:t>
+                      </a:r>
+                      <a:endParaRPr lang="en-TW" dirty="0"/>
+                    </a:p>
+                  </a:txBody>
+                  <a:tcPr>
+                    <a:lnL w="12700" cap="flat" cmpd="sng" algn="ctr">
+                      <a:solidFill>
+                        <a:schemeClr val="tx1"/>
+                      </a:solidFill>
+                      <a:prstDash val="solid"/>
+                      <a:round/>
+                      <a:headEnd type="none" w="med" len="med"/>
+                      <a:tailEnd type="none" w="med" len="med"/>
+                    </a:lnL>
+                    <a:lnR w="12700" cap="flat" cmpd="sng" algn="ctr">
+                      <a:solidFill>
+                        <a:schemeClr val="tx1"/>
+                      </a:solidFill>
+                      <a:prstDash val="solid"/>
+                      <a:round/>
+                      <a:headEnd type="none" w="med" len="med"/>
+                      <a:tailEnd type="none" w="med" len="med"/>
+                    </a:lnR>
+                    <a:lnT w="12700" cap="flat" cmpd="sng" algn="ctr">
+                      <a:solidFill>
+                        <a:schemeClr val="tx1"/>
+                      </a:solidFill>
+                      <a:prstDash val="solid"/>
+                      <a:round/>
+                      <a:headEnd type="none" w="med" len="med"/>
+                      <a:tailEnd type="none" w="med" len="med"/>
+                    </a:lnT>
+                    <a:lnB w="12700" cap="flat" cmpd="sng" algn="ctr">
+                      <a:solidFill>
+                        <a:schemeClr val="tx1"/>
+                      </a:solidFill>
+                      <a:prstDash val="solid"/>
+                      <a:round/>
+                      <a:headEnd type="none" w="med" len="med"/>
+                      <a:tailEnd type="none" w="med" len="med"/>
+                    </a:lnB>
+                  </a:tcPr>
+                </a:tc>
+                <a:tc>
+                  <a:txBody>
+                    <a:bodyPr/>
+                    <a:lstStyle/>
+                    <a:p>
+                      <a:r>
+                        <a:rPr kumimoji="0" lang="en-TW" sz="1800" b="0" i="0" u="none" strike="noStrike" kern="1200" cap="none" spc="0" normalizeH="0" baseline="0" noProof="0">
+                          <a:ln>
+                            <a:noFill/>
+                          </a:ln>
+                          <a:solidFill>
+                            <a:prstClr val="black"/>
+                          </a:solidFill>
+                          <a:effectLst/>
+                          <a:uLnTx/>
+                          <a:uFillTx/>
+                          <a:latin typeface="Calibri" panose="020F0502020204030204"/>
+                          <a:ea typeface="+mn-ea"/>
+                          <a:cs typeface="+mn-cs"/>
+                        </a:rPr>
+                        <a:t>Wall</a:t>
+                      </a:r>
+                      <a:endParaRPr lang="en-TW" dirty="0"/>
+                    </a:p>
+                  </a:txBody>
+                  <a:tcPr>
+                    <a:lnL w="12700" cap="flat" cmpd="sng" algn="ctr">
+                      <a:solidFill>
+                        <a:schemeClr val="tx1"/>
+                      </a:solidFill>
+                      <a:prstDash val="solid"/>
+                      <a:round/>
+                      <a:headEnd type="none" w="med" len="med"/>
+                      <a:tailEnd type="none" w="med" len="med"/>
+                    </a:lnL>
+                    <a:lnR w="12700" cap="flat" cmpd="sng" algn="ctr">
+                      <a:solidFill>
+                        <a:schemeClr val="tx1"/>
+                      </a:solidFill>
+                      <a:prstDash val="solid"/>
+                      <a:round/>
+                      <a:headEnd type="none" w="med" len="med"/>
+                      <a:tailEnd type="none" w="med" len="med"/>
+                    </a:lnR>
+                    <a:lnT w="12700" cap="flat" cmpd="sng" algn="ctr">
+                      <a:solidFill>
+                        <a:schemeClr val="tx1"/>
+                      </a:solidFill>
+                      <a:prstDash val="solid"/>
+                      <a:round/>
+                      <a:headEnd type="none" w="med" len="med"/>
+                      <a:tailEnd type="none" w="med" len="med"/>
+                    </a:lnT>
+                    <a:lnB w="12700" cap="flat" cmpd="sng" algn="ctr">
+                      <a:solidFill>
+                        <a:schemeClr val="tx1"/>
+                      </a:solidFill>
+                      <a:prstDash val="solid"/>
+                      <a:round/>
+                      <a:headEnd type="none" w="med" len="med"/>
+                      <a:tailEnd type="none" w="med" len="med"/>
+                    </a:lnB>
+                  </a:tcPr>
+                </a:tc>
+                <a:tc>
+                  <a:txBody>
+                    <a:bodyPr/>
+                    <a:lstStyle/>
+                    <a:p>
+                      <a:r>
+                        <a:rPr kumimoji="0" lang="en-TW" sz="1800" b="0" i="0" u="none" strike="noStrike" kern="1200" cap="none" spc="0" normalizeH="0" baseline="0" noProof="0">
+                          <a:ln>
+                            <a:noFill/>
+                          </a:ln>
+                          <a:solidFill>
+                            <a:prstClr val="black"/>
+                          </a:solidFill>
+                          <a:effectLst/>
+                          <a:uLnTx/>
+                          <a:uFillTx/>
+                          <a:latin typeface="Calibri" panose="020F0502020204030204"/>
+                          <a:ea typeface="+mn-ea"/>
+                          <a:cs typeface="+mn-cs"/>
+                        </a:rPr>
+                        <a:t>Wall</a:t>
+                      </a:r>
+                      <a:endParaRPr lang="en-TW" dirty="0"/>
+                    </a:p>
+                  </a:txBody>
+                  <a:tcPr>
+                    <a:lnL w="12700" cap="flat" cmpd="sng" algn="ctr">
+                      <a:solidFill>
+                        <a:schemeClr val="tx1"/>
+                      </a:solidFill>
+                      <a:prstDash val="solid"/>
+                      <a:round/>
+                      <a:headEnd type="none" w="med" len="med"/>
+                      <a:tailEnd type="none" w="med" len="med"/>
+                    </a:lnL>
+                    <a:lnR w="12700" cap="flat" cmpd="sng" algn="ctr">
+                      <a:solidFill>
+                        <a:schemeClr val="tx1"/>
+                      </a:solidFill>
+                      <a:prstDash val="solid"/>
+                      <a:round/>
+                      <a:headEnd type="none" w="med" len="med"/>
+                      <a:tailEnd type="none" w="med" len="med"/>
+                    </a:lnR>
+                    <a:lnT w="12700" cap="flat" cmpd="sng" algn="ctr">
+                      <a:solidFill>
+                        <a:schemeClr val="tx1"/>
+                      </a:solidFill>
+                      <a:prstDash val="solid"/>
+                      <a:round/>
+                      <a:headEnd type="none" w="med" len="med"/>
+                      <a:tailEnd type="none" w="med" len="med"/>
+                    </a:lnT>
+                    <a:lnB w="12700" cap="flat" cmpd="sng" algn="ctr">
+                      <a:solidFill>
+                        <a:schemeClr val="tx1"/>
+                      </a:solidFill>
+                      <a:prstDash val="solid"/>
+                      <a:round/>
+                      <a:headEnd type="none" w="med" len="med"/>
+                      <a:tailEnd type="none" w="med" len="med"/>
+                    </a:lnB>
+                  </a:tcPr>
+                </a:tc>
+                <a:tc>
+                  <a:txBody>
+                    <a:bodyPr/>
+                    <a:lstStyle/>
+                    <a:p>
+                      <a:r>
+                        <a:rPr kumimoji="0" lang="en-TW" sz="1800" b="0" i="0" u="none" strike="noStrike" kern="1200" cap="none" spc="0" normalizeH="0" baseline="0" noProof="0" dirty="0">
+                          <a:ln>
+                            <a:noFill/>
+                          </a:ln>
+                          <a:solidFill>
+                            <a:prstClr val="black"/>
+                          </a:solidFill>
+                          <a:effectLst/>
+                          <a:uLnTx/>
+                          <a:uFillTx/>
+                          <a:latin typeface="Calibri" panose="020F0502020204030204"/>
+                          <a:ea typeface="+mn-ea"/>
+                          <a:cs typeface="+mn-cs"/>
+                        </a:rPr>
+                        <a:t>Wall</a:t>
+                      </a:r>
+                      <a:endParaRPr lang="en-TW" dirty="0"/>
+                    </a:p>
+                  </a:txBody>
+                  <a:tcPr>
+                    <a:lnL w="12700" cap="flat" cmpd="sng" algn="ctr">
+                      <a:solidFill>
+                        <a:schemeClr val="tx1"/>
+                      </a:solidFill>
+                      <a:prstDash val="solid"/>
+                      <a:round/>
+                      <a:headEnd type="none" w="med" len="med"/>
+                      <a:tailEnd type="none" w="med" len="med"/>
+                    </a:lnL>
+                    <a:lnR w="12700" cap="flat" cmpd="sng" algn="ctr">
+                      <a:solidFill>
+                        <a:schemeClr val="tx1"/>
+                      </a:solidFill>
+                      <a:prstDash val="solid"/>
+                      <a:round/>
+                      <a:headEnd type="none" w="med" len="med"/>
+                      <a:tailEnd type="none" w="med" len="med"/>
+                    </a:lnR>
+                    <a:lnT w="12700" cap="flat" cmpd="sng" algn="ctr">
+                      <a:solidFill>
+                        <a:schemeClr val="tx1"/>
+                      </a:solidFill>
+                      <a:prstDash val="solid"/>
+                      <a:round/>
+                      <a:headEnd type="none" w="med" len="med"/>
+                      <a:tailEnd type="none" w="med" len="med"/>
+                    </a:lnT>
+                    <a:lnB w="12700" cap="flat" cmpd="sng" algn="ctr">
+                      <a:solidFill>
+                        <a:schemeClr val="tx1"/>
+                      </a:solidFill>
+                      <a:prstDash val="solid"/>
+                      <a:round/>
+                      <a:headEnd type="none" w="med" len="med"/>
+                      <a:tailEnd type="none" w="med" len="med"/>
+                    </a:lnB>
+                  </a:tcPr>
+                </a:tc>
+                <a:tc>
+                  <a:txBody>
+                    <a:bodyPr/>
+                    <a:lstStyle/>
+                    <a:p>
+                      <a:endParaRPr lang="en-TW" dirty="0"/>
+                    </a:p>
+                  </a:txBody>
+                  <a:tcPr>
+                    <a:lnL w="12700" cap="flat" cmpd="sng" algn="ctr">
+                      <a:solidFill>
+                        <a:schemeClr val="tx1"/>
+                      </a:solidFill>
+                      <a:prstDash val="solid"/>
+                      <a:round/>
+                      <a:headEnd type="none" w="med" len="med"/>
+                      <a:tailEnd type="none" w="med" len="med"/>
+                    </a:lnL>
+                    <a:lnR w="12700" cap="flat" cmpd="sng" algn="ctr">
+                      <a:solidFill>
+                        <a:schemeClr val="tx1"/>
+                      </a:solidFill>
+                      <a:prstDash val="solid"/>
+                      <a:round/>
+                      <a:headEnd type="none" w="med" len="med"/>
+                      <a:tailEnd type="none" w="med" len="med"/>
+                    </a:lnR>
+                    <a:lnT w="12700" cap="flat" cmpd="sng" algn="ctr">
+                      <a:solidFill>
+                        <a:schemeClr val="tx1"/>
+                      </a:solidFill>
+                      <a:prstDash val="solid"/>
+                      <a:round/>
+                      <a:headEnd type="none" w="med" len="med"/>
+                      <a:tailEnd type="none" w="med" len="med"/>
+                    </a:lnT>
+                    <a:lnB w="12700" cap="flat" cmpd="sng" algn="ctr">
+                      <a:solidFill>
+                        <a:schemeClr val="tx1"/>
+                      </a:solidFill>
+                      <a:prstDash val="solid"/>
+                      <a:round/>
+                      <a:headEnd type="none" w="med" len="med"/>
+                      <a:tailEnd type="none" w="med" len="med"/>
+                    </a:lnB>
+                  </a:tcPr>
+                </a:tc>
+                <a:extLst>
+                  <a:ext uri="{0D108BD9-81ED-4DB2-BD59-A6C34878D82A}">
+                    <a16:rowId xmlns:a16="http://schemas.microsoft.com/office/drawing/2014/main" val="1388248712"/>
+                  </a:ext>
+                </a:extLst>
+              </a:tr>
+              <a:tr h="370840">
+                <a:tc>
+                  <a:txBody>
+                    <a:bodyPr/>
+                    <a:lstStyle/>
+                    <a:p>
+                      <a:pPr marL="0" marR="0" lvl="0" indent="0" algn="l" defTabSz="914400" rtl="0" eaLnBrk="1" fontAlgn="auto" latinLnBrk="0" hangingPunct="1">
+                        <a:lnSpc>
+                          <a:spcPct val="100000"/>
+                        </a:lnSpc>
+                        <a:spcBef>
+                          <a:spcPts val="0"/>
+                        </a:spcBef>
+                        <a:spcAft>
+                          <a:spcPts val="0"/>
+                        </a:spcAft>
+                        <a:buClrTx/>
+                        <a:buSzTx/>
+                        <a:buFontTx/>
+                        <a:buNone/>
+                        <a:tabLst/>
+                        <a:defRPr/>
+                      </a:pPr>
+                      <a:r>
+                        <a:rPr lang="en-TW" b="0" dirty="0"/>
+                        <a:t>100</a:t>
+                      </a:r>
+                    </a:p>
+                  </a:txBody>
+                  <a:tcPr>
+                    <a:lnL w="12700" cap="flat" cmpd="sng" algn="ctr">
+                      <a:solidFill>
+                        <a:schemeClr val="tx1"/>
+                      </a:solidFill>
+                      <a:prstDash val="solid"/>
+                      <a:round/>
+                      <a:headEnd type="none" w="med" len="med"/>
+                      <a:tailEnd type="none" w="med" len="med"/>
+                    </a:lnL>
+                    <a:lnR w="12700" cap="flat" cmpd="sng" algn="ctr">
+                      <a:solidFill>
+                        <a:schemeClr val="tx1"/>
+                      </a:solidFill>
+                      <a:prstDash val="solid"/>
+                      <a:round/>
+                      <a:headEnd type="none" w="med" len="med"/>
+                      <a:tailEnd type="none" w="med" len="med"/>
+                    </a:lnR>
+                    <a:lnT w="12700" cap="flat" cmpd="sng" algn="ctr">
+                      <a:solidFill>
+                        <a:schemeClr val="tx1"/>
+                      </a:solidFill>
+                      <a:prstDash val="solid"/>
+                      <a:round/>
+                      <a:headEnd type="none" w="med" len="med"/>
+                      <a:tailEnd type="none" w="med" len="med"/>
+                    </a:lnT>
+                    <a:lnB w="12700" cap="flat" cmpd="sng" algn="ctr">
+                      <a:solidFill>
+                        <a:schemeClr val="tx1"/>
+                      </a:solidFill>
+                      <a:prstDash val="solid"/>
+                      <a:round/>
+                      <a:headEnd type="none" w="med" len="med"/>
+                      <a:tailEnd type="none" w="med" len="med"/>
+                    </a:lnB>
+                  </a:tcPr>
+                </a:tc>
+                <a:tc>
+                  <a:txBody>
+                    <a:bodyPr/>
+                    <a:lstStyle/>
+                    <a:p>
+                      <a:pPr marL="0" marR="0" lvl="0" indent="0" algn="l" defTabSz="914400" rtl="0" eaLnBrk="1" fontAlgn="auto" latinLnBrk="0" hangingPunct="1">
+                        <a:lnSpc>
+                          <a:spcPct val="100000"/>
+                        </a:lnSpc>
+                        <a:spcBef>
+                          <a:spcPts val="0"/>
+                        </a:spcBef>
+                        <a:spcAft>
+                          <a:spcPts val="0"/>
+                        </a:spcAft>
+                        <a:buClrTx/>
+                        <a:buSzTx/>
+                        <a:buFontTx/>
+                        <a:buNone/>
+                        <a:tabLst/>
+                        <a:defRPr/>
+                      </a:pPr>
+                      <a:r>
+                        <a:rPr lang="en-TW" dirty="0"/>
+                        <a:t>Wall</a:t>
+                      </a:r>
+                    </a:p>
+                  </a:txBody>
+                  <a:tcPr>
+                    <a:lnL w="12700" cap="flat" cmpd="sng" algn="ctr">
+                      <a:solidFill>
+                        <a:schemeClr val="tx1"/>
+                      </a:solidFill>
+                      <a:prstDash val="solid"/>
+                      <a:round/>
+                      <a:headEnd type="none" w="med" len="med"/>
+                      <a:tailEnd type="none" w="med" len="med"/>
+                    </a:lnL>
+                    <a:lnR w="12700" cap="flat" cmpd="sng" algn="ctr">
+                      <a:solidFill>
+                        <a:schemeClr val="tx1"/>
+                      </a:solidFill>
+                      <a:prstDash val="solid"/>
+                      <a:round/>
+                      <a:headEnd type="none" w="med" len="med"/>
+                      <a:tailEnd type="none" w="med" len="med"/>
+                    </a:lnR>
+                    <a:lnT w="12700" cap="flat" cmpd="sng" algn="ctr">
+                      <a:solidFill>
+                        <a:schemeClr val="tx1"/>
+                      </a:solidFill>
+                      <a:prstDash val="solid"/>
+                      <a:round/>
+                      <a:headEnd type="none" w="med" len="med"/>
+                      <a:tailEnd type="none" w="med" len="med"/>
+                    </a:lnT>
+                    <a:lnB w="12700" cap="flat" cmpd="sng" algn="ctr">
+                      <a:solidFill>
+                        <a:schemeClr val="tx1"/>
+                      </a:solidFill>
+                      <a:prstDash val="solid"/>
+                      <a:round/>
+                      <a:headEnd type="none" w="med" len="med"/>
+                      <a:tailEnd type="none" w="med" len="med"/>
+                    </a:lnB>
+                  </a:tcPr>
+                </a:tc>
+                <a:tc>
+                  <a:txBody>
+                    <a:bodyPr/>
+                    <a:lstStyle/>
+                    <a:p>
+                      <a:r>
+                        <a:rPr lang="en-TW" i="1" dirty="0"/>
+                        <a:t>TrashCan</a:t>
+                      </a:r>
+                    </a:p>
+                  </a:txBody>
+                  <a:tcPr>
+                    <a:lnL w="12700" cap="flat" cmpd="sng" algn="ctr">
+                      <a:solidFill>
+                        <a:schemeClr val="tx1"/>
+                      </a:solidFill>
+                      <a:prstDash val="solid"/>
+                      <a:round/>
+                      <a:headEnd type="none" w="med" len="med"/>
+                      <a:tailEnd type="none" w="med" len="med"/>
+                    </a:lnL>
+                    <a:lnR w="12700" cap="flat" cmpd="sng" algn="ctr">
+                      <a:solidFill>
+                        <a:schemeClr val="tx1"/>
+                      </a:solidFill>
+                      <a:prstDash val="solid"/>
+                      <a:round/>
+                      <a:headEnd type="none" w="med" len="med"/>
+                      <a:tailEnd type="none" w="med" len="med"/>
+                    </a:lnR>
+                    <a:lnT w="12700" cap="flat" cmpd="sng" algn="ctr">
+                      <a:solidFill>
+                        <a:schemeClr val="tx1"/>
+                      </a:solidFill>
+                      <a:prstDash val="solid"/>
+                      <a:round/>
+                      <a:headEnd type="none" w="med" len="med"/>
+                      <a:tailEnd type="none" w="med" len="med"/>
+                    </a:lnT>
+                    <a:lnB w="12700" cap="flat" cmpd="sng" algn="ctr">
+                      <a:solidFill>
+                        <a:schemeClr val="tx1"/>
+                      </a:solidFill>
+                      <a:prstDash val="solid"/>
+                      <a:round/>
+                      <a:headEnd type="none" w="med" len="med"/>
+                      <a:tailEnd type="none" w="med" len="med"/>
+                    </a:lnB>
+                  </a:tcPr>
+                </a:tc>
+                <a:tc>
+                  <a:txBody>
+                    <a:bodyPr/>
+                    <a:lstStyle/>
+                    <a:p>
+                      <a:endParaRPr lang="en-TW"/>
+                    </a:p>
+                  </a:txBody>
+                  <a:tcPr>
+                    <a:lnL w="12700" cap="flat" cmpd="sng" algn="ctr">
+                      <a:solidFill>
+                        <a:schemeClr val="tx1"/>
+                      </a:solidFill>
+                      <a:prstDash val="solid"/>
+                      <a:round/>
+                      <a:headEnd type="none" w="med" len="med"/>
+                      <a:tailEnd type="none" w="med" len="med"/>
+                    </a:lnL>
+                    <a:lnR w="12700" cap="flat" cmpd="sng" algn="ctr">
+                      <a:solidFill>
+                        <a:schemeClr val="tx1"/>
+                      </a:solidFill>
+                      <a:prstDash val="solid"/>
+                      <a:round/>
+                      <a:headEnd type="none" w="med" len="med"/>
+                      <a:tailEnd type="none" w="med" len="med"/>
+                    </a:lnR>
+                    <a:lnT w="12700" cap="flat" cmpd="sng" algn="ctr">
+                      <a:solidFill>
+                        <a:schemeClr val="tx1"/>
+                      </a:solidFill>
+                      <a:prstDash val="solid"/>
+                      <a:round/>
+                      <a:headEnd type="none" w="med" len="med"/>
+                      <a:tailEnd type="none" w="med" len="med"/>
+                    </a:lnT>
+                    <a:lnB w="12700" cap="flat" cmpd="sng" algn="ctr">
+                      <a:solidFill>
+                        <a:schemeClr val="tx1"/>
+                      </a:solidFill>
+                      <a:prstDash val="solid"/>
+                      <a:round/>
+                      <a:headEnd type="none" w="med" len="med"/>
+                      <a:tailEnd type="none" w="med" len="med"/>
+                    </a:lnB>
+                  </a:tcPr>
+                </a:tc>
+                <a:tc>
+                  <a:txBody>
+                    <a:bodyPr/>
+                    <a:lstStyle/>
+                    <a:p>
+                      <a:endParaRPr lang="en-TW"/>
+                    </a:p>
+                  </a:txBody>
+                  <a:tcPr>
+                    <a:lnL w="12700" cap="flat" cmpd="sng" algn="ctr">
+                      <a:solidFill>
+                        <a:schemeClr val="tx1"/>
+                      </a:solidFill>
+                      <a:prstDash val="solid"/>
+                      <a:round/>
+                      <a:headEnd type="none" w="med" len="med"/>
+                      <a:tailEnd type="none" w="med" len="med"/>
+                    </a:lnL>
+                    <a:lnR w="12700" cap="flat" cmpd="sng" algn="ctr">
+                      <a:solidFill>
+                        <a:schemeClr val="tx1"/>
+                      </a:solidFill>
+                      <a:prstDash val="solid"/>
+                      <a:round/>
+                      <a:headEnd type="none" w="med" len="med"/>
+                      <a:tailEnd type="none" w="med" len="med"/>
+                    </a:lnR>
+                    <a:lnT w="12700" cap="flat" cmpd="sng" algn="ctr">
+                      <a:solidFill>
+                        <a:schemeClr val="tx1"/>
+                      </a:solidFill>
+                      <a:prstDash val="solid"/>
+                      <a:round/>
+                      <a:headEnd type="none" w="med" len="med"/>
+                      <a:tailEnd type="none" w="med" len="med"/>
+                    </a:lnT>
+                    <a:lnB w="12700" cap="flat" cmpd="sng" algn="ctr">
+                      <a:solidFill>
+                        <a:schemeClr val="tx1"/>
+                      </a:solidFill>
+                      <a:prstDash val="solid"/>
+                      <a:round/>
+                      <a:headEnd type="none" w="med" len="med"/>
+                      <a:tailEnd type="none" w="med" len="med"/>
+                    </a:lnB>
+                  </a:tcPr>
+                </a:tc>
+                <a:tc>
+                  <a:txBody>
+                    <a:bodyPr/>
+                    <a:lstStyle/>
+                    <a:p>
+                      <a:endParaRPr lang="en-TW"/>
+                    </a:p>
+                  </a:txBody>
+                  <a:tcPr>
+                    <a:lnL w="12700" cap="flat" cmpd="sng" algn="ctr">
+                      <a:solidFill>
+                        <a:schemeClr val="tx1"/>
+                      </a:solidFill>
+                      <a:prstDash val="solid"/>
+                      <a:round/>
+                      <a:headEnd type="none" w="med" len="med"/>
+                      <a:tailEnd type="none" w="med" len="med"/>
+                    </a:lnL>
+                    <a:lnR w="12700" cap="flat" cmpd="sng" algn="ctr">
+                      <a:solidFill>
+                        <a:schemeClr val="tx1"/>
+                      </a:solidFill>
+                      <a:prstDash val="solid"/>
+                      <a:round/>
+                      <a:headEnd type="none" w="med" len="med"/>
+                      <a:tailEnd type="none" w="med" len="med"/>
+                    </a:lnR>
+                    <a:lnT w="12700" cap="flat" cmpd="sng" algn="ctr">
+                      <a:solidFill>
+                        <a:schemeClr val="tx1"/>
+                      </a:solidFill>
+                      <a:prstDash val="solid"/>
+                      <a:round/>
+                      <a:headEnd type="none" w="med" len="med"/>
+                      <a:tailEnd type="none" w="med" len="med"/>
+                    </a:lnT>
+                    <a:lnB w="12700" cap="flat" cmpd="sng" algn="ctr">
+                      <a:solidFill>
+                        <a:schemeClr val="tx1"/>
+                      </a:solidFill>
+                      <a:prstDash val="solid"/>
+                      <a:round/>
+                      <a:headEnd type="none" w="med" len="med"/>
+                      <a:tailEnd type="none" w="med" len="med"/>
+                    </a:lnB>
+                  </a:tcPr>
+                </a:tc>
+                <a:tc>
+                  <a:txBody>
+                    <a:bodyPr/>
+                    <a:lstStyle/>
+                    <a:p>
+                      <a:endParaRPr lang="en-TW"/>
+                    </a:p>
+                  </a:txBody>
+                  <a:tcPr>
+                    <a:lnL w="12700" cap="flat" cmpd="sng" algn="ctr">
+                      <a:solidFill>
+                        <a:schemeClr val="tx1"/>
+                      </a:solidFill>
+                      <a:prstDash val="solid"/>
+                      <a:round/>
+                      <a:headEnd type="none" w="med" len="med"/>
+                      <a:tailEnd type="none" w="med" len="med"/>
+                    </a:lnL>
+                    <a:lnR w="12700" cap="flat" cmpd="sng" algn="ctr">
+                      <a:solidFill>
+                        <a:schemeClr val="tx1"/>
+                      </a:solidFill>
+                      <a:prstDash val="solid"/>
+                      <a:round/>
+                      <a:headEnd type="none" w="med" len="med"/>
+                      <a:tailEnd type="none" w="med" len="med"/>
+                    </a:lnR>
+                    <a:lnT w="12700" cap="flat" cmpd="sng" algn="ctr">
+                      <a:solidFill>
+                        <a:schemeClr val="tx1"/>
+                      </a:solidFill>
+                      <a:prstDash val="solid"/>
+                      <a:round/>
+                      <a:headEnd type="none" w="med" len="med"/>
+                      <a:tailEnd type="none" w="med" len="med"/>
+                    </a:lnT>
+                    <a:lnB w="12700" cap="flat" cmpd="sng" algn="ctr">
+                      <a:solidFill>
+                        <a:schemeClr val="tx1"/>
+                      </a:solidFill>
+                      <a:prstDash val="solid"/>
+                      <a:round/>
+                      <a:headEnd type="none" w="med" len="med"/>
+                      <a:tailEnd type="none" w="med" len="med"/>
+                    </a:lnB>
+                  </a:tcPr>
+                </a:tc>
+                <a:tc>
+                  <a:txBody>
+                    <a:bodyPr/>
+                    <a:lstStyle/>
+                    <a:p>
+                      <a:endParaRPr lang="en-TW"/>
+                    </a:p>
+                  </a:txBody>
+                  <a:tcPr>
+                    <a:lnL w="12700" cap="flat" cmpd="sng" algn="ctr">
+                      <a:solidFill>
+                        <a:schemeClr val="tx1"/>
+                      </a:solidFill>
+                      <a:prstDash val="solid"/>
+                      <a:round/>
+                      <a:headEnd type="none" w="med" len="med"/>
+                      <a:tailEnd type="none" w="med" len="med"/>
+                    </a:lnL>
+                    <a:lnR w="12700" cap="flat" cmpd="sng" algn="ctr">
+                      <a:solidFill>
+                        <a:schemeClr val="tx1"/>
+                      </a:solidFill>
+                      <a:prstDash val="solid"/>
+                      <a:round/>
+                      <a:headEnd type="none" w="med" len="med"/>
+                      <a:tailEnd type="none" w="med" len="med"/>
+                    </a:lnR>
+                    <a:lnT w="12700" cap="flat" cmpd="sng" algn="ctr">
+                      <a:solidFill>
+                        <a:schemeClr val="tx1"/>
+                      </a:solidFill>
+                      <a:prstDash val="solid"/>
+                      <a:round/>
+                      <a:headEnd type="none" w="med" len="med"/>
+                      <a:tailEnd type="none" w="med" len="med"/>
+                    </a:lnT>
+                    <a:lnB w="12700" cap="flat" cmpd="sng" algn="ctr">
+                      <a:solidFill>
+                        <a:schemeClr val="tx1"/>
+                      </a:solidFill>
+                      <a:prstDash val="solid"/>
+                      <a:round/>
+                      <a:headEnd type="none" w="med" len="med"/>
+                      <a:tailEnd type="none" w="med" len="med"/>
+                    </a:lnB>
+                  </a:tcPr>
+                </a:tc>
+                <a:tc>
+                  <a:txBody>
+                    <a:bodyPr/>
+                    <a:lstStyle/>
+                    <a:p>
+                      <a:endParaRPr lang="en-TW" dirty="0"/>
+                    </a:p>
+                  </a:txBody>
+                  <a:tcPr>
+                    <a:lnL w="12700" cap="flat" cmpd="sng" algn="ctr">
+                      <a:solidFill>
+                        <a:schemeClr val="tx1"/>
+                      </a:solidFill>
+                      <a:prstDash val="solid"/>
+                      <a:round/>
+                      <a:headEnd type="none" w="med" len="med"/>
+                      <a:tailEnd type="none" w="med" len="med"/>
+                    </a:lnL>
+                    <a:lnR w="12700" cap="flat" cmpd="sng" algn="ctr">
+                      <a:solidFill>
+                        <a:schemeClr val="tx1"/>
+                      </a:solidFill>
+                      <a:prstDash val="solid"/>
+                      <a:round/>
+                      <a:headEnd type="none" w="med" len="med"/>
+                      <a:tailEnd type="none" w="med" len="med"/>
+                    </a:lnR>
+                    <a:lnT w="12700" cap="flat" cmpd="sng" algn="ctr">
+                      <a:solidFill>
+                        <a:schemeClr val="tx1"/>
+                      </a:solidFill>
+                      <a:prstDash val="solid"/>
+                      <a:round/>
+                      <a:headEnd type="none" w="med" len="med"/>
+                      <a:tailEnd type="none" w="med" len="med"/>
+                    </a:lnT>
+                    <a:lnB w="12700" cap="flat" cmpd="sng" algn="ctr">
+                      <a:solidFill>
+                        <a:schemeClr val="tx1"/>
+                      </a:solidFill>
+                      <a:prstDash val="solid"/>
+                      <a:round/>
+                      <a:headEnd type="none" w="med" len="med"/>
+                      <a:tailEnd type="none" w="med" len="med"/>
+                    </a:lnB>
+                  </a:tcPr>
+                </a:tc>
+                <a:tc>
+                  <a:txBody>
+                    <a:bodyPr/>
+                    <a:lstStyle/>
+                    <a:p>
+                      <a:r>
+                        <a:rPr lang="en-TW" dirty="0"/>
+                        <a:t>Lettuce</a:t>
+                      </a:r>
+                    </a:p>
+                  </a:txBody>
+                  <a:tcPr>
+                    <a:lnL w="12700" cap="flat" cmpd="sng" algn="ctr">
+                      <a:solidFill>
+                        <a:schemeClr val="tx1"/>
+                      </a:solidFill>
+                      <a:prstDash val="solid"/>
+                      <a:round/>
+                      <a:headEnd type="none" w="med" len="med"/>
+                      <a:tailEnd type="none" w="med" len="med"/>
+                    </a:lnL>
+                    <a:lnR w="12700" cap="flat" cmpd="sng" algn="ctr">
+                      <a:solidFill>
+                        <a:schemeClr val="tx1"/>
+                      </a:solidFill>
+                      <a:prstDash val="solid"/>
+                      <a:round/>
+                      <a:headEnd type="none" w="med" len="med"/>
+                      <a:tailEnd type="none" w="med" len="med"/>
+                    </a:lnR>
+                    <a:lnT w="12700" cap="flat" cmpd="sng" algn="ctr">
+                      <a:solidFill>
+                        <a:schemeClr val="tx1"/>
+                      </a:solidFill>
+                      <a:prstDash val="solid"/>
+                      <a:round/>
+                      <a:headEnd type="none" w="med" len="med"/>
+                      <a:tailEnd type="none" w="med" len="med"/>
+                    </a:lnT>
+                    <a:lnB w="12700" cap="flat" cmpd="sng" algn="ctr">
+                      <a:solidFill>
+                        <a:schemeClr val="tx1"/>
+                      </a:solidFill>
+                      <a:prstDash val="solid"/>
+                      <a:round/>
+                      <a:headEnd type="none" w="med" len="med"/>
+                      <a:tailEnd type="none" w="med" len="med"/>
+                    </a:lnB>
+                  </a:tcPr>
+                </a:tc>
+                <a:tc>
+                  <a:txBody>
+                    <a:bodyPr/>
+                    <a:lstStyle/>
+                    <a:p>
+                      <a:pPr marL="0" marR="0" lvl="0" indent="0" algn="l" defTabSz="914400" rtl="0" eaLnBrk="1" fontAlgn="auto" latinLnBrk="0" hangingPunct="1">
+                        <a:lnSpc>
+                          <a:spcPct val="100000"/>
+                        </a:lnSpc>
+                        <a:spcBef>
+                          <a:spcPts val="0"/>
+                        </a:spcBef>
+                        <a:spcAft>
+                          <a:spcPts val="0"/>
+                        </a:spcAft>
+                        <a:buClrTx/>
+                        <a:buSzTx/>
+                        <a:buFontTx/>
+                        <a:buNone/>
+                        <a:tabLst/>
+                        <a:defRPr/>
+                      </a:pPr>
+                      <a:r>
+                        <a:rPr lang="en-TW" dirty="0"/>
+                        <a:t>Wall</a:t>
+                      </a:r>
+                    </a:p>
+                  </a:txBody>
+                  <a:tcPr>
+                    <a:lnL w="12700" cap="flat" cmpd="sng" algn="ctr">
+                      <a:solidFill>
+                        <a:schemeClr val="tx1"/>
+                      </a:solidFill>
+                      <a:prstDash val="solid"/>
+                      <a:round/>
+                      <a:headEnd type="none" w="med" len="med"/>
+                      <a:tailEnd type="none" w="med" len="med"/>
+                    </a:lnL>
+                    <a:lnR w="12700" cap="flat" cmpd="sng" algn="ctr">
+                      <a:solidFill>
+                        <a:schemeClr val="tx1"/>
+                      </a:solidFill>
+                      <a:prstDash val="solid"/>
+                      <a:round/>
+                      <a:headEnd type="none" w="med" len="med"/>
+                      <a:tailEnd type="none" w="med" len="med"/>
+                    </a:lnR>
+                    <a:lnT w="12700" cap="flat" cmpd="sng" algn="ctr">
+                      <a:solidFill>
+                        <a:schemeClr val="tx1"/>
+                      </a:solidFill>
+                      <a:prstDash val="solid"/>
+                      <a:round/>
+                      <a:headEnd type="none" w="med" len="med"/>
+                      <a:tailEnd type="none" w="med" len="med"/>
+                    </a:lnT>
+                    <a:lnB w="12700" cap="flat" cmpd="sng" algn="ctr">
+                      <a:solidFill>
+                        <a:schemeClr val="tx1"/>
+                      </a:solidFill>
+                      <a:prstDash val="solid"/>
+                      <a:round/>
+                      <a:headEnd type="none" w="med" len="med"/>
+                      <a:tailEnd type="none" w="med" len="med"/>
+                    </a:lnB>
+                  </a:tcPr>
+                </a:tc>
+                <a:extLst>
+                  <a:ext uri="{0D108BD9-81ED-4DB2-BD59-A6C34878D82A}">
+                    <a16:rowId xmlns:a16="http://schemas.microsoft.com/office/drawing/2014/main" val="3794795353"/>
+                  </a:ext>
+                </a:extLst>
+              </a:tr>
+              <a:tr h="370840">
+                <a:tc>
+                  <a:txBody>
+                    <a:bodyPr/>
+                    <a:lstStyle/>
+                    <a:p>
+                      <a:r>
+                        <a:rPr lang="en-TW" b="0" dirty="0"/>
+                        <a:t>200</a:t>
+                      </a:r>
+                    </a:p>
+                  </a:txBody>
+                  <a:tcPr>
+                    <a:lnL w="12700" cap="flat" cmpd="sng" algn="ctr">
+                      <a:solidFill>
+                        <a:schemeClr val="tx1"/>
+                      </a:solidFill>
+                      <a:prstDash val="solid"/>
+                      <a:round/>
+                      <a:headEnd type="none" w="med" len="med"/>
+                      <a:tailEnd type="none" w="med" len="med"/>
+                    </a:lnL>
+                    <a:lnR w="12700" cap="flat" cmpd="sng" algn="ctr">
+                      <a:solidFill>
+                        <a:schemeClr val="tx1"/>
+                      </a:solidFill>
+                      <a:prstDash val="solid"/>
+                      <a:round/>
+                      <a:headEnd type="none" w="med" len="med"/>
+                      <a:tailEnd type="none" w="med" len="med"/>
+                    </a:lnR>
+                    <a:lnT w="12700" cap="flat" cmpd="sng" algn="ctr">
+                      <a:solidFill>
+                        <a:schemeClr val="tx1"/>
+                      </a:solidFill>
+                      <a:prstDash val="solid"/>
+                      <a:round/>
+                      <a:headEnd type="none" w="med" len="med"/>
+                      <a:tailEnd type="none" w="med" len="med"/>
+                    </a:lnT>
+                    <a:lnB w="12700" cap="flat" cmpd="sng" algn="ctr">
+                      <a:solidFill>
+                        <a:schemeClr val="tx1"/>
+                      </a:solidFill>
+                      <a:prstDash val="solid"/>
+                      <a:round/>
+                      <a:headEnd type="none" w="med" len="med"/>
+                      <a:tailEnd type="none" w="med" len="med"/>
+                    </a:lnB>
+                  </a:tcPr>
+                </a:tc>
+                <a:tc>
+                  <a:txBody>
+                    <a:bodyPr/>
+                    <a:lstStyle/>
+                    <a:p>
+                      <a:r>
+                        <a:rPr lang="en-TW" b="1" dirty="0"/>
+                        <a:t>Apple pie stove</a:t>
+                      </a:r>
+                    </a:p>
+                  </a:txBody>
+                  <a:tcPr>
+                    <a:lnL w="12700" cap="flat" cmpd="sng" algn="ctr">
+                      <a:solidFill>
+                        <a:schemeClr val="tx1"/>
+                      </a:solidFill>
+                      <a:prstDash val="solid"/>
+                      <a:round/>
+                      <a:headEnd type="none" w="med" len="med"/>
+                      <a:tailEnd type="none" w="med" len="med"/>
+                    </a:lnL>
+                    <a:lnR w="12700" cap="flat" cmpd="sng" algn="ctr">
+                      <a:solidFill>
+                        <a:schemeClr val="tx1"/>
+                      </a:solidFill>
+                      <a:prstDash val="solid"/>
+                      <a:round/>
+                      <a:headEnd type="none" w="med" len="med"/>
+                      <a:tailEnd type="none" w="med" len="med"/>
+                    </a:lnR>
+                    <a:lnT w="12700" cap="flat" cmpd="sng" algn="ctr">
+                      <a:solidFill>
+                        <a:schemeClr val="tx1"/>
+                      </a:solidFill>
+                      <a:prstDash val="solid"/>
+                      <a:round/>
+                      <a:headEnd type="none" w="med" len="med"/>
+                      <a:tailEnd type="none" w="med" len="med"/>
+                    </a:lnT>
+                    <a:lnB w="12700" cap="flat" cmpd="sng" algn="ctr">
+                      <a:solidFill>
+                        <a:schemeClr val="tx1"/>
+                      </a:solidFill>
+                      <a:prstDash val="solid"/>
+                      <a:round/>
+                      <a:headEnd type="none" w="med" len="med"/>
+                      <a:tailEnd type="none" w="med" len="med"/>
+                    </a:lnB>
+                  </a:tcPr>
+                </a:tc>
+                <a:tc>
+                  <a:txBody>
+                    <a:bodyPr/>
+                    <a:lstStyle/>
+                    <a:p>
+                      <a:endParaRPr lang="en-TW"/>
+                    </a:p>
+                  </a:txBody>
+                  <a:tcPr>
+                    <a:lnL w="12700" cap="flat" cmpd="sng" algn="ctr">
+                      <a:solidFill>
+                        <a:schemeClr val="tx1"/>
+                      </a:solidFill>
+                      <a:prstDash val="solid"/>
+                      <a:round/>
+                      <a:headEnd type="none" w="med" len="med"/>
+                      <a:tailEnd type="none" w="med" len="med"/>
+                    </a:lnL>
+                    <a:lnR w="12700" cap="flat" cmpd="sng" algn="ctr">
+                      <a:solidFill>
+                        <a:schemeClr val="tx1"/>
+                      </a:solidFill>
+                      <a:prstDash val="solid"/>
+                      <a:round/>
+                      <a:headEnd type="none" w="med" len="med"/>
+                      <a:tailEnd type="none" w="med" len="med"/>
+                    </a:lnR>
+                    <a:lnT w="12700" cap="flat" cmpd="sng" algn="ctr">
+                      <a:solidFill>
+                        <a:schemeClr val="tx1"/>
+                      </a:solidFill>
+                      <a:prstDash val="solid"/>
+                      <a:round/>
+                      <a:headEnd type="none" w="med" len="med"/>
+                      <a:tailEnd type="none" w="med" len="med"/>
+                    </a:lnT>
+                    <a:lnB w="12700" cap="flat" cmpd="sng" algn="ctr">
+                      <a:solidFill>
+                        <a:schemeClr val="tx1"/>
+                      </a:solidFill>
+                      <a:prstDash val="solid"/>
+                      <a:round/>
+                      <a:headEnd type="none" w="med" len="med"/>
+                      <a:tailEnd type="none" w="med" len="med"/>
+                    </a:lnB>
+                  </a:tcPr>
+                </a:tc>
+                <a:tc>
+                  <a:txBody>
+                    <a:bodyPr/>
+                    <a:lstStyle/>
+                    <a:p>
+                      <a:endParaRPr lang="en-TW"/>
+                    </a:p>
+                  </a:txBody>
+                  <a:tcPr>
+                    <a:lnL w="12700" cap="flat" cmpd="sng" algn="ctr">
+                      <a:solidFill>
+                        <a:schemeClr val="tx1"/>
+                      </a:solidFill>
+                      <a:prstDash val="solid"/>
+                      <a:round/>
+                      <a:headEnd type="none" w="med" len="med"/>
+                      <a:tailEnd type="none" w="med" len="med"/>
+                    </a:lnL>
+                    <a:lnR w="12700" cap="flat" cmpd="sng" algn="ctr">
+                      <a:solidFill>
+                        <a:schemeClr val="tx1"/>
+                      </a:solidFill>
+                      <a:prstDash val="solid"/>
+                      <a:round/>
+                      <a:headEnd type="none" w="med" len="med"/>
+                      <a:tailEnd type="none" w="med" len="med"/>
+                    </a:lnR>
+                    <a:lnT w="12700" cap="flat" cmpd="sng" algn="ctr">
+                      <a:solidFill>
+                        <a:schemeClr val="tx1"/>
+                      </a:solidFill>
+                      <a:prstDash val="solid"/>
+                      <a:round/>
+                      <a:headEnd type="none" w="med" len="med"/>
+                      <a:tailEnd type="none" w="med" len="med"/>
+                    </a:lnT>
+                    <a:lnB w="12700" cap="flat" cmpd="sng" algn="ctr">
+                      <a:solidFill>
+                        <a:schemeClr val="tx1"/>
+                      </a:solidFill>
+                      <a:prstDash val="solid"/>
+                      <a:round/>
+                      <a:headEnd type="none" w="med" len="med"/>
+                      <a:tailEnd type="none" w="med" len="med"/>
+                    </a:lnB>
+                  </a:tcPr>
+                </a:tc>
+                <a:tc>
+                  <a:txBody>
+                    <a:bodyPr/>
+                    <a:lstStyle/>
+                    <a:p>
+                      <a:endParaRPr lang="en-TW"/>
+                    </a:p>
+                  </a:txBody>
+                  <a:tcPr>
+                    <a:lnL w="12700" cap="flat" cmpd="sng" algn="ctr">
+                      <a:solidFill>
+                        <a:schemeClr val="tx1"/>
+                      </a:solidFill>
+                      <a:prstDash val="solid"/>
+                      <a:round/>
+                      <a:headEnd type="none" w="med" len="med"/>
+                      <a:tailEnd type="none" w="med" len="med"/>
+                    </a:lnL>
+                    <a:lnR w="12700" cap="flat" cmpd="sng" algn="ctr">
+                      <a:solidFill>
+                        <a:schemeClr val="tx1"/>
+                      </a:solidFill>
+                      <a:prstDash val="solid"/>
+                      <a:round/>
+                      <a:headEnd type="none" w="med" len="med"/>
+                      <a:tailEnd type="none" w="med" len="med"/>
+                    </a:lnR>
+                    <a:lnT w="12700" cap="flat" cmpd="sng" algn="ctr">
+                      <a:solidFill>
+                        <a:schemeClr val="tx1"/>
+                      </a:solidFill>
+                      <a:prstDash val="solid"/>
+                      <a:round/>
+                      <a:headEnd type="none" w="med" len="med"/>
+                      <a:tailEnd type="none" w="med" len="med"/>
+                    </a:lnT>
+                    <a:lnB w="12700" cap="flat" cmpd="sng" algn="ctr">
+                      <a:solidFill>
+                        <a:schemeClr val="tx1"/>
+                      </a:solidFill>
+                      <a:prstDash val="solid"/>
+                      <a:round/>
+                      <a:headEnd type="none" w="med" len="med"/>
+                      <a:tailEnd type="none" w="med" len="med"/>
+                    </a:lnB>
+                  </a:tcPr>
+                </a:tc>
+                <a:tc>
+                  <a:txBody>
+                    <a:bodyPr/>
+                    <a:lstStyle/>
+                    <a:p>
+                      <a:endParaRPr lang="en-TW"/>
+                    </a:p>
+                  </a:txBody>
+                  <a:tcPr>
+                    <a:lnL w="12700" cap="flat" cmpd="sng" algn="ctr">
+                      <a:solidFill>
+                        <a:schemeClr val="tx1"/>
+                      </a:solidFill>
+                      <a:prstDash val="solid"/>
+                      <a:round/>
+                      <a:headEnd type="none" w="med" len="med"/>
+                      <a:tailEnd type="none" w="med" len="med"/>
+                    </a:lnL>
+                    <a:lnR w="12700" cap="flat" cmpd="sng" algn="ctr">
+                      <a:solidFill>
+                        <a:schemeClr val="tx1"/>
+                      </a:solidFill>
+                      <a:prstDash val="solid"/>
+                      <a:round/>
+                      <a:headEnd type="none" w="med" len="med"/>
+                      <a:tailEnd type="none" w="med" len="med"/>
+                    </a:lnR>
+                    <a:lnT w="12700" cap="flat" cmpd="sng" algn="ctr">
+                      <a:solidFill>
+                        <a:schemeClr val="tx1"/>
+                      </a:solidFill>
+                      <a:prstDash val="solid"/>
+                      <a:round/>
+                      <a:headEnd type="none" w="med" len="med"/>
+                      <a:tailEnd type="none" w="med" len="med"/>
+                    </a:lnT>
+                    <a:lnB w="12700" cap="flat" cmpd="sng" algn="ctr">
+                      <a:solidFill>
+                        <a:schemeClr val="tx1"/>
+                      </a:solidFill>
+                      <a:prstDash val="solid"/>
+                      <a:round/>
+                      <a:headEnd type="none" w="med" len="med"/>
+                      <a:tailEnd type="none" w="med" len="med"/>
+                    </a:lnB>
+                  </a:tcPr>
+                </a:tc>
+                <a:tc>
+                  <a:txBody>
+                    <a:bodyPr/>
+                    <a:lstStyle/>
+                    <a:p>
+                      <a:endParaRPr lang="en-TW"/>
+                    </a:p>
+                  </a:txBody>
+                  <a:tcPr>
+                    <a:lnL w="12700" cap="flat" cmpd="sng" algn="ctr">
+                      <a:solidFill>
+                        <a:schemeClr val="tx1"/>
+                      </a:solidFill>
+                      <a:prstDash val="solid"/>
+                      <a:round/>
+                      <a:headEnd type="none" w="med" len="med"/>
+                      <a:tailEnd type="none" w="med" len="med"/>
+                    </a:lnL>
+                    <a:lnR w="12700" cap="flat" cmpd="sng" algn="ctr">
+                      <a:solidFill>
+                        <a:schemeClr val="tx1"/>
+                      </a:solidFill>
+                      <a:prstDash val="solid"/>
+                      <a:round/>
+                      <a:headEnd type="none" w="med" len="med"/>
+                      <a:tailEnd type="none" w="med" len="med"/>
+                    </a:lnR>
+                    <a:lnT w="12700" cap="flat" cmpd="sng" algn="ctr">
+                      <a:solidFill>
+                        <a:schemeClr val="tx1"/>
+                      </a:solidFill>
+                      <a:prstDash val="solid"/>
+                      <a:round/>
+                      <a:headEnd type="none" w="med" len="med"/>
+                      <a:tailEnd type="none" w="med" len="med"/>
+                    </a:lnT>
+                    <a:lnB w="12700" cap="flat" cmpd="sng" algn="ctr">
+                      <a:solidFill>
+                        <a:schemeClr val="tx1"/>
+                      </a:solidFill>
+                      <a:prstDash val="solid"/>
+                      <a:round/>
+                      <a:headEnd type="none" w="med" len="med"/>
+                      <a:tailEnd type="none" w="med" len="med"/>
+                    </a:lnB>
+                  </a:tcPr>
+                </a:tc>
+                <a:tc>
+                  <a:txBody>
+                    <a:bodyPr/>
+                    <a:lstStyle/>
+                    <a:p>
+                      <a:endParaRPr lang="en-TW"/>
+                    </a:p>
+                  </a:txBody>
+                  <a:tcPr>
+                    <a:lnL w="12700" cap="flat" cmpd="sng" algn="ctr">
+                      <a:solidFill>
+                        <a:schemeClr val="tx1"/>
+                      </a:solidFill>
+                      <a:prstDash val="solid"/>
+                      <a:round/>
+                      <a:headEnd type="none" w="med" len="med"/>
+                      <a:tailEnd type="none" w="med" len="med"/>
+                    </a:lnL>
+                    <a:lnR w="12700" cap="flat" cmpd="sng" algn="ctr">
+                      <a:solidFill>
+                        <a:schemeClr val="tx1"/>
+                      </a:solidFill>
+                      <a:prstDash val="solid"/>
+                      <a:round/>
+                      <a:headEnd type="none" w="med" len="med"/>
+                      <a:tailEnd type="none" w="med" len="med"/>
+                    </a:lnR>
+                    <a:lnT w="12700" cap="flat" cmpd="sng" algn="ctr">
+                      <a:solidFill>
+                        <a:schemeClr val="tx1"/>
+                      </a:solidFill>
+                      <a:prstDash val="solid"/>
+                      <a:round/>
+                      <a:headEnd type="none" w="med" len="med"/>
+                      <a:tailEnd type="none" w="med" len="med"/>
+                    </a:lnT>
+                    <a:lnB w="12700" cap="flat" cmpd="sng" algn="ctr">
+                      <a:solidFill>
+                        <a:schemeClr val="tx1"/>
+                      </a:solidFill>
+                      <a:prstDash val="solid"/>
+                      <a:round/>
+                      <a:headEnd type="none" w="med" len="med"/>
+                      <a:tailEnd type="none" w="med" len="med"/>
+                    </a:lnB>
+                  </a:tcPr>
+                </a:tc>
+                <a:tc>
+                  <a:txBody>
+                    <a:bodyPr/>
+                    <a:lstStyle/>
+                    <a:p>
+                      <a:endParaRPr lang="en-TW"/>
+                    </a:p>
+                  </a:txBody>
+                  <a:tcPr>
+                    <a:lnL w="12700" cap="flat" cmpd="sng" algn="ctr">
+                      <a:solidFill>
+                        <a:schemeClr val="tx1"/>
+                      </a:solidFill>
+                      <a:prstDash val="solid"/>
+                      <a:round/>
+                      <a:headEnd type="none" w="med" len="med"/>
+                      <a:tailEnd type="none" w="med" len="med"/>
+                    </a:lnL>
+                    <a:lnR w="12700" cap="flat" cmpd="sng" algn="ctr">
+                      <a:solidFill>
+                        <a:schemeClr val="tx1"/>
+                      </a:solidFill>
+                      <a:prstDash val="solid"/>
+                      <a:round/>
+                      <a:headEnd type="none" w="med" len="med"/>
+                      <a:tailEnd type="none" w="med" len="med"/>
+                    </a:lnR>
+                    <a:lnT w="12700" cap="flat" cmpd="sng" algn="ctr">
+                      <a:solidFill>
+                        <a:schemeClr val="tx1"/>
+                      </a:solidFill>
+                      <a:prstDash val="solid"/>
+                      <a:round/>
+                      <a:headEnd type="none" w="med" len="med"/>
+                      <a:tailEnd type="none" w="med" len="med"/>
+                    </a:lnT>
+                    <a:lnB w="12700" cap="flat" cmpd="sng" algn="ctr">
+                      <a:solidFill>
+                        <a:schemeClr val="tx1"/>
+                      </a:solidFill>
+                      <a:prstDash val="solid"/>
+                      <a:round/>
+                      <a:headEnd type="none" w="med" len="med"/>
+                      <a:tailEnd type="none" w="med" len="med"/>
+                    </a:lnB>
+                  </a:tcPr>
+                </a:tc>
+                <a:tc>
+                  <a:txBody>
+                    <a:bodyPr/>
+                    <a:lstStyle/>
+                    <a:p>
+                      <a:endParaRPr lang="en-TW" dirty="0"/>
+                    </a:p>
+                  </a:txBody>
+                  <a:tcPr>
+                    <a:lnL w="12700" cap="flat" cmpd="sng" algn="ctr">
+                      <a:solidFill>
+                        <a:schemeClr val="tx1"/>
+                      </a:solidFill>
+                      <a:prstDash val="solid"/>
+                      <a:round/>
+                      <a:headEnd type="none" w="med" len="med"/>
+                      <a:tailEnd type="none" w="med" len="med"/>
+                    </a:lnL>
+                    <a:lnR w="12700" cap="flat" cmpd="sng" algn="ctr">
+                      <a:solidFill>
+                        <a:schemeClr val="tx1"/>
+                      </a:solidFill>
+                      <a:prstDash val="solid"/>
+                      <a:round/>
+                      <a:headEnd type="none" w="med" len="med"/>
+                      <a:tailEnd type="none" w="med" len="med"/>
+                    </a:lnR>
+                    <a:lnT w="12700" cap="flat" cmpd="sng" algn="ctr">
+                      <a:solidFill>
+                        <a:schemeClr val="tx1"/>
+                      </a:solidFill>
+                      <a:prstDash val="solid"/>
+                      <a:round/>
+                      <a:headEnd type="none" w="med" len="med"/>
+                      <a:tailEnd type="none" w="med" len="med"/>
+                    </a:lnT>
+                    <a:lnB w="12700" cap="flat" cmpd="sng" algn="ctr">
+                      <a:solidFill>
+                        <a:schemeClr val="tx1"/>
+                      </a:solidFill>
+                      <a:prstDash val="solid"/>
+                      <a:round/>
+                      <a:headEnd type="none" w="med" len="med"/>
+                      <a:tailEnd type="none" w="med" len="med"/>
+                    </a:lnB>
+                  </a:tcPr>
+                </a:tc>
+                <a:tc>
+                  <a:txBody>
+                    <a:bodyPr/>
+                    <a:lstStyle/>
+                    <a:p>
+                      <a:r>
+                        <a:rPr lang="en-TW" dirty="0"/>
+                        <a:t>T</a:t>
+                      </a:r>
+                    </a:p>
+                  </a:txBody>
+                  <a:tcPr>
+                    <a:lnL w="12700" cap="flat" cmpd="sng" algn="ctr">
+                      <a:solidFill>
+                        <a:schemeClr val="tx1"/>
+                      </a:solidFill>
+                      <a:prstDash val="solid"/>
+                      <a:round/>
+                      <a:headEnd type="none" w="med" len="med"/>
+                      <a:tailEnd type="none" w="med" len="med"/>
+                    </a:lnL>
+                    <a:lnR w="12700" cap="flat" cmpd="sng" algn="ctr">
+                      <a:solidFill>
+                        <a:schemeClr val="tx1"/>
+                      </a:solidFill>
+                      <a:prstDash val="solid"/>
+                      <a:round/>
+                      <a:headEnd type="none" w="med" len="med"/>
+                      <a:tailEnd type="none" w="med" len="med"/>
+                    </a:lnR>
+                    <a:lnT w="12700" cap="flat" cmpd="sng" algn="ctr">
+                      <a:solidFill>
+                        <a:schemeClr val="tx1"/>
+                      </a:solidFill>
+                      <a:prstDash val="solid"/>
+                      <a:round/>
+                      <a:headEnd type="none" w="med" len="med"/>
+                      <a:tailEnd type="none" w="med" len="med"/>
+                    </a:lnT>
+                    <a:lnB w="12700" cap="flat" cmpd="sng" algn="ctr">
+                      <a:solidFill>
+                        <a:schemeClr val="tx1"/>
+                      </a:solidFill>
+                      <a:prstDash val="solid"/>
+                      <a:round/>
+                      <a:headEnd type="none" w="med" len="med"/>
+                      <a:tailEnd type="none" w="med" len="med"/>
+                    </a:lnB>
+                  </a:tcPr>
+                </a:tc>
+                <a:extLst>
+                  <a:ext uri="{0D108BD9-81ED-4DB2-BD59-A6C34878D82A}">
+                    <a16:rowId xmlns:a16="http://schemas.microsoft.com/office/drawing/2014/main" val="3691643327"/>
+                  </a:ext>
+                </a:extLst>
+              </a:tr>
+              <a:tr h="370840">
+                <a:tc>
+                  <a:txBody>
+                    <a:bodyPr/>
+                    <a:lstStyle/>
+                    <a:p>
+                      <a:r>
+                        <a:rPr lang="en-TW" b="0" dirty="0"/>
+                        <a:t>300</a:t>
+                      </a:r>
+                    </a:p>
+                  </a:txBody>
+                  <a:tcPr>
+                    <a:lnL w="12700" cap="flat" cmpd="sng" algn="ctr">
+                      <a:solidFill>
+                        <a:schemeClr val="tx1"/>
+                      </a:solidFill>
+                      <a:prstDash val="solid"/>
+                      <a:round/>
+                      <a:headEnd type="none" w="med" len="med"/>
+                      <a:tailEnd type="none" w="med" len="med"/>
+                    </a:lnL>
+                    <a:lnR w="12700" cap="flat" cmpd="sng" algn="ctr">
+                      <a:solidFill>
+                        <a:schemeClr val="tx1"/>
+                      </a:solidFill>
+                      <a:prstDash val="solid"/>
+                      <a:round/>
+                      <a:headEnd type="none" w="med" len="med"/>
+                      <a:tailEnd type="none" w="med" len="med"/>
+                    </a:lnR>
+                    <a:lnT w="12700" cap="flat" cmpd="sng" algn="ctr">
+                      <a:solidFill>
+                        <a:schemeClr val="tx1"/>
+                      </a:solidFill>
+                      <a:prstDash val="solid"/>
+                      <a:round/>
+                      <a:headEnd type="none" w="med" len="med"/>
+                      <a:tailEnd type="none" w="med" len="med"/>
+                    </a:lnT>
+                    <a:lnB w="12700" cap="flat" cmpd="sng" algn="ctr">
+                      <a:solidFill>
+                        <a:schemeClr val="tx1"/>
+                      </a:solidFill>
+                      <a:prstDash val="solid"/>
+                      <a:round/>
+                      <a:headEnd type="none" w="med" len="med"/>
+                      <a:tailEnd type="none" w="med" len="med"/>
+                    </a:lnB>
+                  </a:tcPr>
+                </a:tc>
+                <a:tc>
+                  <a:txBody>
+                    <a:bodyPr/>
+                    <a:lstStyle/>
+                    <a:p>
+                      <a:r>
+                        <a:rPr lang="en-TW" dirty="0"/>
+                        <a:t>Pie basket</a:t>
+                      </a:r>
+                    </a:p>
+                  </a:txBody>
+                  <a:tcPr>
+                    <a:lnL w="12700" cap="flat" cmpd="sng" algn="ctr">
+                      <a:solidFill>
+                        <a:schemeClr val="tx1"/>
+                      </a:solidFill>
+                      <a:prstDash val="solid"/>
+                      <a:round/>
+                      <a:headEnd type="none" w="med" len="med"/>
+                      <a:tailEnd type="none" w="med" len="med"/>
+                    </a:lnL>
+                    <a:lnR w="12700" cap="flat" cmpd="sng" algn="ctr">
+                      <a:solidFill>
+                        <a:schemeClr val="tx1"/>
+                      </a:solidFill>
+                      <a:prstDash val="solid"/>
+                      <a:round/>
+                      <a:headEnd type="none" w="med" len="med"/>
+                      <a:tailEnd type="none" w="med" len="med"/>
+                    </a:lnR>
+                    <a:lnT w="12700" cap="flat" cmpd="sng" algn="ctr">
+                      <a:solidFill>
+                        <a:schemeClr val="tx1"/>
+                      </a:solidFill>
+                      <a:prstDash val="solid"/>
+                      <a:round/>
+                      <a:headEnd type="none" w="med" len="med"/>
+                      <a:tailEnd type="none" w="med" len="med"/>
+                    </a:lnT>
+                    <a:lnB w="12700" cap="flat" cmpd="sng" algn="ctr">
+                      <a:solidFill>
+                        <a:schemeClr val="tx1"/>
+                      </a:solidFill>
+                      <a:prstDash val="solid"/>
+                      <a:round/>
+                      <a:headEnd type="none" w="med" len="med"/>
+                      <a:tailEnd type="none" w="med" len="med"/>
+                    </a:lnB>
+                  </a:tcPr>
+                </a:tc>
+                <a:tc>
+                  <a:txBody>
+                    <a:bodyPr/>
+                    <a:lstStyle/>
+                    <a:p>
+                      <a:endParaRPr lang="en-TW"/>
+                    </a:p>
+                  </a:txBody>
+                  <a:tcPr>
+                    <a:lnL w="12700" cap="flat" cmpd="sng" algn="ctr">
+                      <a:solidFill>
+                        <a:schemeClr val="tx1"/>
+                      </a:solidFill>
+                      <a:prstDash val="solid"/>
+                      <a:round/>
+                      <a:headEnd type="none" w="med" len="med"/>
+                      <a:tailEnd type="none" w="med" len="med"/>
+                    </a:lnL>
+                    <a:lnR w="12700" cap="flat" cmpd="sng" algn="ctr">
+                      <a:solidFill>
+                        <a:schemeClr val="tx1"/>
+                      </a:solidFill>
+                      <a:prstDash val="solid"/>
+                      <a:round/>
+                      <a:headEnd type="none" w="med" len="med"/>
+                      <a:tailEnd type="none" w="med" len="med"/>
+                    </a:lnR>
+                    <a:lnT w="12700" cap="flat" cmpd="sng" algn="ctr">
+                      <a:solidFill>
+                        <a:schemeClr val="tx1"/>
+                      </a:solidFill>
+                      <a:prstDash val="solid"/>
+                      <a:round/>
+                      <a:headEnd type="none" w="med" len="med"/>
+                      <a:tailEnd type="none" w="med" len="med"/>
+                    </a:lnT>
+                    <a:lnB w="12700" cap="flat" cmpd="sng" algn="ctr">
+                      <a:solidFill>
+                        <a:schemeClr val="tx1"/>
+                      </a:solidFill>
+                      <a:prstDash val="solid"/>
+                      <a:round/>
+                      <a:headEnd type="none" w="med" len="med"/>
+                      <a:tailEnd type="none" w="med" len="med"/>
+                    </a:lnB>
+                  </a:tcPr>
+                </a:tc>
+                <a:tc>
+                  <a:txBody>
+                    <a:bodyPr/>
+                    <a:lstStyle/>
+                    <a:p>
+                      <a:endParaRPr lang="en-TW"/>
+                    </a:p>
+                  </a:txBody>
+                  <a:tcPr>
+                    <a:lnL w="12700" cap="flat" cmpd="sng" algn="ctr">
+                      <a:solidFill>
+                        <a:schemeClr val="tx1"/>
+                      </a:solidFill>
+                      <a:prstDash val="solid"/>
+                      <a:round/>
+                      <a:headEnd type="none" w="med" len="med"/>
+                      <a:tailEnd type="none" w="med" len="med"/>
+                    </a:lnL>
+                    <a:lnR w="12700" cap="flat" cmpd="sng" algn="ctr">
+                      <a:solidFill>
+                        <a:schemeClr val="tx1"/>
+                      </a:solidFill>
+                      <a:prstDash val="solid"/>
+                      <a:round/>
+                      <a:headEnd type="none" w="med" len="med"/>
+                      <a:tailEnd type="none" w="med" len="med"/>
+                    </a:lnR>
+                    <a:lnT w="12700" cap="flat" cmpd="sng" algn="ctr">
+                      <a:solidFill>
+                        <a:schemeClr val="tx1"/>
+                      </a:solidFill>
+                      <a:prstDash val="solid"/>
+                      <a:round/>
+                      <a:headEnd type="none" w="med" len="med"/>
+                      <a:tailEnd type="none" w="med" len="med"/>
+                    </a:lnT>
+                    <a:lnB w="12700" cap="flat" cmpd="sng" algn="ctr">
+                      <a:solidFill>
+                        <a:schemeClr val="tx1"/>
+                      </a:solidFill>
+                      <a:prstDash val="solid"/>
+                      <a:round/>
+                      <a:headEnd type="none" w="med" len="med"/>
+                      <a:tailEnd type="none" w="med" len="med"/>
+                    </a:lnB>
+                  </a:tcPr>
+                </a:tc>
+                <a:tc>
+                  <a:txBody>
+                    <a:bodyPr/>
+                    <a:lstStyle/>
+                    <a:p>
+                      <a:endParaRPr lang="en-TW"/>
+                    </a:p>
+                  </a:txBody>
+                  <a:tcPr>
+                    <a:lnL w="12700" cap="flat" cmpd="sng" algn="ctr">
+                      <a:solidFill>
+                        <a:schemeClr val="tx1"/>
+                      </a:solidFill>
+                      <a:prstDash val="solid"/>
+                      <a:round/>
+                      <a:headEnd type="none" w="med" len="med"/>
+                      <a:tailEnd type="none" w="med" len="med"/>
+                    </a:lnL>
+                    <a:lnR w="12700" cap="flat" cmpd="sng" algn="ctr">
+                      <a:solidFill>
+                        <a:schemeClr val="tx1"/>
+                      </a:solidFill>
+                      <a:prstDash val="solid"/>
+                      <a:round/>
+                      <a:headEnd type="none" w="med" len="med"/>
+                      <a:tailEnd type="none" w="med" len="med"/>
+                    </a:lnR>
+                    <a:lnT w="12700" cap="flat" cmpd="sng" algn="ctr">
+                      <a:solidFill>
+                        <a:schemeClr val="tx1"/>
+                      </a:solidFill>
+                      <a:prstDash val="solid"/>
+                      <a:round/>
+                      <a:headEnd type="none" w="med" len="med"/>
+                      <a:tailEnd type="none" w="med" len="med"/>
+                    </a:lnT>
+                    <a:lnB w="12700" cap="flat" cmpd="sng" algn="ctr">
+                      <a:solidFill>
+                        <a:schemeClr val="tx1"/>
+                      </a:solidFill>
+                      <a:prstDash val="solid"/>
+                      <a:round/>
+                      <a:headEnd type="none" w="med" len="med"/>
+                      <a:tailEnd type="none" w="med" len="med"/>
+                    </a:lnB>
+                  </a:tcPr>
+                </a:tc>
+                <a:tc>
+                  <a:txBody>
+                    <a:bodyPr/>
+                    <a:lstStyle/>
+                    <a:p>
+                      <a:endParaRPr lang="en-TW"/>
+                    </a:p>
+                  </a:txBody>
+                  <a:tcPr>
+                    <a:lnL w="12700" cap="flat" cmpd="sng" algn="ctr">
+                      <a:solidFill>
+                        <a:schemeClr val="tx1"/>
+                      </a:solidFill>
+                      <a:prstDash val="solid"/>
+                      <a:round/>
+                      <a:headEnd type="none" w="med" len="med"/>
+                      <a:tailEnd type="none" w="med" len="med"/>
+                    </a:lnL>
+                    <a:lnR w="12700" cap="flat" cmpd="sng" algn="ctr">
+                      <a:solidFill>
+                        <a:schemeClr val="tx1"/>
+                      </a:solidFill>
+                      <a:prstDash val="solid"/>
+                      <a:round/>
+                      <a:headEnd type="none" w="med" len="med"/>
+                      <a:tailEnd type="none" w="med" len="med"/>
+                    </a:lnR>
+                    <a:lnT w="12700" cap="flat" cmpd="sng" algn="ctr">
+                      <a:solidFill>
+                        <a:schemeClr val="tx1"/>
+                      </a:solidFill>
+                      <a:prstDash val="solid"/>
+                      <a:round/>
+                      <a:headEnd type="none" w="med" len="med"/>
+                      <a:tailEnd type="none" w="med" len="med"/>
+                    </a:lnT>
+                    <a:lnB w="12700" cap="flat" cmpd="sng" algn="ctr">
+                      <a:solidFill>
+                        <a:schemeClr val="tx1"/>
+                      </a:solidFill>
+                      <a:prstDash val="solid"/>
+                      <a:round/>
+                      <a:headEnd type="none" w="med" len="med"/>
+                      <a:tailEnd type="none" w="med" len="med"/>
+                    </a:lnB>
+                  </a:tcPr>
+                </a:tc>
+                <a:tc>
+                  <a:txBody>
+                    <a:bodyPr/>
+                    <a:lstStyle/>
+                    <a:p>
+                      <a:endParaRPr lang="en-TW"/>
+                    </a:p>
+                  </a:txBody>
+                  <a:tcPr>
+                    <a:lnL w="12700" cap="flat" cmpd="sng" algn="ctr">
+                      <a:solidFill>
+                        <a:schemeClr val="tx1"/>
+                      </a:solidFill>
+                      <a:prstDash val="solid"/>
+                      <a:round/>
+                      <a:headEnd type="none" w="med" len="med"/>
+                      <a:tailEnd type="none" w="med" len="med"/>
+                    </a:lnL>
+                    <a:lnR w="12700" cap="flat" cmpd="sng" algn="ctr">
+                      <a:solidFill>
+                        <a:schemeClr val="tx1"/>
+                      </a:solidFill>
+                      <a:prstDash val="solid"/>
+                      <a:round/>
+                      <a:headEnd type="none" w="med" len="med"/>
+                      <a:tailEnd type="none" w="med" len="med"/>
+                    </a:lnR>
+                    <a:lnT w="12700" cap="flat" cmpd="sng" algn="ctr">
+                      <a:solidFill>
+                        <a:schemeClr val="tx1"/>
+                      </a:solidFill>
+                      <a:prstDash val="solid"/>
+                      <a:round/>
+                      <a:headEnd type="none" w="med" len="med"/>
+                      <a:tailEnd type="none" w="med" len="med"/>
+                    </a:lnT>
+                    <a:lnB w="12700" cap="flat" cmpd="sng" algn="ctr">
+                      <a:solidFill>
+                        <a:schemeClr val="tx1"/>
+                      </a:solidFill>
+                      <a:prstDash val="solid"/>
+                      <a:round/>
+                      <a:headEnd type="none" w="med" len="med"/>
+                      <a:tailEnd type="none" w="med" len="med"/>
+                    </a:lnB>
+                  </a:tcPr>
+                </a:tc>
+                <a:tc>
+                  <a:txBody>
+                    <a:bodyPr/>
+                    <a:lstStyle/>
+                    <a:p>
+                      <a:endParaRPr lang="en-TW"/>
+                    </a:p>
+                  </a:txBody>
+                  <a:tcPr>
+                    <a:lnL w="12700" cap="flat" cmpd="sng" algn="ctr">
+                      <a:solidFill>
+                        <a:schemeClr val="tx1"/>
+                      </a:solidFill>
+                      <a:prstDash val="solid"/>
+                      <a:round/>
+                      <a:headEnd type="none" w="med" len="med"/>
+                      <a:tailEnd type="none" w="med" len="med"/>
+                    </a:lnL>
+                    <a:lnR w="12700" cap="flat" cmpd="sng" algn="ctr">
+                      <a:solidFill>
+                        <a:schemeClr val="tx1"/>
+                      </a:solidFill>
+                      <a:prstDash val="solid"/>
+                      <a:round/>
+                      <a:headEnd type="none" w="med" len="med"/>
+                      <a:tailEnd type="none" w="med" len="med"/>
+                    </a:lnR>
+                    <a:lnT w="12700" cap="flat" cmpd="sng" algn="ctr">
+                      <a:solidFill>
+                        <a:schemeClr val="tx1"/>
+                      </a:solidFill>
+                      <a:prstDash val="solid"/>
+                      <a:round/>
+                      <a:headEnd type="none" w="med" len="med"/>
+                      <a:tailEnd type="none" w="med" len="med"/>
+                    </a:lnT>
+                    <a:lnB w="12700" cap="flat" cmpd="sng" algn="ctr">
+                      <a:solidFill>
+                        <a:schemeClr val="tx1"/>
+                      </a:solidFill>
+                      <a:prstDash val="solid"/>
+                      <a:round/>
+                      <a:headEnd type="none" w="med" len="med"/>
+                      <a:tailEnd type="none" w="med" len="med"/>
+                    </a:lnB>
+                  </a:tcPr>
+                </a:tc>
+                <a:tc>
+                  <a:txBody>
+                    <a:bodyPr/>
+                    <a:lstStyle/>
+                    <a:p>
+                      <a:endParaRPr lang="en-TW"/>
+                    </a:p>
+                  </a:txBody>
+                  <a:tcPr>
+                    <a:lnL w="12700" cap="flat" cmpd="sng" algn="ctr">
+                      <a:solidFill>
+                        <a:schemeClr val="tx1"/>
+                      </a:solidFill>
+                      <a:prstDash val="solid"/>
+                      <a:round/>
+                      <a:headEnd type="none" w="med" len="med"/>
+                      <a:tailEnd type="none" w="med" len="med"/>
+                    </a:lnL>
+                    <a:lnR w="12700" cap="flat" cmpd="sng" algn="ctr">
+                      <a:solidFill>
+                        <a:schemeClr val="tx1"/>
+                      </a:solidFill>
+                      <a:prstDash val="solid"/>
+                      <a:round/>
+                      <a:headEnd type="none" w="med" len="med"/>
+                      <a:tailEnd type="none" w="med" len="med"/>
+                    </a:lnR>
+                    <a:lnT w="12700" cap="flat" cmpd="sng" algn="ctr">
+                      <a:solidFill>
+                        <a:schemeClr val="tx1"/>
+                      </a:solidFill>
+                      <a:prstDash val="solid"/>
+                      <a:round/>
+                      <a:headEnd type="none" w="med" len="med"/>
+                      <a:tailEnd type="none" w="med" len="med"/>
+                    </a:lnT>
+                    <a:lnB w="12700" cap="flat" cmpd="sng" algn="ctr">
+                      <a:solidFill>
+                        <a:schemeClr val="tx1"/>
+                      </a:solidFill>
+                      <a:prstDash val="solid"/>
+                      <a:round/>
+                      <a:headEnd type="none" w="med" len="med"/>
+                      <a:tailEnd type="none" w="med" len="med"/>
+                    </a:lnB>
+                  </a:tcPr>
+                </a:tc>
+                <a:tc>
+                  <a:txBody>
+                    <a:bodyPr/>
+                    <a:lstStyle/>
+                    <a:p>
+                      <a:endParaRPr lang="en-TW"/>
+                    </a:p>
+                  </a:txBody>
+                  <a:tcPr>
+                    <a:lnL w="12700" cap="flat" cmpd="sng" algn="ctr">
+                      <a:solidFill>
+                        <a:schemeClr val="tx1"/>
+                      </a:solidFill>
+                      <a:prstDash val="solid"/>
+                      <a:round/>
+                      <a:headEnd type="none" w="med" len="med"/>
+                      <a:tailEnd type="none" w="med" len="med"/>
+                    </a:lnL>
+                    <a:lnR w="12700" cap="flat" cmpd="sng" algn="ctr">
+                      <a:solidFill>
+                        <a:schemeClr val="tx1"/>
+                      </a:solidFill>
+                      <a:prstDash val="solid"/>
+                      <a:round/>
+                      <a:headEnd type="none" w="med" len="med"/>
+                      <a:tailEnd type="none" w="med" len="med"/>
+                    </a:lnR>
+                    <a:lnT w="12700" cap="flat" cmpd="sng" algn="ctr">
+                      <a:solidFill>
+                        <a:schemeClr val="tx1"/>
+                      </a:solidFill>
+                      <a:prstDash val="solid"/>
+                      <a:round/>
+                      <a:headEnd type="none" w="med" len="med"/>
+                      <a:tailEnd type="none" w="med" len="med"/>
+                    </a:lnT>
+                    <a:lnB w="12700" cap="flat" cmpd="sng" algn="ctr">
+                      <a:solidFill>
+                        <a:schemeClr val="tx1"/>
+                      </a:solidFill>
+                      <a:prstDash val="solid"/>
+                      <a:round/>
+                      <a:headEnd type="none" w="med" len="med"/>
+                      <a:tailEnd type="none" w="med" len="med"/>
+                    </a:lnB>
+                  </a:tcPr>
+                </a:tc>
+                <a:tc>
+                  <a:txBody>
+                    <a:bodyPr/>
+                    <a:lstStyle/>
+                    <a:p>
+                      <a:r>
+                        <a:rPr lang="en-TW" dirty="0"/>
+                        <a:t>T</a:t>
+                      </a:r>
+                    </a:p>
+                  </a:txBody>
+                  <a:tcPr>
+                    <a:lnL w="12700" cap="flat" cmpd="sng" algn="ctr">
+                      <a:solidFill>
+                        <a:schemeClr val="tx1"/>
+                      </a:solidFill>
+                      <a:prstDash val="solid"/>
+                      <a:round/>
+                      <a:headEnd type="none" w="med" len="med"/>
+                      <a:tailEnd type="none" w="med" len="med"/>
+                    </a:lnL>
+                    <a:lnR w="12700" cap="flat" cmpd="sng" algn="ctr">
+                      <a:solidFill>
+                        <a:schemeClr val="tx1"/>
+                      </a:solidFill>
+                      <a:prstDash val="solid"/>
+                      <a:round/>
+                      <a:headEnd type="none" w="med" len="med"/>
+                      <a:tailEnd type="none" w="med" len="med"/>
+                    </a:lnR>
+                    <a:lnT w="12700" cap="flat" cmpd="sng" algn="ctr">
+                      <a:solidFill>
+                        <a:schemeClr val="tx1"/>
+                      </a:solidFill>
+                      <a:prstDash val="solid"/>
+                      <a:round/>
+                      <a:headEnd type="none" w="med" len="med"/>
+                      <a:tailEnd type="none" w="med" len="med"/>
+                    </a:lnT>
+                    <a:lnB w="12700" cap="flat" cmpd="sng" algn="ctr">
+                      <a:solidFill>
+                        <a:schemeClr val="tx1"/>
+                      </a:solidFill>
+                      <a:prstDash val="solid"/>
+                      <a:round/>
+                      <a:headEnd type="none" w="med" len="med"/>
+                      <a:tailEnd type="none" w="med" len="med"/>
+                    </a:lnB>
+                  </a:tcPr>
+                </a:tc>
+                <a:extLst>
+                  <a:ext uri="{0D108BD9-81ED-4DB2-BD59-A6C34878D82A}">
+                    <a16:rowId xmlns:a16="http://schemas.microsoft.com/office/drawing/2014/main" val="749989255"/>
+                  </a:ext>
+                </a:extLst>
+              </a:tr>
+              <a:tr h="370840">
+                <a:tc>
+                  <a:txBody>
+                    <a:bodyPr/>
+                    <a:lstStyle/>
+                    <a:p>
+                      <a:r>
+                        <a:rPr lang="en-TW" b="0" dirty="0"/>
+                        <a:t>400</a:t>
+                      </a:r>
+                    </a:p>
+                  </a:txBody>
+                  <a:tcPr>
+                    <a:lnL w="12700" cap="flat" cmpd="sng" algn="ctr">
+                      <a:solidFill>
+                        <a:schemeClr val="tx1"/>
+                      </a:solidFill>
+                      <a:prstDash val="solid"/>
+                      <a:round/>
+                      <a:headEnd type="none" w="med" len="med"/>
+                      <a:tailEnd type="none" w="med" len="med"/>
+                    </a:lnL>
+                    <a:lnR w="12700" cap="flat" cmpd="sng" algn="ctr">
+                      <a:solidFill>
+                        <a:schemeClr val="tx1"/>
+                      </a:solidFill>
+                      <a:prstDash val="solid"/>
+                      <a:round/>
+                      <a:headEnd type="none" w="med" len="med"/>
+                      <a:tailEnd type="none" w="med" len="med"/>
+                    </a:lnR>
+                    <a:lnT w="12700" cap="flat" cmpd="sng" algn="ctr">
+                      <a:solidFill>
+                        <a:schemeClr val="tx1"/>
+                      </a:solidFill>
+                      <a:prstDash val="solid"/>
+                      <a:round/>
+                      <a:headEnd type="none" w="med" len="med"/>
+                      <a:tailEnd type="none" w="med" len="med"/>
+                    </a:lnT>
+                    <a:lnB w="12700" cap="flat" cmpd="sng" algn="ctr">
+                      <a:solidFill>
+                        <a:schemeClr val="tx1"/>
+                      </a:solidFill>
+                      <a:prstDash val="solid"/>
+                      <a:round/>
+                      <a:headEnd type="none" w="med" len="med"/>
+                      <a:tailEnd type="none" w="med" len="med"/>
+                    </a:lnB>
+                  </a:tcPr>
+                </a:tc>
+                <a:tc>
+                  <a:txBody>
+                    <a:bodyPr/>
+                    <a:lstStyle/>
+                    <a:p>
+                      <a:r>
+                        <a:rPr lang="en-TW" dirty="0"/>
+                        <a:t>Bread basket</a:t>
+                      </a:r>
+                    </a:p>
+                  </a:txBody>
+                  <a:tcPr>
+                    <a:lnL w="12700" cap="flat" cmpd="sng" algn="ctr">
+                      <a:solidFill>
+                        <a:schemeClr val="tx1"/>
+                      </a:solidFill>
+                      <a:prstDash val="solid"/>
+                      <a:round/>
+                      <a:headEnd type="none" w="med" len="med"/>
+                      <a:tailEnd type="none" w="med" len="med"/>
+                    </a:lnL>
+                    <a:lnR w="12700" cap="flat" cmpd="sng" algn="ctr">
+                      <a:solidFill>
+                        <a:schemeClr val="tx1"/>
+                      </a:solidFill>
+                      <a:prstDash val="solid"/>
+                      <a:round/>
+                      <a:headEnd type="none" w="med" len="med"/>
+                      <a:tailEnd type="none" w="med" len="med"/>
+                    </a:lnR>
+                    <a:lnT w="12700" cap="flat" cmpd="sng" algn="ctr">
+                      <a:solidFill>
+                        <a:schemeClr val="tx1"/>
+                      </a:solidFill>
+                      <a:prstDash val="solid"/>
+                      <a:round/>
+                      <a:headEnd type="none" w="med" len="med"/>
+                      <a:tailEnd type="none" w="med" len="med"/>
+                    </a:lnT>
+                    <a:lnB w="12700" cap="flat" cmpd="sng" algn="ctr">
+                      <a:solidFill>
+                        <a:schemeClr val="tx1"/>
+                      </a:solidFill>
+                      <a:prstDash val="solid"/>
+                      <a:round/>
+                      <a:headEnd type="none" w="med" len="med"/>
+                      <a:tailEnd type="none" w="med" len="med"/>
+                    </a:lnB>
+                  </a:tcPr>
+                </a:tc>
+                <a:tc>
+                  <a:txBody>
+                    <a:bodyPr/>
+                    <a:lstStyle/>
+                    <a:p>
+                      <a:endParaRPr lang="en-TW"/>
+                    </a:p>
+                  </a:txBody>
+                  <a:tcPr>
+                    <a:lnL w="12700" cap="flat" cmpd="sng" algn="ctr">
+                      <a:solidFill>
+                        <a:schemeClr val="tx1"/>
+                      </a:solidFill>
+                      <a:prstDash val="solid"/>
+                      <a:round/>
+                      <a:headEnd type="none" w="med" len="med"/>
+                      <a:tailEnd type="none" w="med" len="med"/>
+                    </a:lnL>
+                    <a:lnR w="12700" cap="flat" cmpd="sng" algn="ctr">
+                      <a:solidFill>
+                        <a:schemeClr val="tx1"/>
+                      </a:solidFill>
+                      <a:prstDash val="solid"/>
+                      <a:round/>
+                      <a:headEnd type="none" w="med" len="med"/>
+                      <a:tailEnd type="none" w="med" len="med"/>
+                    </a:lnR>
+                    <a:lnT w="12700" cap="flat" cmpd="sng" algn="ctr">
+                      <a:solidFill>
+                        <a:schemeClr val="tx1"/>
+                      </a:solidFill>
+                      <a:prstDash val="solid"/>
+                      <a:round/>
+                      <a:headEnd type="none" w="med" len="med"/>
+                      <a:tailEnd type="none" w="med" len="med"/>
+                    </a:lnT>
+                    <a:lnB w="12700" cap="flat" cmpd="sng" algn="ctr">
+                      <a:solidFill>
+                        <a:schemeClr val="tx1"/>
+                      </a:solidFill>
+                      <a:prstDash val="solid"/>
+                      <a:round/>
+                      <a:headEnd type="none" w="med" len="med"/>
+                      <a:tailEnd type="none" w="med" len="med"/>
+                    </a:lnB>
+                  </a:tcPr>
+                </a:tc>
+                <a:tc>
+                  <a:txBody>
+                    <a:bodyPr/>
+                    <a:lstStyle/>
+                    <a:p>
+                      <a:endParaRPr lang="en-TW"/>
+                    </a:p>
+                  </a:txBody>
+                  <a:tcPr>
+                    <a:lnL w="12700" cap="flat" cmpd="sng" algn="ctr">
+                      <a:solidFill>
+                        <a:schemeClr val="tx1"/>
+                      </a:solidFill>
+                      <a:prstDash val="solid"/>
+                      <a:round/>
+                      <a:headEnd type="none" w="med" len="med"/>
+                      <a:tailEnd type="none" w="med" len="med"/>
+                    </a:lnL>
+                    <a:lnR w="12700" cap="flat" cmpd="sng" algn="ctr">
+                      <a:solidFill>
+                        <a:schemeClr val="tx1"/>
+                      </a:solidFill>
+                      <a:prstDash val="solid"/>
+                      <a:round/>
+                      <a:headEnd type="none" w="med" len="med"/>
+                      <a:tailEnd type="none" w="med" len="med"/>
+                    </a:lnR>
+                    <a:lnT w="12700" cap="flat" cmpd="sng" algn="ctr">
+                      <a:solidFill>
+                        <a:schemeClr val="tx1"/>
+                      </a:solidFill>
+                      <a:prstDash val="solid"/>
+                      <a:round/>
+                      <a:headEnd type="none" w="med" len="med"/>
+                      <a:tailEnd type="none" w="med" len="med"/>
+                    </a:lnT>
+                    <a:lnB w="12700" cap="flat" cmpd="sng" algn="ctr">
+                      <a:solidFill>
+                        <a:schemeClr val="tx1"/>
+                      </a:solidFill>
+                      <a:prstDash val="solid"/>
+                      <a:round/>
+                      <a:headEnd type="none" w="med" len="med"/>
+                      <a:tailEnd type="none" w="med" len="med"/>
+                    </a:lnB>
+                  </a:tcPr>
+                </a:tc>
+                <a:tc>
+                  <a:txBody>
+                    <a:bodyPr/>
+                    <a:lstStyle/>
+                    <a:p>
+                      <a:endParaRPr lang="en-TW" dirty="0"/>
+                    </a:p>
+                  </a:txBody>
+                  <a:tcPr>
+                    <a:lnL w="12700" cap="flat" cmpd="sng" algn="ctr">
+                      <a:solidFill>
+                        <a:schemeClr val="tx1"/>
+                      </a:solidFill>
+                      <a:prstDash val="solid"/>
+                      <a:round/>
+                      <a:headEnd type="none" w="med" len="med"/>
+                      <a:tailEnd type="none" w="med" len="med"/>
+                    </a:lnL>
+                    <a:lnR w="12700" cap="flat" cmpd="sng" algn="ctr">
+                      <a:solidFill>
+                        <a:schemeClr val="tx1"/>
+                      </a:solidFill>
+                      <a:prstDash val="solid"/>
+                      <a:round/>
+                      <a:headEnd type="none" w="med" len="med"/>
+                      <a:tailEnd type="none" w="med" len="med"/>
+                    </a:lnR>
+                    <a:lnT w="12700" cap="flat" cmpd="sng" algn="ctr">
+                      <a:solidFill>
+                        <a:schemeClr val="tx1"/>
+                      </a:solidFill>
+                      <a:prstDash val="solid"/>
+                      <a:round/>
+                      <a:headEnd type="none" w="med" len="med"/>
+                      <a:tailEnd type="none" w="med" len="med"/>
+                    </a:lnT>
+                    <a:lnB w="12700" cap="flat" cmpd="sng" algn="ctr">
+                      <a:solidFill>
+                        <a:schemeClr val="tx1"/>
+                      </a:solidFill>
+                      <a:prstDash val="solid"/>
+                      <a:round/>
+                      <a:headEnd type="none" w="med" len="med"/>
+                      <a:tailEnd type="none" w="med" len="med"/>
+                    </a:lnB>
+                  </a:tcPr>
+                </a:tc>
+                <a:tc>
+                  <a:txBody>
+                    <a:bodyPr/>
+                    <a:lstStyle/>
+                    <a:p>
+                      <a:r>
+                        <a:rPr lang="en-TW" b="1" dirty="0"/>
+                        <a:t>Salad maker</a:t>
+                      </a:r>
+                    </a:p>
+                  </a:txBody>
+                  <a:tcPr>
+                    <a:lnL w="12700" cap="flat" cmpd="sng" algn="ctr">
+                      <a:solidFill>
+                        <a:schemeClr val="tx1"/>
+                      </a:solidFill>
+                      <a:prstDash val="solid"/>
+                      <a:round/>
+                      <a:headEnd type="none" w="med" len="med"/>
+                      <a:tailEnd type="none" w="med" len="med"/>
+                    </a:lnL>
+                    <a:lnR w="12700" cap="flat" cmpd="sng" algn="ctr">
+                      <a:solidFill>
+                        <a:schemeClr val="tx1"/>
+                      </a:solidFill>
+                      <a:prstDash val="solid"/>
+                      <a:round/>
+                      <a:headEnd type="none" w="med" len="med"/>
+                      <a:tailEnd type="none" w="med" len="med"/>
+                    </a:lnR>
+                    <a:lnT w="12700" cap="flat" cmpd="sng" algn="ctr">
+                      <a:solidFill>
+                        <a:schemeClr val="tx1"/>
+                      </a:solidFill>
+                      <a:prstDash val="solid"/>
+                      <a:round/>
+                      <a:headEnd type="none" w="med" len="med"/>
+                      <a:tailEnd type="none" w="med" len="med"/>
+                    </a:lnT>
+                    <a:lnB w="12700" cap="flat" cmpd="sng" algn="ctr">
+                      <a:solidFill>
+                        <a:schemeClr val="tx1"/>
+                      </a:solidFill>
+                      <a:prstDash val="solid"/>
+                      <a:round/>
+                      <a:headEnd type="none" w="med" len="med"/>
+                      <a:tailEnd type="none" w="med" len="med"/>
+                    </a:lnB>
+                  </a:tcPr>
+                </a:tc>
+                <a:tc>
+                  <a:txBody>
+                    <a:bodyPr/>
+                    <a:lstStyle/>
+                    <a:p>
+                      <a:r>
+                        <a:rPr lang="en-TW" b="1" dirty="0"/>
+                        <a:t>Sandwich maker</a:t>
+                      </a:r>
+                    </a:p>
+                  </a:txBody>
+                  <a:tcPr>
+                    <a:lnL w="12700" cap="flat" cmpd="sng" algn="ctr">
+                      <a:solidFill>
+                        <a:schemeClr val="tx1"/>
+                      </a:solidFill>
+                      <a:prstDash val="solid"/>
+                      <a:round/>
+                      <a:headEnd type="none" w="med" len="med"/>
+                      <a:tailEnd type="none" w="med" len="med"/>
+                    </a:lnL>
+                    <a:lnR w="12700" cap="flat" cmpd="sng" algn="ctr">
+                      <a:solidFill>
+                        <a:schemeClr val="tx1"/>
+                      </a:solidFill>
+                      <a:prstDash val="solid"/>
+                      <a:round/>
+                      <a:headEnd type="none" w="med" len="med"/>
+                      <a:tailEnd type="none" w="med" len="med"/>
+                    </a:lnR>
+                    <a:lnT w="12700" cap="flat" cmpd="sng" algn="ctr">
+                      <a:solidFill>
+                        <a:schemeClr val="tx1"/>
+                      </a:solidFill>
+                      <a:prstDash val="solid"/>
+                      <a:round/>
+                      <a:headEnd type="none" w="med" len="med"/>
+                      <a:tailEnd type="none" w="med" len="med"/>
+                    </a:lnT>
+                    <a:lnB w="12700" cap="flat" cmpd="sng" algn="ctr">
+                      <a:solidFill>
+                        <a:schemeClr val="tx1"/>
+                      </a:solidFill>
+                      <a:prstDash val="solid"/>
+                      <a:round/>
+                      <a:headEnd type="none" w="med" len="med"/>
+                      <a:tailEnd type="none" w="med" len="med"/>
+                    </a:lnB>
+                  </a:tcPr>
+                </a:tc>
+                <a:tc>
+                  <a:txBody>
+                    <a:bodyPr/>
+                    <a:lstStyle/>
+                    <a:p>
+                      <a:endParaRPr lang="en-TW"/>
+                    </a:p>
+                  </a:txBody>
+                  <a:tcPr>
+                    <a:lnL w="12700" cap="flat" cmpd="sng" algn="ctr">
+                      <a:solidFill>
+                        <a:schemeClr val="tx1"/>
+                      </a:solidFill>
+                      <a:prstDash val="solid"/>
+                      <a:round/>
+                      <a:headEnd type="none" w="med" len="med"/>
+                      <a:tailEnd type="none" w="med" len="med"/>
+                    </a:lnL>
+                    <a:lnR w="12700" cap="flat" cmpd="sng" algn="ctr">
+                      <a:solidFill>
+                        <a:schemeClr val="tx1"/>
+                      </a:solidFill>
+                      <a:prstDash val="solid"/>
+                      <a:round/>
+                      <a:headEnd type="none" w="med" len="med"/>
+                      <a:tailEnd type="none" w="med" len="med"/>
+                    </a:lnR>
+                    <a:lnT w="12700" cap="flat" cmpd="sng" algn="ctr">
+                      <a:solidFill>
+                        <a:schemeClr val="tx1"/>
+                      </a:solidFill>
+                      <a:prstDash val="solid"/>
+                      <a:round/>
+                      <a:headEnd type="none" w="med" len="med"/>
+                      <a:tailEnd type="none" w="med" len="med"/>
+                    </a:lnT>
+                    <a:lnB w="12700" cap="flat" cmpd="sng" algn="ctr">
+                      <a:solidFill>
+                        <a:schemeClr val="tx1"/>
+                      </a:solidFill>
+                      <a:prstDash val="solid"/>
+                      <a:round/>
+                      <a:headEnd type="none" w="med" len="med"/>
+                      <a:tailEnd type="none" w="med" len="med"/>
+                    </a:lnB>
+                  </a:tcPr>
+                </a:tc>
+                <a:tc>
+                  <a:txBody>
+                    <a:bodyPr/>
+                    <a:lstStyle/>
+                    <a:p>
+                      <a:endParaRPr lang="en-TW"/>
+                    </a:p>
+                  </a:txBody>
+                  <a:tcPr>
+                    <a:lnL w="12700" cap="flat" cmpd="sng" algn="ctr">
+                      <a:solidFill>
+                        <a:schemeClr val="tx1"/>
+                      </a:solidFill>
+                      <a:prstDash val="solid"/>
+                      <a:round/>
+                      <a:headEnd type="none" w="med" len="med"/>
+                      <a:tailEnd type="none" w="med" len="med"/>
+                    </a:lnL>
+                    <a:lnR w="12700" cap="flat" cmpd="sng" algn="ctr">
+                      <a:solidFill>
+                        <a:schemeClr val="tx1"/>
+                      </a:solidFill>
+                      <a:prstDash val="solid"/>
+                      <a:round/>
+                      <a:headEnd type="none" w="med" len="med"/>
+                      <a:tailEnd type="none" w="med" len="med"/>
+                    </a:lnR>
+                    <a:lnT w="12700" cap="flat" cmpd="sng" algn="ctr">
+                      <a:solidFill>
+                        <a:schemeClr val="tx1"/>
+                      </a:solidFill>
+                      <a:prstDash val="solid"/>
+                      <a:round/>
+                      <a:headEnd type="none" w="med" len="med"/>
+                      <a:tailEnd type="none" w="med" len="med"/>
+                    </a:lnT>
+                    <a:lnB w="12700" cap="flat" cmpd="sng" algn="ctr">
+                      <a:solidFill>
+                        <a:schemeClr val="tx1"/>
+                      </a:solidFill>
+                      <a:prstDash val="solid"/>
+                      <a:round/>
+                      <a:headEnd type="none" w="med" len="med"/>
+                      <a:tailEnd type="none" w="med" len="med"/>
+                    </a:lnB>
+                  </a:tcPr>
+                </a:tc>
+                <a:tc>
+                  <a:txBody>
+                    <a:bodyPr/>
+                    <a:lstStyle/>
+                    <a:p>
+                      <a:endParaRPr lang="en-TW"/>
+                    </a:p>
+                  </a:txBody>
+                  <a:tcPr>
+                    <a:lnL w="12700" cap="flat" cmpd="sng" algn="ctr">
+                      <a:solidFill>
+                        <a:schemeClr val="tx1"/>
+                      </a:solidFill>
+                      <a:prstDash val="solid"/>
+                      <a:round/>
+                      <a:headEnd type="none" w="med" len="med"/>
+                      <a:tailEnd type="none" w="med" len="med"/>
+                    </a:lnL>
+                    <a:lnR w="12700" cap="flat" cmpd="sng" algn="ctr">
+                      <a:solidFill>
+                        <a:schemeClr val="tx1"/>
+                      </a:solidFill>
+                      <a:prstDash val="solid"/>
+                      <a:round/>
+                      <a:headEnd type="none" w="med" len="med"/>
+                      <a:tailEnd type="none" w="med" len="med"/>
+                    </a:lnR>
+                    <a:lnT w="12700" cap="flat" cmpd="sng" algn="ctr">
+                      <a:solidFill>
+                        <a:schemeClr val="tx1"/>
+                      </a:solidFill>
+                      <a:prstDash val="solid"/>
+                      <a:round/>
+                      <a:headEnd type="none" w="med" len="med"/>
+                      <a:tailEnd type="none" w="med" len="med"/>
+                    </a:lnT>
+                    <a:lnB w="12700" cap="flat" cmpd="sng" algn="ctr">
+                      <a:solidFill>
+                        <a:schemeClr val="tx1"/>
+                      </a:solidFill>
+                      <a:prstDash val="solid"/>
+                      <a:round/>
+                      <a:headEnd type="none" w="med" len="med"/>
+                      <a:tailEnd type="none" w="med" len="med"/>
+                    </a:lnB>
+                  </a:tcPr>
+                </a:tc>
+                <a:tc>
+                  <a:txBody>
+                    <a:bodyPr/>
+                    <a:lstStyle/>
+                    <a:p>
+                      <a:r>
+                        <a:rPr lang="en-TW" i="1" dirty="0"/>
+                        <a:t>Pickupwindow</a:t>
+                      </a:r>
+                    </a:p>
+                  </a:txBody>
+                  <a:tcPr>
+                    <a:lnL w="12700" cap="flat" cmpd="sng" algn="ctr">
+                      <a:solidFill>
+                        <a:schemeClr val="tx1"/>
+                      </a:solidFill>
+                      <a:prstDash val="solid"/>
+                      <a:round/>
+                      <a:headEnd type="none" w="med" len="med"/>
+                      <a:tailEnd type="none" w="med" len="med"/>
+                    </a:lnL>
+                    <a:lnR w="12700" cap="flat" cmpd="sng" algn="ctr">
+                      <a:solidFill>
+                        <a:schemeClr val="tx1"/>
+                      </a:solidFill>
+                      <a:prstDash val="solid"/>
+                      <a:round/>
+                      <a:headEnd type="none" w="med" len="med"/>
+                      <a:tailEnd type="none" w="med" len="med"/>
+                    </a:lnR>
+                    <a:lnT w="12700" cap="flat" cmpd="sng" algn="ctr">
+                      <a:solidFill>
+                        <a:schemeClr val="tx1"/>
+                      </a:solidFill>
+                      <a:prstDash val="solid"/>
+                      <a:round/>
+                      <a:headEnd type="none" w="med" len="med"/>
+                      <a:tailEnd type="none" w="med" len="med"/>
+                    </a:lnT>
+                    <a:lnB w="12700" cap="flat" cmpd="sng" algn="ctr">
+                      <a:solidFill>
+                        <a:schemeClr val="tx1"/>
+                      </a:solidFill>
+                      <a:prstDash val="solid"/>
+                      <a:round/>
+                      <a:headEnd type="none" w="med" len="med"/>
+                      <a:tailEnd type="none" w="med" len="med"/>
+                    </a:lnB>
+                  </a:tcPr>
+                </a:tc>
+                <a:extLst>
+                  <a:ext uri="{0D108BD9-81ED-4DB2-BD59-A6C34878D82A}">
+                    <a16:rowId xmlns:a16="http://schemas.microsoft.com/office/drawing/2014/main" val="3519143272"/>
+                  </a:ext>
+                </a:extLst>
+              </a:tr>
+              <a:tr h="370840">
+                <a:tc>
+                  <a:txBody>
+                    <a:bodyPr/>
+                    <a:lstStyle/>
+                    <a:p>
+                      <a:pPr marL="0" marR="0" lvl="0" indent="0" algn="l" defTabSz="914400" rtl="0" eaLnBrk="1" fontAlgn="auto" latinLnBrk="0" hangingPunct="1">
+                        <a:lnSpc>
+                          <a:spcPct val="100000"/>
+                        </a:lnSpc>
+                        <a:spcBef>
+                          <a:spcPts val="0"/>
+                        </a:spcBef>
+                        <a:spcAft>
+                          <a:spcPts val="0"/>
+                        </a:spcAft>
+                        <a:buClrTx/>
+                        <a:buSzTx/>
+                        <a:buFontTx/>
+                        <a:buNone/>
+                        <a:tabLst/>
+                        <a:defRPr/>
+                      </a:pPr>
+                      <a:r>
+                        <a:rPr lang="en-TW" b="0" dirty="0"/>
+                        <a:t>500</a:t>
+                      </a:r>
+                    </a:p>
+                  </a:txBody>
+                  <a:tcPr>
+                    <a:lnL w="12700" cap="flat" cmpd="sng" algn="ctr">
+                      <a:solidFill>
+                        <a:schemeClr val="tx1"/>
+                      </a:solidFill>
+                      <a:prstDash val="solid"/>
+                      <a:round/>
+                      <a:headEnd type="none" w="med" len="med"/>
+                      <a:tailEnd type="none" w="med" len="med"/>
+                    </a:lnL>
+                    <a:lnR w="12700" cap="flat" cmpd="sng" algn="ctr">
+                      <a:solidFill>
+                        <a:schemeClr val="tx1"/>
+                      </a:solidFill>
+                      <a:prstDash val="solid"/>
+                      <a:round/>
+                      <a:headEnd type="none" w="med" len="med"/>
+                      <a:tailEnd type="none" w="med" len="med"/>
+                    </a:lnR>
+                    <a:lnT w="12700" cap="flat" cmpd="sng" algn="ctr">
+                      <a:solidFill>
+                        <a:schemeClr val="tx1"/>
+                      </a:solidFill>
+                      <a:prstDash val="solid"/>
+                      <a:round/>
+                      <a:headEnd type="none" w="med" len="med"/>
+                      <a:tailEnd type="none" w="med" len="med"/>
+                    </a:lnT>
+                    <a:lnB w="12700" cap="flat" cmpd="sng" algn="ctr">
+                      <a:solidFill>
+                        <a:schemeClr val="tx1"/>
+                      </a:solidFill>
+                      <a:prstDash val="solid"/>
+                      <a:round/>
+                      <a:headEnd type="none" w="med" len="med"/>
+                      <a:tailEnd type="none" w="med" len="med"/>
+                    </a:lnB>
+                  </a:tcPr>
+                </a:tc>
+                <a:tc>
+                  <a:txBody>
+                    <a:bodyPr/>
+                    <a:lstStyle/>
+                    <a:p>
+                      <a:pPr marL="0" marR="0" lvl="0" indent="0" algn="l" defTabSz="914400" rtl="0" eaLnBrk="1" fontAlgn="auto" latinLnBrk="0" hangingPunct="1">
+                        <a:lnSpc>
+                          <a:spcPct val="100000"/>
+                        </a:lnSpc>
+                        <a:spcBef>
+                          <a:spcPts val="0"/>
+                        </a:spcBef>
+                        <a:spcAft>
+                          <a:spcPts val="0"/>
+                        </a:spcAft>
+                        <a:buClrTx/>
+                        <a:buSzTx/>
+                        <a:buFontTx/>
+                        <a:buNone/>
+                        <a:tabLst/>
+                        <a:defRPr/>
+                      </a:pPr>
+                      <a:r>
+                        <a:rPr lang="en-TW" b="1" dirty="0"/>
+                        <a:t>Fried egg stove</a:t>
+                      </a:r>
+                    </a:p>
+                  </a:txBody>
+                  <a:tcPr>
+                    <a:lnL w="12700" cap="flat" cmpd="sng" algn="ctr">
+                      <a:solidFill>
+                        <a:schemeClr val="tx1"/>
+                      </a:solidFill>
+                      <a:prstDash val="solid"/>
+                      <a:round/>
+                      <a:headEnd type="none" w="med" len="med"/>
+                      <a:tailEnd type="none" w="med" len="med"/>
+                    </a:lnL>
+                    <a:lnR w="12700" cap="flat" cmpd="sng" algn="ctr">
+                      <a:solidFill>
+                        <a:schemeClr val="tx1"/>
+                      </a:solidFill>
+                      <a:prstDash val="solid"/>
+                      <a:round/>
+                      <a:headEnd type="none" w="med" len="med"/>
+                      <a:tailEnd type="none" w="med" len="med"/>
+                    </a:lnR>
+                    <a:lnT w="12700" cap="flat" cmpd="sng" algn="ctr">
+                      <a:solidFill>
+                        <a:schemeClr val="tx1"/>
+                      </a:solidFill>
+                      <a:prstDash val="solid"/>
+                      <a:round/>
+                      <a:headEnd type="none" w="med" len="med"/>
+                      <a:tailEnd type="none" w="med" len="med"/>
+                    </a:lnT>
+                    <a:lnB w="12700" cap="flat" cmpd="sng" algn="ctr">
+                      <a:solidFill>
+                        <a:schemeClr val="tx1"/>
+                      </a:solidFill>
+                      <a:prstDash val="solid"/>
+                      <a:round/>
+                      <a:headEnd type="none" w="med" len="med"/>
+                      <a:tailEnd type="none" w="med" len="med"/>
+                    </a:lnB>
+                  </a:tcPr>
+                </a:tc>
+                <a:tc>
+                  <a:txBody>
+                    <a:bodyPr/>
+                    <a:lstStyle/>
+                    <a:p>
+                      <a:endParaRPr lang="en-TW"/>
+                    </a:p>
+                  </a:txBody>
+                  <a:tcPr>
+                    <a:lnL w="12700" cap="flat" cmpd="sng" algn="ctr">
+                      <a:solidFill>
+                        <a:schemeClr val="tx1"/>
+                      </a:solidFill>
+                      <a:prstDash val="solid"/>
+                      <a:round/>
+                      <a:headEnd type="none" w="med" len="med"/>
+                      <a:tailEnd type="none" w="med" len="med"/>
+                    </a:lnL>
+                    <a:lnR w="12700" cap="flat" cmpd="sng" algn="ctr">
+                      <a:solidFill>
+                        <a:schemeClr val="tx1"/>
+                      </a:solidFill>
+                      <a:prstDash val="solid"/>
+                      <a:round/>
+                      <a:headEnd type="none" w="med" len="med"/>
+                      <a:tailEnd type="none" w="med" len="med"/>
+                    </a:lnR>
+                    <a:lnT w="12700" cap="flat" cmpd="sng" algn="ctr">
+                      <a:solidFill>
+                        <a:schemeClr val="tx1"/>
+                      </a:solidFill>
+                      <a:prstDash val="solid"/>
+                      <a:round/>
+                      <a:headEnd type="none" w="med" len="med"/>
+                      <a:tailEnd type="none" w="med" len="med"/>
+                    </a:lnT>
+                    <a:lnB w="12700" cap="flat" cmpd="sng" algn="ctr">
+                      <a:solidFill>
+                        <a:schemeClr val="tx1"/>
+                      </a:solidFill>
+                      <a:prstDash val="solid"/>
+                      <a:round/>
+                      <a:headEnd type="none" w="med" len="med"/>
+                      <a:tailEnd type="none" w="med" len="med"/>
+                    </a:lnB>
+                  </a:tcPr>
+                </a:tc>
+                <a:tc>
+                  <a:txBody>
+                    <a:bodyPr/>
+                    <a:lstStyle/>
+                    <a:p>
+                      <a:endParaRPr lang="en-TW"/>
+                    </a:p>
+                  </a:txBody>
+                  <a:tcPr>
+                    <a:lnL w="12700" cap="flat" cmpd="sng" algn="ctr">
+                      <a:solidFill>
+                        <a:schemeClr val="tx1"/>
+                      </a:solidFill>
+                      <a:prstDash val="solid"/>
+                      <a:round/>
+                      <a:headEnd type="none" w="med" len="med"/>
+                      <a:tailEnd type="none" w="med" len="med"/>
+                    </a:lnL>
+                    <a:lnR w="12700" cap="flat" cmpd="sng" algn="ctr">
+                      <a:solidFill>
+                        <a:schemeClr val="tx1"/>
+                      </a:solidFill>
+                      <a:prstDash val="solid"/>
+                      <a:round/>
+                      <a:headEnd type="none" w="med" len="med"/>
+                      <a:tailEnd type="none" w="med" len="med"/>
+                    </a:lnR>
+                    <a:lnT w="12700" cap="flat" cmpd="sng" algn="ctr">
+                      <a:solidFill>
+                        <a:schemeClr val="tx1"/>
+                      </a:solidFill>
+                      <a:prstDash val="solid"/>
+                      <a:round/>
+                      <a:headEnd type="none" w="med" len="med"/>
+                      <a:tailEnd type="none" w="med" len="med"/>
+                    </a:lnT>
+                    <a:lnB w="12700" cap="flat" cmpd="sng" algn="ctr">
+                      <a:solidFill>
+                        <a:schemeClr val="tx1"/>
+                      </a:solidFill>
+                      <a:prstDash val="solid"/>
+                      <a:round/>
+                      <a:headEnd type="none" w="med" len="med"/>
+                      <a:tailEnd type="none" w="med" len="med"/>
+                    </a:lnB>
+                  </a:tcPr>
+                </a:tc>
+                <a:tc>
+                  <a:txBody>
+                    <a:bodyPr/>
+                    <a:lstStyle/>
+                    <a:p>
+                      <a:endParaRPr lang="en-TW"/>
+                    </a:p>
+                  </a:txBody>
+                  <a:tcPr>
+                    <a:lnL w="12700" cap="flat" cmpd="sng" algn="ctr">
+                      <a:solidFill>
+                        <a:schemeClr val="tx1"/>
+                      </a:solidFill>
+                      <a:prstDash val="solid"/>
+                      <a:round/>
+                      <a:headEnd type="none" w="med" len="med"/>
+                      <a:tailEnd type="none" w="med" len="med"/>
+                    </a:lnL>
+                    <a:lnR w="12700" cap="flat" cmpd="sng" algn="ctr">
+                      <a:solidFill>
+                        <a:schemeClr val="tx1"/>
+                      </a:solidFill>
+                      <a:prstDash val="solid"/>
+                      <a:round/>
+                      <a:headEnd type="none" w="med" len="med"/>
+                      <a:tailEnd type="none" w="med" len="med"/>
+                    </a:lnR>
+                    <a:lnT w="12700" cap="flat" cmpd="sng" algn="ctr">
+                      <a:solidFill>
+                        <a:schemeClr val="tx1"/>
+                      </a:solidFill>
+                      <a:prstDash val="solid"/>
+                      <a:round/>
+                      <a:headEnd type="none" w="med" len="med"/>
+                      <a:tailEnd type="none" w="med" len="med"/>
+                    </a:lnT>
+                    <a:lnB w="12700" cap="flat" cmpd="sng" algn="ctr">
+                      <a:solidFill>
+                        <a:schemeClr val="tx1"/>
+                      </a:solidFill>
+                      <a:prstDash val="solid"/>
+                      <a:round/>
+                      <a:headEnd type="none" w="med" len="med"/>
+                      <a:tailEnd type="none" w="med" len="med"/>
+                    </a:lnB>
+                  </a:tcPr>
+                </a:tc>
+                <a:tc>
+                  <a:txBody>
+                    <a:bodyPr/>
+                    <a:lstStyle/>
+                    <a:p>
+                      <a:endParaRPr lang="en-TW"/>
+                    </a:p>
+                  </a:txBody>
+                  <a:tcPr>
+                    <a:lnL w="12700" cap="flat" cmpd="sng" algn="ctr">
+                      <a:solidFill>
+                        <a:schemeClr val="tx1"/>
+                      </a:solidFill>
+                      <a:prstDash val="solid"/>
+                      <a:round/>
+                      <a:headEnd type="none" w="med" len="med"/>
+                      <a:tailEnd type="none" w="med" len="med"/>
+                    </a:lnL>
+                    <a:lnR w="12700" cap="flat" cmpd="sng" algn="ctr">
+                      <a:solidFill>
+                        <a:schemeClr val="tx1"/>
+                      </a:solidFill>
+                      <a:prstDash val="solid"/>
+                      <a:round/>
+                      <a:headEnd type="none" w="med" len="med"/>
+                      <a:tailEnd type="none" w="med" len="med"/>
+                    </a:lnR>
+                    <a:lnT w="12700" cap="flat" cmpd="sng" algn="ctr">
+                      <a:solidFill>
+                        <a:schemeClr val="tx1"/>
+                      </a:solidFill>
+                      <a:prstDash val="solid"/>
+                      <a:round/>
+                      <a:headEnd type="none" w="med" len="med"/>
+                      <a:tailEnd type="none" w="med" len="med"/>
+                    </a:lnT>
+                    <a:lnB w="12700" cap="flat" cmpd="sng" algn="ctr">
+                      <a:solidFill>
+                        <a:schemeClr val="tx1"/>
+                      </a:solidFill>
+                      <a:prstDash val="solid"/>
+                      <a:round/>
+                      <a:headEnd type="none" w="med" len="med"/>
+                      <a:tailEnd type="none" w="med" len="med"/>
+                    </a:lnB>
+                  </a:tcPr>
+                </a:tc>
+                <a:tc>
+                  <a:txBody>
+                    <a:bodyPr/>
+                    <a:lstStyle/>
+                    <a:p>
+                      <a:endParaRPr lang="en-TW"/>
+                    </a:p>
+                  </a:txBody>
+                  <a:tcPr>
+                    <a:lnL w="12700" cap="flat" cmpd="sng" algn="ctr">
+                      <a:solidFill>
+                        <a:schemeClr val="tx1"/>
+                      </a:solidFill>
+                      <a:prstDash val="solid"/>
+                      <a:round/>
+                      <a:headEnd type="none" w="med" len="med"/>
+                      <a:tailEnd type="none" w="med" len="med"/>
+                    </a:lnL>
+                    <a:lnR w="12700" cap="flat" cmpd="sng" algn="ctr">
+                      <a:solidFill>
+                        <a:schemeClr val="tx1"/>
+                      </a:solidFill>
+                      <a:prstDash val="solid"/>
+                      <a:round/>
+                      <a:headEnd type="none" w="med" len="med"/>
+                      <a:tailEnd type="none" w="med" len="med"/>
+                    </a:lnR>
+                    <a:lnT w="12700" cap="flat" cmpd="sng" algn="ctr">
+                      <a:solidFill>
+                        <a:schemeClr val="tx1"/>
+                      </a:solidFill>
+                      <a:prstDash val="solid"/>
+                      <a:round/>
+                      <a:headEnd type="none" w="med" len="med"/>
+                      <a:tailEnd type="none" w="med" len="med"/>
+                    </a:lnT>
+                    <a:lnB w="12700" cap="flat" cmpd="sng" algn="ctr">
+                      <a:solidFill>
+                        <a:schemeClr val="tx1"/>
+                      </a:solidFill>
+                      <a:prstDash val="solid"/>
+                      <a:round/>
+                      <a:headEnd type="none" w="med" len="med"/>
+                      <a:tailEnd type="none" w="med" len="med"/>
+                    </a:lnB>
+                  </a:tcPr>
+                </a:tc>
+                <a:tc>
+                  <a:txBody>
+                    <a:bodyPr/>
+                    <a:lstStyle/>
+                    <a:p>
+                      <a:endParaRPr lang="en-TW"/>
+                    </a:p>
+                  </a:txBody>
+                  <a:tcPr>
+                    <a:lnL w="12700" cap="flat" cmpd="sng" algn="ctr">
+                      <a:solidFill>
+                        <a:schemeClr val="tx1"/>
+                      </a:solidFill>
+                      <a:prstDash val="solid"/>
+                      <a:round/>
+                      <a:headEnd type="none" w="med" len="med"/>
+                      <a:tailEnd type="none" w="med" len="med"/>
+                    </a:lnL>
+                    <a:lnR w="12700" cap="flat" cmpd="sng" algn="ctr">
+                      <a:solidFill>
+                        <a:schemeClr val="tx1"/>
+                      </a:solidFill>
+                      <a:prstDash val="solid"/>
+                      <a:round/>
+                      <a:headEnd type="none" w="med" len="med"/>
+                      <a:tailEnd type="none" w="med" len="med"/>
+                    </a:lnR>
+                    <a:lnT w="12700" cap="flat" cmpd="sng" algn="ctr">
+                      <a:solidFill>
+                        <a:schemeClr val="tx1"/>
+                      </a:solidFill>
+                      <a:prstDash val="solid"/>
+                      <a:round/>
+                      <a:headEnd type="none" w="med" len="med"/>
+                      <a:tailEnd type="none" w="med" len="med"/>
+                    </a:lnT>
+                    <a:lnB w="12700" cap="flat" cmpd="sng" algn="ctr">
+                      <a:solidFill>
+                        <a:schemeClr val="tx1"/>
+                      </a:solidFill>
+                      <a:prstDash val="solid"/>
+                      <a:round/>
+                      <a:headEnd type="none" w="med" len="med"/>
+                      <a:tailEnd type="none" w="med" len="med"/>
+                    </a:lnB>
+                  </a:tcPr>
+                </a:tc>
+                <a:tc>
+                  <a:txBody>
+                    <a:bodyPr/>
+                    <a:lstStyle/>
+                    <a:p>
+                      <a:endParaRPr lang="en-TW"/>
+                    </a:p>
+                  </a:txBody>
+                  <a:tcPr>
+                    <a:lnL w="12700" cap="flat" cmpd="sng" algn="ctr">
+                      <a:solidFill>
+                        <a:schemeClr val="tx1"/>
+                      </a:solidFill>
+                      <a:prstDash val="solid"/>
+                      <a:round/>
+                      <a:headEnd type="none" w="med" len="med"/>
+                      <a:tailEnd type="none" w="med" len="med"/>
+                    </a:lnL>
+                    <a:lnR w="12700" cap="flat" cmpd="sng" algn="ctr">
+                      <a:solidFill>
+                        <a:schemeClr val="tx1"/>
+                      </a:solidFill>
+                      <a:prstDash val="solid"/>
+                      <a:round/>
+                      <a:headEnd type="none" w="med" len="med"/>
+                      <a:tailEnd type="none" w="med" len="med"/>
+                    </a:lnR>
+                    <a:lnT w="12700" cap="flat" cmpd="sng" algn="ctr">
+                      <a:solidFill>
+                        <a:schemeClr val="tx1"/>
+                      </a:solidFill>
+                      <a:prstDash val="solid"/>
+                      <a:round/>
+                      <a:headEnd type="none" w="med" len="med"/>
+                      <a:tailEnd type="none" w="med" len="med"/>
+                    </a:lnT>
+                    <a:lnB w="12700" cap="flat" cmpd="sng" algn="ctr">
+                      <a:solidFill>
+                        <a:schemeClr val="tx1"/>
+                      </a:solidFill>
+                      <a:prstDash val="solid"/>
+                      <a:round/>
+                      <a:headEnd type="none" w="med" len="med"/>
+                      <a:tailEnd type="none" w="med" len="med"/>
+                    </a:lnB>
+                  </a:tcPr>
+                </a:tc>
+                <a:tc>
+                  <a:txBody>
+                    <a:bodyPr/>
+                    <a:lstStyle/>
+                    <a:p>
+                      <a:endParaRPr lang="en-TW"/>
+                    </a:p>
+                  </a:txBody>
+                  <a:tcPr>
+                    <a:lnL w="12700" cap="flat" cmpd="sng" algn="ctr">
+                      <a:solidFill>
+                        <a:schemeClr val="tx1"/>
+                      </a:solidFill>
+                      <a:prstDash val="solid"/>
+                      <a:round/>
+                      <a:headEnd type="none" w="med" len="med"/>
+                      <a:tailEnd type="none" w="med" len="med"/>
+                    </a:lnL>
+                    <a:lnR w="12700" cap="flat" cmpd="sng" algn="ctr">
+                      <a:solidFill>
+                        <a:schemeClr val="tx1"/>
+                      </a:solidFill>
+                      <a:prstDash val="solid"/>
+                      <a:round/>
+                      <a:headEnd type="none" w="med" len="med"/>
+                      <a:tailEnd type="none" w="med" len="med"/>
+                    </a:lnR>
+                    <a:lnT w="12700" cap="flat" cmpd="sng" algn="ctr">
+                      <a:solidFill>
+                        <a:schemeClr val="tx1"/>
+                      </a:solidFill>
+                      <a:prstDash val="solid"/>
+                      <a:round/>
+                      <a:headEnd type="none" w="med" len="med"/>
+                      <a:tailEnd type="none" w="med" len="med"/>
+                    </a:lnT>
+                    <a:lnB w="12700" cap="flat" cmpd="sng" algn="ctr">
+                      <a:solidFill>
+                        <a:schemeClr val="tx1"/>
+                      </a:solidFill>
+                      <a:prstDash val="solid"/>
+                      <a:round/>
+                      <a:headEnd type="none" w="med" len="med"/>
+                      <a:tailEnd type="none" w="med" len="med"/>
+                    </a:lnB>
+                  </a:tcPr>
+                </a:tc>
+                <a:tc>
+                  <a:txBody>
+                    <a:bodyPr/>
+                    <a:lstStyle/>
+                    <a:p>
+                      <a:r>
+                        <a:rPr lang="en-TW" dirty="0"/>
+                        <a:t>T</a:t>
+                      </a:r>
+                    </a:p>
+                  </a:txBody>
+                  <a:tcPr>
+                    <a:lnL w="12700" cap="flat" cmpd="sng" algn="ctr">
+                      <a:solidFill>
+                        <a:schemeClr val="tx1"/>
+                      </a:solidFill>
+                      <a:prstDash val="solid"/>
+                      <a:round/>
+                      <a:headEnd type="none" w="med" len="med"/>
+                      <a:tailEnd type="none" w="med" len="med"/>
+                    </a:lnL>
+                    <a:lnR w="12700" cap="flat" cmpd="sng" algn="ctr">
+                      <a:solidFill>
+                        <a:schemeClr val="tx1"/>
+                      </a:solidFill>
+                      <a:prstDash val="solid"/>
+                      <a:round/>
+                      <a:headEnd type="none" w="med" len="med"/>
+                      <a:tailEnd type="none" w="med" len="med"/>
+                    </a:lnR>
+                    <a:lnT w="12700" cap="flat" cmpd="sng" algn="ctr">
+                      <a:solidFill>
+                        <a:schemeClr val="tx1"/>
+                      </a:solidFill>
+                      <a:prstDash val="solid"/>
+                      <a:round/>
+                      <a:headEnd type="none" w="med" len="med"/>
+                      <a:tailEnd type="none" w="med" len="med"/>
+                    </a:lnT>
+                    <a:lnB w="12700" cap="flat" cmpd="sng" algn="ctr">
+                      <a:solidFill>
+                        <a:schemeClr val="tx1"/>
+                      </a:solidFill>
+                      <a:prstDash val="solid"/>
+                      <a:round/>
+                      <a:headEnd type="none" w="med" len="med"/>
+                      <a:tailEnd type="none" w="med" len="med"/>
+                    </a:lnB>
+                  </a:tcPr>
+                </a:tc>
+                <a:extLst>
+                  <a:ext uri="{0D108BD9-81ED-4DB2-BD59-A6C34878D82A}">
+                    <a16:rowId xmlns:a16="http://schemas.microsoft.com/office/drawing/2014/main" val="3817616791"/>
+                  </a:ext>
+                </a:extLst>
+              </a:tr>
+              <a:tr h="370840">
+                <a:tc>
+                  <a:txBody>
+                    <a:bodyPr/>
+                    <a:lstStyle/>
+                    <a:p>
+                      <a:r>
+                        <a:rPr lang="en-TW" b="0" dirty="0"/>
+                        <a:t>600</a:t>
+                      </a:r>
+                    </a:p>
+                  </a:txBody>
+                  <a:tcPr>
+                    <a:lnL w="12700" cap="flat" cmpd="sng" algn="ctr">
+                      <a:solidFill>
+                        <a:schemeClr val="tx1"/>
+                      </a:solidFill>
+                      <a:prstDash val="solid"/>
+                      <a:round/>
+                      <a:headEnd type="none" w="med" len="med"/>
+                      <a:tailEnd type="none" w="med" len="med"/>
+                    </a:lnL>
+                    <a:lnR w="12700" cap="flat" cmpd="sng" algn="ctr">
+                      <a:solidFill>
+                        <a:schemeClr val="tx1"/>
+                      </a:solidFill>
+                      <a:prstDash val="solid"/>
+                      <a:round/>
+                      <a:headEnd type="none" w="med" len="med"/>
+                      <a:tailEnd type="none" w="med" len="med"/>
+                    </a:lnR>
+                    <a:lnT w="12700" cap="flat" cmpd="sng" algn="ctr">
+                      <a:solidFill>
+                        <a:schemeClr val="tx1"/>
+                      </a:solidFill>
+                      <a:prstDash val="solid"/>
+                      <a:round/>
+                      <a:headEnd type="none" w="med" len="med"/>
+                      <a:tailEnd type="none" w="med" len="med"/>
+                    </a:lnT>
+                    <a:lnB w="12700" cap="flat" cmpd="sng" algn="ctr">
+                      <a:solidFill>
+                        <a:schemeClr val="tx1"/>
+                      </a:solidFill>
+                      <a:prstDash val="solid"/>
+                      <a:round/>
+                      <a:headEnd type="none" w="med" len="med"/>
+                      <a:tailEnd type="none" w="med" len="med"/>
+                    </a:lnB>
+                  </a:tcPr>
+                </a:tc>
+                <a:tc>
+                  <a:txBody>
+                    <a:bodyPr/>
+                    <a:lstStyle/>
+                    <a:p>
+                      <a:r>
+                        <a:rPr lang="en-TW" dirty="0"/>
+                        <a:t>T</a:t>
+                      </a:r>
+                    </a:p>
+                  </a:txBody>
+                  <a:tcPr>
+                    <a:lnL w="12700" cap="flat" cmpd="sng" algn="ctr">
+                      <a:solidFill>
+                        <a:schemeClr val="tx1"/>
+                      </a:solidFill>
+                      <a:prstDash val="solid"/>
+                      <a:round/>
+                      <a:headEnd type="none" w="med" len="med"/>
+                      <a:tailEnd type="none" w="med" len="med"/>
+                    </a:lnL>
+                    <a:lnR w="12700" cap="flat" cmpd="sng" algn="ctr">
+                      <a:solidFill>
+                        <a:schemeClr val="tx1"/>
+                      </a:solidFill>
+                      <a:prstDash val="solid"/>
+                      <a:round/>
+                      <a:headEnd type="none" w="med" len="med"/>
+                      <a:tailEnd type="none" w="med" len="med"/>
+                    </a:lnR>
+                    <a:lnT w="12700" cap="flat" cmpd="sng" algn="ctr">
+                      <a:solidFill>
+                        <a:schemeClr val="tx1"/>
+                      </a:solidFill>
+                      <a:prstDash val="solid"/>
+                      <a:round/>
+                      <a:headEnd type="none" w="med" len="med"/>
+                      <a:tailEnd type="none" w="med" len="med"/>
+                    </a:lnT>
+                    <a:lnB w="12700" cap="flat" cmpd="sng" algn="ctr">
+                      <a:solidFill>
+                        <a:schemeClr val="tx1"/>
+                      </a:solidFill>
+                      <a:prstDash val="solid"/>
+                      <a:round/>
+                      <a:headEnd type="none" w="med" len="med"/>
+                      <a:tailEnd type="none" w="med" len="med"/>
+                    </a:lnB>
+                  </a:tcPr>
+                </a:tc>
+                <a:tc>
+                  <a:txBody>
+                    <a:bodyPr/>
+                    <a:lstStyle/>
+                    <a:p>
+                      <a:r>
+                        <a:rPr lang="en-TW" dirty="0"/>
+                        <a:t>Egg</a:t>
+                      </a:r>
+                    </a:p>
+                  </a:txBody>
+                  <a:tcPr>
+                    <a:lnL w="12700" cap="flat" cmpd="sng" algn="ctr">
+                      <a:solidFill>
+                        <a:schemeClr val="tx1"/>
+                      </a:solidFill>
+                      <a:prstDash val="solid"/>
+                      <a:round/>
+                      <a:headEnd type="none" w="med" len="med"/>
+                      <a:tailEnd type="none" w="med" len="med"/>
+                    </a:lnL>
+                    <a:lnR w="12700" cap="flat" cmpd="sng" algn="ctr">
+                      <a:solidFill>
+                        <a:schemeClr val="tx1"/>
+                      </a:solidFill>
+                      <a:prstDash val="solid"/>
+                      <a:round/>
+                      <a:headEnd type="none" w="med" len="med"/>
+                      <a:tailEnd type="none" w="med" len="med"/>
+                    </a:lnR>
+                    <a:lnT w="12700" cap="flat" cmpd="sng" algn="ctr">
+                      <a:solidFill>
+                        <a:schemeClr val="tx1"/>
+                      </a:solidFill>
+                      <a:prstDash val="solid"/>
+                      <a:round/>
+                      <a:headEnd type="none" w="med" len="med"/>
+                      <a:tailEnd type="none" w="med" len="med"/>
+                    </a:lnT>
+                    <a:lnB w="12700" cap="flat" cmpd="sng" algn="ctr">
+                      <a:solidFill>
+                        <a:schemeClr val="tx1"/>
+                      </a:solidFill>
+                      <a:prstDash val="solid"/>
+                      <a:round/>
+                      <a:headEnd type="none" w="med" len="med"/>
+                      <a:tailEnd type="none" w="med" len="med"/>
+                    </a:lnB>
+                  </a:tcPr>
+                </a:tc>
+                <a:tc>
+                  <a:txBody>
+                    <a:bodyPr/>
+                    <a:lstStyle/>
+                    <a:p>
+                      <a:endParaRPr lang="en-TW"/>
+                    </a:p>
+                  </a:txBody>
+                  <a:tcPr>
+                    <a:lnL w="12700" cap="flat" cmpd="sng" algn="ctr">
+                      <a:solidFill>
+                        <a:schemeClr val="tx1"/>
+                      </a:solidFill>
+                      <a:prstDash val="solid"/>
+                      <a:round/>
+                      <a:headEnd type="none" w="med" len="med"/>
+                      <a:tailEnd type="none" w="med" len="med"/>
+                    </a:lnL>
+                    <a:lnR w="12700" cap="flat" cmpd="sng" algn="ctr">
+                      <a:solidFill>
+                        <a:schemeClr val="tx1"/>
+                      </a:solidFill>
+                      <a:prstDash val="solid"/>
+                      <a:round/>
+                      <a:headEnd type="none" w="med" len="med"/>
+                      <a:tailEnd type="none" w="med" len="med"/>
+                    </a:lnR>
+                    <a:lnT w="12700" cap="flat" cmpd="sng" algn="ctr">
+                      <a:solidFill>
+                        <a:schemeClr val="tx1"/>
+                      </a:solidFill>
+                      <a:prstDash val="solid"/>
+                      <a:round/>
+                      <a:headEnd type="none" w="med" len="med"/>
+                      <a:tailEnd type="none" w="med" len="med"/>
+                    </a:lnT>
+                    <a:lnB w="12700" cap="flat" cmpd="sng" algn="ctr">
+                      <a:solidFill>
+                        <a:schemeClr val="tx1"/>
+                      </a:solidFill>
+                      <a:prstDash val="solid"/>
+                      <a:round/>
+                      <a:headEnd type="none" w="med" len="med"/>
+                      <a:tailEnd type="none" w="med" len="med"/>
+                    </a:lnB>
+                  </a:tcPr>
+                </a:tc>
+                <a:tc>
+                  <a:txBody>
+                    <a:bodyPr/>
+                    <a:lstStyle/>
+                    <a:p>
+                      <a:endParaRPr lang="en-TW"/>
+                    </a:p>
+                  </a:txBody>
+                  <a:tcPr>
+                    <a:lnL w="12700" cap="flat" cmpd="sng" algn="ctr">
+                      <a:solidFill>
+                        <a:schemeClr val="tx1"/>
+                      </a:solidFill>
+                      <a:prstDash val="solid"/>
+                      <a:round/>
+                      <a:headEnd type="none" w="med" len="med"/>
+                      <a:tailEnd type="none" w="med" len="med"/>
+                    </a:lnL>
+                    <a:lnR w="12700" cap="flat" cmpd="sng" algn="ctr">
+                      <a:solidFill>
+                        <a:schemeClr val="tx1"/>
+                      </a:solidFill>
+                      <a:prstDash val="solid"/>
+                      <a:round/>
+                      <a:headEnd type="none" w="med" len="med"/>
+                      <a:tailEnd type="none" w="med" len="med"/>
+                    </a:lnR>
+                    <a:lnT w="12700" cap="flat" cmpd="sng" algn="ctr">
+                      <a:solidFill>
+                        <a:schemeClr val="tx1"/>
+                      </a:solidFill>
+                      <a:prstDash val="solid"/>
+                      <a:round/>
+                      <a:headEnd type="none" w="med" len="med"/>
+                      <a:tailEnd type="none" w="med" len="med"/>
+                    </a:lnT>
+                    <a:lnB w="12700" cap="flat" cmpd="sng" algn="ctr">
+                      <a:solidFill>
+                        <a:schemeClr val="tx1"/>
+                      </a:solidFill>
+                      <a:prstDash val="solid"/>
+                      <a:round/>
+                      <a:headEnd type="none" w="med" len="med"/>
+                      <a:tailEnd type="none" w="med" len="med"/>
+                    </a:lnB>
+                  </a:tcPr>
+                </a:tc>
+                <a:tc>
+                  <a:txBody>
+                    <a:bodyPr/>
+                    <a:lstStyle/>
+                    <a:p>
+                      <a:endParaRPr lang="en-TW"/>
+                    </a:p>
+                  </a:txBody>
+                  <a:tcPr>
+                    <a:lnL w="12700" cap="flat" cmpd="sng" algn="ctr">
+                      <a:solidFill>
+                        <a:schemeClr val="tx1"/>
+                      </a:solidFill>
+                      <a:prstDash val="solid"/>
+                      <a:round/>
+                      <a:headEnd type="none" w="med" len="med"/>
+                      <a:tailEnd type="none" w="med" len="med"/>
+                    </a:lnL>
+                    <a:lnR w="12700" cap="flat" cmpd="sng" algn="ctr">
+                      <a:solidFill>
+                        <a:schemeClr val="tx1"/>
+                      </a:solidFill>
+                      <a:prstDash val="solid"/>
+                      <a:round/>
+                      <a:headEnd type="none" w="med" len="med"/>
+                      <a:tailEnd type="none" w="med" len="med"/>
+                    </a:lnR>
+                    <a:lnT w="12700" cap="flat" cmpd="sng" algn="ctr">
+                      <a:solidFill>
+                        <a:schemeClr val="tx1"/>
+                      </a:solidFill>
+                      <a:prstDash val="solid"/>
+                      <a:round/>
+                      <a:headEnd type="none" w="med" len="med"/>
+                      <a:tailEnd type="none" w="med" len="med"/>
+                    </a:lnT>
+                    <a:lnB w="12700" cap="flat" cmpd="sng" algn="ctr">
+                      <a:solidFill>
+                        <a:schemeClr val="tx1"/>
+                      </a:solidFill>
+                      <a:prstDash val="solid"/>
+                      <a:round/>
+                      <a:headEnd type="none" w="med" len="med"/>
+                      <a:tailEnd type="none" w="med" len="med"/>
+                    </a:lnB>
+                  </a:tcPr>
+                </a:tc>
+                <a:tc>
+                  <a:txBody>
+                    <a:bodyPr/>
+                    <a:lstStyle/>
+                    <a:p>
+                      <a:endParaRPr lang="en-TW"/>
+                    </a:p>
+                  </a:txBody>
+                  <a:tcPr>
+                    <a:lnL w="12700" cap="flat" cmpd="sng" algn="ctr">
+                      <a:solidFill>
+                        <a:schemeClr val="tx1"/>
+                      </a:solidFill>
+                      <a:prstDash val="solid"/>
+                      <a:round/>
+                      <a:headEnd type="none" w="med" len="med"/>
+                      <a:tailEnd type="none" w="med" len="med"/>
+                    </a:lnL>
+                    <a:lnR w="12700" cap="flat" cmpd="sng" algn="ctr">
+                      <a:solidFill>
+                        <a:schemeClr val="tx1"/>
+                      </a:solidFill>
+                      <a:prstDash val="solid"/>
+                      <a:round/>
+                      <a:headEnd type="none" w="med" len="med"/>
+                      <a:tailEnd type="none" w="med" len="med"/>
+                    </a:lnR>
+                    <a:lnT w="12700" cap="flat" cmpd="sng" algn="ctr">
+                      <a:solidFill>
+                        <a:schemeClr val="tx1"/>
+                      </a:solidFill>
+                      <a:prstDash val="solid"/>
+                      <a:round/>
+                      <a:headEnd type="none" w="med" len="med"/>
+                      <a:tailEnd type="none" w="med" len="med"/>
+                    </a:lnT>
+                    <a:lnB w="12700" cap="flat" cmpd="sng" algn="ctr">
+                      <a:solidFill>
+                        <a:schemeClr val="tx1"/>
+                      </a:solidFill>
+                      <a:prstDash val="solid"/>
+                      <a:round/>
+                      <a:headEnd type="none" w="med" len="med"/>
+                      <a:tailEnd type="none" w="med" len="med"/>
+                    </a:lnB>
+                  </a:tcPr>
+                </a:tc>
+                <a:tc>
+                  <a:txBody>
+                    <a:bodyPr/>
+                    <a:lstStyle/>
+                    <a:p>
+                      <a:endParaRPr lang="en-TW"/>
+                    </a:p>
+                  </a:txBody>
+                  <a:tcPr>
+                    <a:lnL w="12700" cap="flat" cmpd="sng" algn="ctr">
+                      <a:solidFill>
+                        <a:schemeClr val="tx1"/>
+                      </a:solidFill>
+                      <a:prstDash val="solid"/>
+                      <a:round/>
+                      <a:headEnd type="none" w="med" len="med"/>
+                      <a:tailEnd type="none" w="med" len="med"/>
+                    </a:lnL>
+                    <a:lnR w="12700" cap="flat" cmpd="sng" algn="ctr">
+                      <a:solidFill>
+                        <a:schemeClr val="tx1"/>
+                      </a:solidFill>
+                      <a:prstDash val="solid"/>
+                      <a:round/>
+                      <a:headEnd type="none" w="med" len="med"/>
+                      <a:tailEnd type="none" w="med" len="med"/>
+                    </a:lnR>
+                    <a:lnT w="12700" cap="flat" cmpd="sng" algn="ctr">
+                      <a:solidFill>
+                        <a:schemeClr val="tx1"/>
+                      </a:solidFill>
+                      <a:prstDash val="solid"/>
+                      <a:round/>
+                      <a:headEnd type="none" w="med" len="med"/>
+                      <a:tailEnd type="none" w="med" len="med"/>
+                    </a:lnT>
+                    <a:lnB w="12700" cap="flat" cmpd="sng" algn="ctr">
+                      <a:solidFill>
+                        <a:schemeClr val="tx1"/>
+                      </a:solidFill>
+                      <a:prstDash val="solid"/>
+                      <a:round/>
+                      <a:headEnd type="none" w="med" len="med"/>
+                      <a:tailEnd type="none" w="med" len="med"/>
+                    </a:lnB>
+                  </a:tcPr>
+                </a:tc>
+                <a:tc>
+                  <a:txBody>
+                    <a:bodyPr/>
+                    <a:lstStyle/>
+                    <a:p>
+                      <a:endParaRPr lang="en-TW"/>
+                    </a:p>
+                  </a:txBody>
+                  <a:tcPr>
+                    <a:lnL w="12700" cap="flat" cmpd="sng" algn="ctr">
+                      <a:solidFill>
+                        <a:schemeClr val="tx1"/>
+                      </a:solidFill>
+                      <a:prstDash val="solid"/>
+                      <a:round/>
+                      <a:headEnd type="none" w="med" len="med"/>
+                      <a:tailEnd type="none" w="med" len="med"/>
+                    </a:lnL>
+                    <a:lnR w="12700" cap="flat" cmpd="sng" algn="ctr">
+                      <a:solidFill>
+                        <a:schemeClr val="tx1"/>
+                      </a:solidFill>
+                      <a:prstDash val="solid"/>
+                      <a:round/>
+                      <a:headEnd type="none" w="med" len="med"/>
+                      <a:tailEnd type="none" w="med" len="med"/>
+                    </a:lnR>
+                    <a:lnT w="12700" cap="flat" cmpd="sng" algn="ctr">
+                      <a:solidFill>
+                        <a:schemeClr val="tx1"/>
+                      </a:solidFill>
+                      <a:prstDash val="solid"/>
+                      <a:round/>
+                      <a:headEnd type="none" w="med" len="med"/>
+                      <a:tailEnd type="none" w="med" len="med"/>
+                    </a:lnT>
+                    <a:lnB w="12700" cap="flat" cmpd="sng" algn="ctr">
+                      <a:solidFill>
+                        <a:schemeClr val="tx1"/>
+                      </a:solidFill>
+                      <a:prstDash val="solid"/>
+                      <a:round/>
+                      <a:headEnd type="none" w="med" len="med"/>
+                      <a:tailEnd type="none" w="med" len="med"/>
+                    </a:lnB>
+                  </a:tcPr>
+                </a:tc>
+                <a:tc>
+                  <a:txBody>
+                    <a:bodyPr/>
+                    <a:lstStyle/>
+                    <a:p>
+                      <a:r>
+                        <a:rPr lang="en-TW" dirty="0"/>
+                        <a:t>Tomato</a:t>
+                      </a:r>
+                    </a:p>
+                  </a:txBody>
+                  <a:tcPr>
+                    <a:lnL w="12700" cap="flat" cmpd="sng" algn="ctr">
+                      <a:solidFill>
+                        <a:schemeClr val="tx1"/>
+                      </a:solidFill>
+                      <a:prstDash val="solid"/>
+                      <a:round/>
+                      <a:headEnd type="none" w="med" len="med"/>
+                      <a:tailEnd type="none" w="med" len="med"/>
+                    </a:lnL>
+                    <a:lnR w="12700" cap="flat" cmpd="sng" algn="ctr">
+                      <a:solidFill>
+                        <a:schemeClr val="tx1"/>
+                      </a:solidFill>
+                      <a:prstDash val="solid"/>
+                      <a:round/>
+                      <a:headEnd type="none" w="med" len="med"/>
+                      <a:tailEnd type="none" w="med" len="med"/>
+                    </a:lnR>
+                    <a:lnT w="12700" cap="flat" cmpd="sng" algn="ctr">
+                      <a:solidFill>
+                        <a:schemeClr val="tx1"/>
+                      </a:solidFill>
+                      <a:prstDash val="solid"/>
+                      <a:round/>
+                      <a:headEnd type="none" w="med" len="med"/>
+                      <a:tailEnd type="none" w="med" len="med"/>
+                    </a:lnT>
+                    <a:lnB w="12700" cap="flat" cmpd="sng" algn="ctr">
+                      <a:solidFill>
+                        <a:schemeClr val="tx1"/>
+                      </a:solidFill>
+                      <a:prstDash val="solid"/>
+                      <a:round/>
+                      <a:headEnd type="none" w="med" len="med"/>
+                      <a:tailEnd type="none" w="med" len="med"/>
+                    </a:lnB>
+                  </a:tcPr>
+                </a:tc>
+                <a:tc>
+                  <a:txBody>
+                    <a:bodyPr/>
+                    <a:lstStyle/>
+                    <a:p>
+                      <a:r>
+                        <a:rPr lang="en-TW" dirty="0"/>
+                        <a:t>T</a:t>
+                      </a:r>
+                    </a:p>
+                  </a:txBody>
+                  <a:tcPr>
+                    <a:lnL w="12700" cap="flat" cmpd="sng" algn="ctr">
+                      <a:solidFill>
+                        <a:schemeClr val="tx1"/>
+                      </a:solidFill>
+                      <a:prstDash val="solid"/>
+                      <a:round/>
+                      <a:headEnd type="none" w="med" len="med"/>
+                      <a:tailEnd type="none" w="med" len="med"/>
+                    </a:lnL>
+                    <a:lnR w="12700" cap="flat" cmpd="sng" algn="ctr">
+                      <a:solidFill>
+                        <a:schemeClr val="tx1"/>
+                      </a:solidFill>
+                      <a:prstDash val="solid"/>
+                      <a:round/>
+                      <a:headEnd type="none" w="med" len="med"/>
+                      <a:tailEnd type="none" w="med" len="med"/>
+                    </a:lnR>
+                    <a:lnT w="12700" cap="flat" cmpd="sng" algn="ctr">
+                      <a:solidFill>
+                        <a:schemeClr val="tx1"/>
+                      </a:solidFill>
+                      <a:prstDash val="solid"/>
+                      <a:round/>
+                      <a:headEnd type="none" w="med" len="med"/>
+                      <a:tailEnd type="none" w="med" len="med"/>
+                    </a:lnT>
+                    <a:lnB w="12700" cap="flat" cmpd="sng" algn="ctr">
+                      <a:solidFill>
+                        <a:schemeClr val="tx1"/>
+                      </a:solidFill>
+                      <a:prstDash val="solid"/>
+                      <a:round/>
+                      <a:headEnd type="none" w="med" len="med"/>
+                      <a:tailEnd type="none" w="med" len="med"/>
+                    </a:lnB>
+                  </a:tcPr>
+                </a:tc>
+                <a:extLst>
+                  <a:ext uri="{0D108BD9-81ED-4DB2-BD59-A6C34878D82A}">
+                    <a16:rowId xmlns:a16="http://schemas.microsoft.com/office/drawing/2014/main" val="2645807032"/>
+                  </a:ext>
+                </a:extLst>
+              </a:tr>
+              <a:tr h="0">
+                <a:tc>
+                  <a:txBody>
+                    <a:bodyPr/>
+                    <a:lstStyle/>
+                    <a:p>
+                      <a:r>
+                        <a:rPr lang="en-TW" b="0" dirty="0"/>
+                        <a:t>700</a:t>
+                      </a:r>
+                    </a:p>
+                  </a:txBody>
+                  <a:tcPr>
+                    <a:lnL w="12700" cap="flat" cmpd="sng" algn="ctr">
+                      <a:solidFill>
+                        <a:schemeClr val="tx1"/>
+                      </a:solidFill>
+                      <a:prstDash val="solid"/>
+                      <a:round/>
+                      <a:headEnd type="none" w="med" len="med"/>
+                      <a:tailEnd type="none" w="med" len="med"/>
+                    </a:lnL>
+                    <a:lnR w="12700" cap="flat" cmpd="sng" algn="ctr">
+                      <a:solidFill>
+                        <a:schemeClr val="tx1"/>
+                      </a:solidFill>
+                      <a:prstDash val="solid"/>
+                      <a:round/>
+                      <a:headEnd type="none" w="med" len="med"/>
+                      <a:tailEnd type="none" w="med" len="med"/>
+                    </a:lnR>
+                    <a:lnT w="12700" cap="flat" cmpd="sng" algn="ctr">
+                      <a:solidFill>
+                        <a:schemeClr val="tx1"/>
+                      </a:solidFill>
+                      <a:prstDash val="solid"/>
+                      <a:round/>
+                      <a:headEnd type="none" w="med" len="med"/>
+                      <a:tailEnd type="none" w="med" len="med"/>
+                    </a:lnT>
+                    <a:lnB w="12700" cap="flat" cmpd="sng" algn="ctr">
+                      <a:solidFill>
+                        <a:schemeClr val="tx1"/>
+                      </a:solidFill>
+                      <a:prstDash val="solid"/>
+                      <a:round/>
+                      <a:headEnd type="none" w="med" len="med"/>
+                      <a:tailEnd type="none" w="med" len="med"/>
+                    </a:lnB>
+                  </a:tcPr>
+                </a:tc>
+                <a:tc>
+                  <a:txBody>
+                    <a:bodyPr/>
+                    <a:lstStyle/>
+                    <a:p>
+                      <a:endParaRPr lang="en-TW" dirty="0"/>
+                    </a:p>
+                  </a:txBody>
+                  <a:tcPr>
+                    <a:lnL w="12700" cap="flat" cmpd="sng" algn="ctr">
+                      <a:solidFill>
+                        <a:schemeClr val="tx1"/>
+                      </a:solidFill>
+                      <a:prstDash val="solid"/>
+                      <a:round/>
+                      <a:headEnd type="none" w="med" len="med"/>
+                      <a:tailEnd type="none" w="med" len="med"/>
+                    </a:lnL>
+                    <a:lnR w="12700" cap="flat" cmpd="sng" algn="ctr">
+                      <a:solidFill>
+                        <a:schemeClr val="tx1"/>
+                      </a:solidFill>
+                      <a:prstDash val="solid"/>
+                      <a:round/>
+                      <a:headEnd type="none" w="med" len="med"/>
+                      <a:tailEnd type="none" w="med" len="med"/>
+                    </a:lnR>
+                    <a:lnT w="12700" cap="flat" cmpd="sng" algn="ctr">
+                      <a:solidFill>
+                        <a:schemeClr val="tx1"/>
+                      </a:solidFill>
+                      <a:prstDash val="solid"/>
+                      <a:round/>
+                      <a:headEnd type="none" w="med" len="med"/>
+                      <a:tailEnd type="none" w="med" len="med"/>
+                    </a:lnT>
+                    <a:lnB w="12700" cap="flat" cmpd="sng" algn="ctr">
+                      <a:solidFill>
+                        <a:schemeClr val="tx1"/>
+                      </a:solidFill>
+                      <a:prstDash val="solid"/>
+                      <a:round/>
+                      <a:headEnd type="none" w="med" len="med"/>
+                      <a:tailEnd type="none" w="med" len="med"/>
+                    </a:lnB>
+                  </a:tcPr>
+                </a:tc>
+                <a:tc>
+                  <a:txBody>
+                    <a:bodyPr/>
+                    <a:lstStyle/>
+                    <a:p>
+                      <a:r>
+                        <a:rPr lang="en-TW" dirty="0"/>
+                        <a:t>T</a:t>
+                      </a:r>
+                    </a:p>
+                  </a:txBody>
+                  <a:tcPr>
+                    <a:lnL w="12700" cap="flat" cmpd="sng" algn="ctr">
+                      <a:solidFill>
+                        <a:schemeClr val="tx1"/>
+                      </a:solidFill>
+                      <a:prstDash val="solid"/>
+                      <a:round/>
+                      <a:headEnd type="none" w="med" len="med"/>
+                      <a:tailEnd type="none" w="med" len="med"/>
+                    </a:lnL>
+                    <a:lnR w="12700" cap="flat" cmpd="sng" algn="ctr">
+                      <a:solidFill>
+                        <a:schemeClr val="tx1"/>
+                      </a:solidFill>
+                      <a:prstDash val="solid"/>
+                      <a:round/>
+                      <a:headEnd type="none" w="med" len="med"/>
+                      <a:tailEnd type="none" w="med" len="med"/>
+                    </a:lnR>
+                    <a:lnT w="12700" cap="flat" cmpd="sng" algn="ctr">
+                      <a:solidFill>
+                        <a:schemeClr val="tx1"/>
+                      </a:solidFill>
+                      <a:prstDash val="solid"/>
+                      <a:round/>
+                      <a:headEnd type="none" w="med" len="med"/>
+                      <a:tailEnd type="none" w="med" len="med"/>
+                    </a:lnT>
+                    <a:lnB w="12700" cap="flat" cmpd="sng" algn="ctr">
+                      <a:solidFill>
+                        <a:schemeClr val="tx1"/>
+                      </a:solidFill>
+                      <a:prstDash val="solid"/>
+                      <a:round/>
+                      <a:headEnd type="none" w="med" len="med"/>
+                      <a:tailEnd type="none" w="med" len="med"/>
+                    </a:lnB>
+                  </a:tcPr>
+                </a:tc>
+                <a:tc>
+                  <a:txBody>
+                    <a:bodyPr/>
+                    <a:lstStyle/>
+                    <a:p>
+                      <a:r>
+                        <a:rPr lang="en-TW" dirty="0"/>
+                        <a:t>T</a:t>
+                      </a:r>
+                    </a:p>
+                  </a:txBody>
+                  <a:tcPr>
+                    <a:lnL w="12700" cap="flat" cmpd="sng" algn="ctr">
+                      <a:solidFill>
+                        <a:schemeClr val="tx1"/>
+                      </a:solidFill>
+                      <a:prstDash val="solid"/>
+                      <a:round/>
+                      <a:headEnd type="none" w="med" len="med"/>
+                      <a:tailEnd type="none" w="med" len="med"/>
+                    </a:lnL>
+                    <a:lnR w="12700" cap="flat" cmpd="sng" algn="ctr">
+                      <a:solidFill>
+                        <a:schemeClr val="tx1"/>
+                      </a:solidFill>
+                      <a:prstDash val="solid"/>
+                      <a:round/>
+                      <a:headEnd type="none" w="med" len="med"/>
+                      <a:tailEnd type="none" w="med" len="med"/>
+                    </a:lnR>
+                    <a:lnT w="12700" cap="flat" cmpd="sng" algn="ctr">
+                      <a:solidFill>
+                        <a:schemeClr val="tx1"/>
+                      </a:solidFill>
+                      <a:prstDash val="solid"/>
+                      <a:round/>
+                      <a:headEnd type="none" w="med" len="med"/>
+                      <a:tailEnd type="none" w="med" len="med"/>
+                    </a:lnT>
+                    <a:lnB w="12700" cap="flat" cmpd="sng" algn="ctr">
+                      <a:solidFill>
+                        <a:schemeClr val="tx1"/>
+                      </a:solidFill>
+                      <a:prstDash val="solid"/>
+                      <a:round/>
+                      <a:headEnd type="none" w="med" len="med"/>
+                      <a:tailEnd type="none" w="med" len="med"/>
+                    </a:lnB>
+                  </a:tcPr>
+                </a:tc>
+                <a:tc>
+                  <a:txBody>
+                    <a:bodyPr/>
+                    <a:lstStyle/>
+                    <a:p>
+                      <a:r>
+                        <a:rPr lang="en-TW" dirty="0"/>
+                        <a:t>Apple</a:t>
+                      </a:r>
+                    </a:p>
+                  </a:txBody>
+                  <a:tcPr>
+                    <a:lnL w="12700" cap="flat" cmpd="sng" algn="ctr">
+                      <a:solidFill>
+                        <a:schemeClr val="tx1"/>
+                      </a:solidFill>
+                      <a:prstDash val="solid"/>
+                      <a:round/>
+                      <a:headEnd type="none" w="med" len="med"/>
+                      <a:tailEnd type="none" w="med" len="med"/>
+                    </a:lnL>
+                    <a:lnR w="12700" cap="flat" cmpd="sng" algn="ctr">
+                      <a:solidFill>
+                        <a:schemeClr val="tx1"/>
+                      </a:solidFill>
+                      <a:prstDash val="solid"/>
+                      <a:round/>
+                      <a:headEnd type="none" w="med" len="med"/>
+                      <a:tailEnd type="none" w="med" len="med"/>
+                    </a:lnR>
+                    <a:lnT w="12700" cap="flat" cmpd="sng" algn="ctr">
+                      <a:solidFill>
+                        <a:schemeClr val="tx1"/>
+                      </a:solidFill>
+                      <a:prstDash val="solid"/>
+                      <a:round/>
+                      <a:headEnd type="none" w="med" len="med"/>
+                      <a:tailEnd type="none" w="med" len="med"/>
+                    </a:lnT>
+                    <a:lnB w="12700" cap="flat" cmpd="sng" algn="ctr">
+                      <a:solidFill>
+                        <a:schemeClr val="tx1"/>
+                      </a:solidFill>
+                      <a:prstDash val="solid"/>
+                      <a:round/>
+                      <a:headEnd type="none" w="med" len="med"/>
+                      <a:tailEnd type="none" w="med" len="med"/>
+                    </a:lnB>
+                  </a:tcPr>
+                </a:tc>
+                <a:tc>
+                  <a:txBody>
+                    <a:bodyPr/>
+                    <a:lstStyle/>
+                    <a:p>
+                      <a:r>
+                        <a:rPr lang="en-TW" dirty="0"/>
+                        <a:t>T</a:t>
+                      </a:r>
+                    </a:p>
+                  </a:txBody>
+                  <a:tcPr>
+                    <a:lnL w="12700" cap="flat" cmpd="sng" algn="ctr">
+                      <a:solidFill>
+                        <a:schemeClr val="tx1"/>
+                      </a:solidFill>
+                      <a:prstDash val="solid"/>
+                      <a:round/>
+                      <a:headEnd type="none" w="med" len="med"/>
+                      <a:tailEnd type="none" w="med" len="med"/>
+                    </a:lnL>
+                    <a:lnR w="12700" cap="flat" cmpd="sng" algn="ctr">
+                      <a:solidFill>
+                        <a:schemeClr val="tx1"/>
+                      </a:solidFill>
+                      <a:prstDash val="solid"/>
+                      <a:round/>
+                      <a:headEnd type="none" w="med" len="med"/>
+                      <a:tailEnd type="none" w="med" len="med"/>
+                    </a:lnR>
+                    <a:lnT w="12700" cap="flat" cmpd="sng" algn="ctr">
+                      <a:solidFill>
+                        <a:schemeClr val="tx1"/>
+                      </a:solidFill>
+                      <a:prstDash val="solid"/>
+                      <a:round/>
+                      <a:headEnd type="none" w="med" len="med"/>
+                      <a:tailEnd type="none" w="med" len="med"/>
+                    </a:lnT>
+                    <a:lnB w="12700" cap="flat" cmpd="sng" algn="ctr">
+                      <a:solidFill>
+                        <a:schemeClr val="tx1"/>
+                      </a:solidFill>
+                      <a:prstDash val="solid"/>
+                      <a:round/>
+                      <a:headEnd type="none" w="med" len="med"/>
+                      <a:tailEnd type="none" w="med" len="med"/>
+                    </a:lnB>
+                  </a:tcPr>
+                </a:tc>
+                <a:tc>
+                  <a:txBody>
+                    <a:bodyPr/>
+                    <a:lstStyle/>
+                    <a:p>
+                      <a:r>
+                        <a:rPr lang="en-TW" dirty="0"/>
+                        <a:t>T</a:t>
+                      </a:r>
+                    </a:p>
+                  </a:txBody>
+                  <a:tcPr>
+                    <a:lnL w="12700" cap="flat" cmpd="sng" algn="ctr">
+                      <a:solidFill>
+                        <a:schemeClr val="tx1"/>
+                      </a:solidFill>
+                      <a:prstDash val="solid"/>
+                      <a:round/>
+                      <a:headEnd type="none" w="med" len="med"/>
+                      <a:tailEnd type="none" w="med" len="med"/>
+                    </a:lnL>
+                    <a:lnR w="12700" cap="flat" cmpd="sng" algn="ctr">
+                      <a:solidFill>
+                        <a:schemeClr val="tx1"/>
+                      </a:solidFill>
+                      <a:prstDash val="solid"/>
+                      <a:round/>
+                      <a:headEnd type="none" w="med" len="med"/>
+                      <a:tailEnd type="none" w="med" len="med"/>
+                    </a:lnR>
+                    <a:lnT w="12700" cap="flat" cmpd="sng" algn="ctr">
+                      <a:solidFill>
+                        <a:schemeClr val="tx1"/>
+                      </a:solidFill>
+                      <a:prstDash val="solid"/>
+                      <a:round/>
+                      <a:headEnd type="none" w="med" len="med"/>
+                      <a:tailEnd type="none" w="med" len="med"/>
+                    </a:lnT>
+                    <a:lnB w="12700" cap="flat" cmpd="sng" algn="ctr">
+                      <a:solidFill>
+                        <a:schemeClr val="tx1"/>
+                      </a:solidFill>
+                      <a:prstDash val="solid"/>
+                      <a:round/>
+                      <a:headEnd type="none" w="med" len="med"/>
+                      <a:tailEnd type="none" w="med" len="med"/>
+                    </a:lnB>
+                  </a:tcPr>
+                </a:tc>
+                <a:tc>
+                  <a:txBody>
+                    <a:bodyPr/>
+                    <a:lstStyle/>
+                    <a:p>
+                      <a:r>
+                        <a:rPr lang="en-TW" dirty="0"/>
+                        <a:t>Cheese</a:t>
+                      </a:r>
+                    </a:p>
+                  </a:txBody>
+                  <a:tcPr>
+                    <a:lnL w="12700" cap="flat" cmpd="sng" algn="ctr">
+                      <a:solidFill>
+                        <a:schemeClr val="tx1"/>
+                      </a:solidFill>
+                      <a:prstDash val="solid"/>
+                      <a:round/>
+                      <a:headEnd type="none" w="med" len="med"/>
+                      <a:tailEnd type="none" w="med" len="med"/>
+                    </a:lnL>
+                    <a:lnR w="12700" cap="flat" cmpd="sng" algn="ctr">
+                      <a:solidFill>
+                        <a:schemeClr val="tx1"/>
+                      </a:solidFill>
+                      <a:prstDash val="solid"/>
+                      <a:round/>
+                      <a:headEnd type="none" w="med" len="med"/>
+                      <a:tailEnd type="none" w="med" len="med"/>
+                    </a:lnR>
+                    <a:lnT w="12700" cap="flat" cmpd="sng" algn="ctr">
+                      <a:solidFill>
+                        <a:schemeClr val="tx1"/>
+                      </a:solidFill>
+                      <a:prstDash val="solid"/>
+                      <a:round/>
+                      <a:headEnd type="none" w="med" len="med"/>
+                      <a:tailEnd type="none" w="med" len="med"/>
+                    </a:lnT>
+                    <a:lnB w="12700" cap="flat" cmpd="sng" algn="ctr">
+                      <a:solidFill>
+                        <a:schemeClr val="tx1"/>
+                      </a:solidFill>
+                      <a:prstDash val="solid"/>
+                      <a:round/>
+                      <a:headEnd type="none" w="med" len="med"/>
+                      <a:tailEnd type="none" w="med" len="med"/>
+                    </a:lnB>
+                  </a:tcPr>
+                </a:tc>
+                <a:tc>
+                  <a:txBody>
+                    <a:bodyPr/>
+                    <a:lstStyle/>
+                    <a:p>
+                      <a:r>
+                        <a:rPr lang="en-TW" dirty="0"/>
+                        <a:t>T</a:t>
+                      </a:r>
+                    </a:p>
+                  </a:txBody>
+                  <a:tcPr>
+                    <a:lnL w="12700" cap="flat" cmpd="sng" algn="ctr">
+                      <a:solidFill>
+                        <a:schemeClr val="tx1"/>
+                      </a:solidFill>
+                      <a:prstDash val="solid"/>
+                      <a:round/>
+                      <a:headEnd type="none" w="med" len="med"/>
+                      <a:tailEnd type="none" w="med" len="med"/>
+                    </a:lnL>
+                    <a:lnR w="12700" cap="flat" cmpd="sng" algn="ctr">
+                      <a:solidFill>
+                        <a:schemeClr val="tx1"/>
+                      </a:solidFill>
+                      <a:prstDash val="solid"/>
+                      <a:round/>
+                      <a:headEnd type="none" w="med" len="med"/>
+                      <a:tailEnd type="none" w="med" len="med"/>
+                    </a:lnR>
+                    <a:lnT w="12700" cap="flat" cmpd="sng" algn="ctr">
+                      <a:solidFill>
+                        <a:schemeClr val="tx1"/>
+                      </a:solidFill>
+                      <a:prstDash val="solid"/>
+                      <a:round/>
+                      <a:headEnd type="none" w="med" len="med"/>
+                      <a:tailEnd type="none" w="med" len="med"/>
+                    </a:lnT>
+                    <a:lnB w="12700" cap="flat" cmpd="sng" algn="ctr">
+                      <a:solidFill>
+                        <a:schemeClr val="tx1"/>
+                      </a:solidFill>
+                      <a:prstDash val="solid"/>
+                      <a:round/>
+                      <a:headEnd type="none" w="med" len="med"/>
+                      <a:tailEnd type="none" w="med" len="med"/>
+                    </a:lnB>
+                  </a:tcPr>
+                </a:tc>
+                <a:tc>
+                  <a:txBody>
+                    <a:bodyPr/>
+                    <a:lstStyle/>
+                    <a:p>
+                      <a:r>
+                        <a:rPr lang="en-TW" dirty="0"/>
+                        <a:t>T</a:t>
+                      </a:r>
+                    </a:p>
+                  </a:txBody>
+                  <a:tcPr>
+                    <a:lnL w="12700" cap="flat" cmpd="sng" algn="ctr">
+                      <a:solidFill>
+                        <a:schemeClr val="tx1"/>
+                      </a:solidFill>
+                      <a:prstDash val="solid"/>
+                      <a:round/>
+                      <a:headEnd type="none" w="med" len="med"/>
+                      <a:tailEnd type="none" w="med" len="med"/>
+                    </a:lnL>
+                    <a:lnR w="12700" cap="flat" cmpd="sng" algn="ctr">
+                      <a:solidFill>
+                        <a:schemeClr val="tx1"/>
+                      </a:solidFill>
+                      <a:prstDash val="solid"/>
+                      <a:round/>
+                      <a:headEnd type="none" w="med" len="med"/>
+                      <a:tailEnd type="none" w="med" len="med"/>
+                    </a:lnR>
+                    <a:lnT w="12700" cap="flat" cmpd="sng" algn="ctr">
+                      <a:solidFill>
+                        <a:schemeClr val="tx1"/>
+                      </a:solidFill>
+                      <a:prstDash val="solid"/>
+                      <a:round/>
+                      <a:headEnd type="none" w="med" len="med"/>
+                      <a:tailEnd type="none" w="med" len="med"/>
+                    </a:lnT>
+                    <a:lnB w="12700" cap="flat" cmpd="sng" algn="ctr">
+                      <a:solidFill>
+                        <a:schemeClr val="tx1"/>
+                      </a:solidFill>
+                      <a:prstDash val="solid"/>
+                      <a:round/>
+                      <a:headEnd type="none" w="med" len="med"/>
+                      <a:tailEnd type="none" w="med" len="med"/>
+                    </a:lnB>
+                  </a:tcPr>
+                </a:tc>
+                <a:tc>
+                  <a:txBody>
+                    <a:bodyPr/>
+                    <a:lstStyle/>
+                    <a:p>
+                      <a:endParaRPr lang="en-TW" dirty="0"/>
+                    </a:p>
+                  </a:txBody>
+                  <a:tcPr>
+                    <a:lnL w="12700" cap="flat" cmpd="sng" algn="ctr">
+                      <a:solidFill>
+                        <a:schemeClr val="tx1"/>
+                      </a:solidFill>
+                      <a:prstDash val="solid"/>
+                      <a:round/>
+                      <a:headEnd type="none" w="med" len="med"/>
+                      <a:tailEnd type="none" w="med" len="med"/>
+                    </a:lnL>
+                    <a:lnR w="12700" cap="flat" cmpd="sng" algn="ctr">
+                      <a:solidFill>
+                        <a:schemeClr val="tx1"/>
+                      </a:solidFill>
+                      <a:prstDash val="solid"/>
+                      <a:round/>
+                      <a:headEnd type="none" w="med" len="med"/>
+                      <a:tailEnd type="none" w="med" len="med"/>
+                    </a:lnR>
+                    <a:lnT w="12700" cap="flat" cmpd="sng" algn="ctr">
+                      <a:solidFill>
+                        <a:schemeClr val="tx1"/>
+                      </a:solidFill>
+                      <a:prstDash val="solid"/>
+                      <a:round/>
+                      <a:headEnd type="none" w="med" len="med"/>
+                      <a:tailEnd type="none" w="med" len="med"/>
+                    </a:lnT>
+                    <a:lnB w="12700" cap="flat" cmpd="sng" algn="ctr">
+                      <a:solidFill>
+                        <a:schemeClr val="tx1"/>
+                      </a:solidFill>
+                      <a:prstDash val="solid"/>
+                      <a:round/>
+                      <a:headEnd type="none" w="med" len="med"/>
+                      <a:tailEnd type="none" w="med" len="med"/>
+                    </a:lnB>
+                  </a:tcPr>
+                </a:tc>
+                <a:extLst>
+                  <a:ext uri="{0D108BD9-81ED-4DB2-BD59-A6C34878D82A}">
+                    <a16:rowId xmlns:a16="http://schemas.microsoft.com/office/drawing/2014/main" val="1938665496"/>
+                  </a:ext>
+                </a:extLst>
+              </a:tr>
+            </a:tbl>
+          </a:graphicData>
+        </a:graphic>
+      </p:graphicFrame>
+    </p:spTree>
+    <p:extLst>
+      <p:ext uri="{BB962C8B-B14F-4D97-AF65-F5344CB8AC3E}">
+        <p14:creationId xmlns:p14="http://schemas.microsoft.com/office/powerpoint/2010/main" val="3415470193"/>
+      </p:ext>
+    </p:extLst>
+  </p:cSld>
+  <p:clrMapOvr>
+    <a:masterClrMapping/>
+  </p:clrMapOvr>
+</p:sld>
+</file>
+
 <file path=ppt/slides/slide2.xml><?xml version="1.0" encoding="utf-8"?>
+<p:sld xmlns:a="http://schemas.openxmlformats.org/drawingml/2006/main" xmlns:r="http://schemas.openxmlformats.org/officeDocument/2006/relationships" xmlns:p="http://schemas.openxmlformats.org/presentationml/2006/main">
+  <p:cSld>
+    <p:spTree>
+      <p:nvGrpSpPr>
+        <p:cNvPr id="1" name=""/>
+        <p:cNvGrpSpPr/>
+        <p:nvPr/>
+      </p:nvGrpSpPr>
+      <p:grpSpPr>
+        <a:xfrm>
+          <a:off x="0" y="0"/>
+          <a:ext cx="0" cy="0"/>
+          <a:chOff x="0" y="0"/>
+          <a:chExt cx="0" cy="0"/>
+        </a:xfrm>
+      </p:grpSpPr>
+      <p:pic>
+        <p:nvPicPr>
+          <p:cNvPr id="5" name="Picture 4">
+            <a:extLst>
+              <a:ext uri="{FF2B5EF4-FFF2-40B4-BE49-F238E27FC236}">
+                <a16:creationId xmlns:a16="http://schemas.microsoft.com/office/drawing/2014/main" id="{31414C27-472C-0341-9B91-3855601F4F13}"/>
+              </a:ext>
+            </a:extLst>
+          </p:cNvPr>
+          <p:cNvPicPr>
+            <a:picLocks noChangeAspect="1"/>
+          </p:cNvPicPr>
+          <p:nvPr/>
+        </p:nvPicPr>
+        <p:blipFill>
+          <a:blip r:embed="rId2"/>
+          <a:stretch>
+            <a:fillRect/>
+          </a:stretch>
+        </p:blipFill>
+        <p:spPr>
+          <a:xfrm>
+            <a:off x="3657600" y="990600"/>
+            <a:ext cx="4876800" cy="4876800"/>
+          </a:xfrm>
+          <a:prstGeom prst="rect">
+            <a:avLst/>
+          </a:prstGeom>
+        </p:spPr>
+      </p:pic>
+      <p:pic>
+        <p:nvPicPr>
+          <p:cNvPr id="7" name="Picture 6">
+            <a:extLst>
+              <a:ext uri="{FF2B5EF4-FFF2-40B4-BE49-F238E27FC236}">
+                <a16:creationId xmlns:a16="http://schemas.microsoft.com/office/drawing/2014/main" id="{B60FF2AD-2EF9-094D-8A7E-53ED0971A272}"/>
+              </a:ext>
+            </a:extLst>
+          </p:cNvPr>
+          <p:cNvPicPr>
+            <a:picLocks noChangeAspect="1"/>
+          </p:cNvPicPr>
+          <p:nvPr/>
+        </p:nvPicPr>
+        <p:blipFill>
+          <a:blip r:embed="rId3"/>
+          <a:stretch>
+            <a:fillRect/>
+          </a:stretch>
+        </p:blipFill>
+        <p:spPr>
+          <a:xfrm rot="2729934">
+            <a:off x="5957725" y="1771142"/>
+            <a:ext cx="2105122" cy="2105122"/>
+          </a:xfrm>
+          <a:prstGeom prst="rect">
+            <a:avLst/>
+          </a:prstGeom>
+        </p:spPr>
+      </p:pic>
+    </p:spTree>
+    <p:extLst>
+      <p:ext uri="{BB962C8B-B14F-4D97-AF65-F5344CB8AC3E}">
+        <p14:creationId xmlns:p14="http://schemas.microsoft.com/office/powerpoint/2010/main" val="2694749909"/>
+      </p:ext>
+    </p:extLst>
+  </p:cSld>
+  <p:clrMapOvr>
+    <a:masterClrMapping/>
+  </p:clrMapOvr>
+</p:sld>
+</file>
+
+<file path=ppt/slides/slide3.xml><?xml version="1.0" encoding="utf-8"?>
 <p:sld xmlns:a="http://schemas.openxmlformats.org/drawingml/2006/main" xmlns:r="http://schemas.openxmlformats.org/officeDocument/2006/relationships" xmlns:p="http://schemas.openxmlformats.org/presentationml/2006/main">
   <p:cSld>
     <p:spTree>
@@ -4018,7 +9822,7 @@
         </p:blipFill>
         <p:spPr>
           <a:xfrm rot="1800000">
-            <a:off x="5993902" y="2055510"/>
+            <a:off x="-115061" y="4451476"/>
             <a:ext cx="1418400" cy="1418400"/>
           </a:xfrm>
           <a:prstGeom prst="rect">
@@ -4048,7 +9852,7 @@
         </p:blipFill>
         <p:spPr>
           <a:xfrm rot="21328767">
-            <a:off x="5558454" y="891439"/>
+            <a:off x="-22948" y="3482691"/>
             <a:ext cx="1418400" cy="1418400"/>
           </a:xfrm>
           <a:prstGeom prst="rect">
@@ -4078,7 +9882,7 @@
         </p:blipFill>
         <p:spPr>
           <a:xfrm rot="10082678" flipV="1">
-            <a:off x="4583653" y="1387444"/>
+            <a:off x="-650151" y="4122686"/>
             <a:ext cx="1418400" cy="1418400"/>
           </a:xfrm>
           <a:prstGeom prst="rect">
@@ -4108,7 +9912,7 @@
         </p:blipFill>
         <p:spPr>
           <a:xfrm rot="11271407" flipV="1">
-            <a:off x="5224500" y="1648946"/>
+            <a:off x="717382" y="3937456"/>
             <a:ext cx="1418400" cy="1418400"/>
           </a:xfrm>
           <a:prstGeom prst="rect">
@@ -4137,8 +9941,8 @@
           </a:stretch>
         </p:blipFill>
         <p:spPr>
-          <a:xfrm rot="11271407" flipV="1">
-            <a:off x="6266292" y="1179786"/>
+          <a:xfrm rot="10800000" flipV="1">
+            <a:off x="4591224" y="1250718"/>
             <a:ext cx="1418400" cy="1418400"/>
           </a:xfrm>
           <a:prstGeom prst="rect">
@@ -4148,10 +9952,10 @@
       </p:pic>
       <p:pic>
         <p:nvPicPr>
-          <p:cNvPr id="12" name="Picture 11">
-            <a:extLst>
-              <a:ext uri="{FF2B5EF4-FFF2-40B4-BE49-F238E27FC236}">
-                <a16:creationId xmlns:a16="http://schemas.microsoft.com/office/drawing/2014/main" id="{090720DC-BD64-5948-B01C-62F2F2E69D36}"/>
+          <p:cNvPr id="14" name="Picture 13">
+            <a:extLst>
+              <a:ext uri="{FF2B5EF4-FFF2-40B4-BE49-F238E27FC236}">
+                <a16:creationId xmlns:a16="http://schemas.microsoft.com/office/drawing/2014/main" id="{54FE511D-5922-014A-B12B-AC521D410D2A}"/>
               </a:ext>
             </a:extLst>
           </p:cNvPr>
@@ -4167,8 +9971,8 @@
           </a:stretch>
         </p:blipFill>
         <p:spPr>
-          <a:xfrm rot="14901192" flipV="1">
-            <a:off x="6716877" y="1684957"/>
+          <a:xfrm rot="10800000" flipV="1">
+            <a:off x="5556634" y="673589"/>
             <a:ext cx="1418400" cy="1418400"/>
           </a:xfrm>
           <a:prstGeom prst="rect">
@@ -4178,10 +9982,10 @@
       </p:pic>
       <p:pic>
         <p:nvPicPr>
-          <p:cNvPr id="13" name="Picture 12">
-            <a:extLst>
-              <a:ext uri="{FF2B5EF4-FFF2-40B4-BE49-F238E27FC236}">
-                <a16:creationId xmlns:a16="http://schemas.microsoft.com/office/drawing/2014/main" id="{C2EB28D1-8672-B242-BD5E-164A91057FF8}"/>
+          <p:cNvPr id="15" name="Picture 14">
+            <a:extLst>
+              <a:ext uri="{FF2B5EF4-FFF2-40B4-BE49-F238E27FC236}">
+                <a16:creationId xmlns:a16="http://schemas.microsoft.com/office/drawing/2014/main" id="{3E2A2AAE-69DA-8E44-8C5E-7D783DE91D33}"/>
               </a:ext>
             </a:extLst>
           </p:cNvPr>
@@ -4197,8 +10001,98 @@
           </a:stretch>
         </p:blipFill>
         <p:spPr>
-          <a:xfrm rot="3458249" flipV="1">
-            <a:off x="7030710" y="1617309"/>
+          <a:xfrm rot="10800000" flipV="1">
+            <a:off x="5324630" y="1567240"/>
+            <a:ext cx="1418400" cy="1418400"/>
+          </a:xfrm>
+          <a:prstGeom prst="rect">
+            <a:avLst/>
+          </a:prstGeom>
+        </p:spPr>
+      </p:pic>
+      <p:pic>
+        <p:nvPicPr>
+          <p:cNvPr id="16" name="Picture 15">
+            <a:extLst>
+              <a:ext uri="{FF2B5EF4-FFF2-40B4-BE49-F238E27FC236}">
+                <a16:creationId xmlns:a16="http://schemas.microsoft.com/office/drawing/2014/main" id="{7477323F-0417-8F45-833B-8DBF6A73FA47}"/>
+              </a:ext>
+            </a:extLst>
+          </p:cNvPr>
+          <p:cNvPicPr>
+            <a:picLocks noChangeAspect="1"/>
+          </p:cNvPicPr>
+          <p:nvPr/>
+        </p:nvPicPr>
+        <p:blipFill>
+          <a:blip r:embed="rId3"/>
+          <a:stretch>
+            <a:fillRect/>
+          </a:stretch>
+        </p:blipFill>
+        <p:spPr>
+          <a:xfrm rot="10800000" flipV="1">
+            <a:off x="6290040" y="990111"/>
+            <a:ext cx="1418400" cy="1418400"/>
+          </a:xfrm>
+          <a:prstGeom prst="rect">
+            <a:avLst/>
+          </a:prstGeom>
+        </p:spPr>
+      </p:pic>
+      <p:pic>
+        <p:nvPicPr>
+          <p:cNvPr id="17" name="Picture 16">
+            <a:extLst>
+              <a:ext uri="{FF2B5EF4-FFF2-40B4-BE49-F238E27FC236}">
+                <a16:creationId xmlns:a16="http://schemas.microsoft.com/office/drawing/2014/main" id="{3E389F9E-7624-1841-B81E-22E6C91F5B5E}"/>
+              </a:ext>
+            </a:extLst>
+          </p:cNvPr>
+          <p:cNvPicPr>
+            <a:picLocks noChangeAspect="1"/>
+          </p:cNvPicPr>
+          <p:nvPr/>
+        </p:nvPicPr>
+        <p:blipFill>
+          <a:blip r:embed="rId3"/>
+          <a:stretch>
+            <a:fillRect/>
+          </a:stretch>
+        </p:blipFill>
+        <p:spPr>
+          <a:xfrm rot="10800000" flipV="1">
+            <a:off x="6067747" y="1827847"/>
+            <a:ext cx="1418400" cy="1418400"/>
+          </a:xfrm>
+          <a:prstGeom prst="rect">
+            <a:avLst/>
+          </a:prstGeom>
+        </p:spPr>
+      </p:pic>
+      <p:pic>
+        <p:nvPicPr>
+          <p:cNvPr id="18" name="Picture 17">
+            <a:extLst>
+              <a:ext uri="{FF2B5EF4-FFF2-40B4-BE49-F238E27FC236}">
+                <a16:creationId xmlns:a16="http://schemas.microsoft.com/office/drawing/2014/main" id="{C50FE67A-9485-174D-93E5-912781CD76F2}"/>
+              </a:ext>
+            </a:extLst>
+          </p:cNvPr>
+          <p:cNvPicPr>
+            <a:picLocks noChangeAspect="1"/>
+          </p:cNvPicPr>
+          <p:nvPr/>
+        </p:nvPicPr>
+        <p:blipFill>
+          <a:blip r:embed="rId3"/>
+          <a:stretch>
+            <a:fillRect/>
+          </a:stretch>
+        </p:blipFill>
+        <p:spPr>
+          <a:xfrm rot="10800000" flipV="1">
+            <a:off x="7033157" y="1250718"/>
             <a:ext cx="1418400" cy="1418400"/>
           </a:xfrm>
           <a:prstGeom prst="rect">
@@ -4210,437 +10104,6 @@
     <p:extLst>
       <p:ext uri="{BB962C8B-B14F-4D97-AF65-F5344CB8AC3E}">
         <p14:creationId xmlns:p14="http://schemas.microsoft.com/office/powerpoint/2010/main" val="3329253045"/>
-      </p:ext>
-    </p:extLst>
-  </p:cSld>
-  <p:clrMapOvr>
-    <a:masterClrMapping/>
-  </p:clrMapOvr>
-</p:sld>
-</file>
-
-<file path=ppt/slides/slide3.xml><?xml version="1.0" encoding="utf-8"?>
-<p:sld xmlns:a="http://schemas.openxmlformats.org/drawingml/2006/main" xmlns:r="http://schemas.openxmlformats.org/officeDocument/2006/relationships" xmlns:p="http://schemas.openxmlformats.org/presentationml/2006/main">
-  <p:cSld>
-    <p:spTree>
-      <p:nvGrpSpPr>
-        <p:cNvPr id="1" name=""/>
-        <p:cNvGrpSpPr/>
-        <p:nvPr/>
-      </p:nvGrpSpPr>
-      <p:grpSpPr>
-        <a:xfrm>
-          <a:off x="0" y="0"/>
-          <a:ext cx="0" cy="0"/>
-          <a:chOff x="0" y="0"/>
-          <a:chExt cx="0" cy="0"/>
-        </a:xfrm>
-      </p:grpSpPr>
-      <p:pic>
-        <p:nvPicPr>
-          <p:cNvPr id="11" name="Picture 10">
-            <a:extLst>
-              <a:ext uri="{FF2B5EF4-FFF2-40B4-BE49-F238E27FC236}">
-                <a16:creationId xmlns:a16="http://schemas.microsoft.com/office/drawing/2014/main" id="{364CD5C3-8AE3-E649-B6E9-834EEB4C2D38}"/>
-              </a:ext>
-            </a:extLst>
-          </p:cNvPr>
-          <p:cNvPicPr>
-            <a:picLocks noChangeAspect="1"/>
-          </p:cNvPicPr>
-          <p:nvPr/>
-        </p:nvPicPr>
-        <p:blipFill>
-          <a:blip r:embed="rId2"/>
-          <a:stretch>
-            <a:fillRect/>
-          </a:stretch>
-        </p:blipFill>
-        <p:spPr>
-          <a:xfrm>
-            <a:off x="6953049" y="1475334"/>
-            <a:ext cx="1428172" cy="1428172"/>
-          </a:xfrm>
-          <a:prstGeom prst="rect">
-            <a:avLst/>
-          </a:prstGeom>
-        </p:spPr>
-      </p:pic>
-      <p:pic>
-        <p:nvPicPr>
-          <p:cNvPr id="9" name="Picture 8">
-            <a:extLst>
-              <a:ext uri="{FF2B5EF4-FFF2-40B4-BE49-F238E27FC236}">
-                <a16:creationId xmlns:a16="http://schemas.microsoft.com/office/drawing/2014/main" id="{35135706-93FC-0E41-B324-6EF825841694}"/>
-              </a:ext>
-            </a:extLst>
-          </p:cNvPr>
-          <p:cNvPicPr>
-            <a:picLocks noChangeAspect="1"/>
-          </p:cNvPicPr>
-          <p:nvPr/>
-        </p:nvPicPr>
-        <p:blipFill>
-          <a:blip r:embed="rId2"/>
-          <a:stretch>
-            <a:fillRect/>
-          </a:stretch>
-        </p:blipFill>
-        <p:spPr>
-          <a:xfrm>
-            <a:off x="4486148" y="1475334"/>
-            <a:ext cx="1428172" cy="1428172"/>
-          </a:xfrm>
-          <a:prstGeom prst="rect">
-            <a:avLst/>
-          </a:prstGeom>
-        </p:spPr>
-      </p:pic>
-      <p:pic>
-        <p:nvPicPr>
-          <p:cNvPr id="10" name="Picture 9">
-            <a:extLst>
-              <a:ext uri="{FF2B5EF4-FFF2-40B4-BE49-F238E27FC236}">
-                <a16:creationId xmlns:a16="http://schemas.microsoft.com/office/drawing/2014/main" id="{336434B5-91E2-1A40-AB91-31628CB5666D}"/>
-              </a:ext>
-            </a:extLst>
-          </p:cNvPr>
-          <p:cNvPicPr>
-            <a:picLocks noChangeAspect="1"/>
-          </p:cNvPicPr>
-          <p:nvPr/>
-        </p:nvPicPr>
-        <p:blipFill>
-          <a:blip r:embed="rId2"/>
-          <a:stretch>
-            <a:fillRect/>
-          </a:stretch>
-        </p:blipFill>
-        <p:spPr>
-          <a:xfrm>
-            <a:off x="5784723" y="1475334"/>
-            <a:ext cx="1428172" cy="1428172"/>
-          </a:xfrm>
-          <a:prstGeom prst="rect">
-            <a:avLst/>
-          </a:prstGeom>
-        </p:spPr>
-      </p:pic>
-      <p:pic>
-        <p:nvPicPr>
-          <p:cNvPr id="6" name="Picture 5">
-            <a:extLst>
-              <a:ext uri="{FF2B5EF4-FFF2-40B4-BE49-F238E27FC236}">
-                <a16:creationId xmlns:a16="http://schemas.microsoft.com/office/drawing/2014/main" id="{0682E46D-FA4A-4A47-9DFA-A7221E30C19D}"/>
-              </a:ext>
-            </a:extLst>
-          </p:cNvPr>
-          <p:cNvPicPr>
-            <a:picLocks noChangeAspect="1"/>
-          </p:cNvPicPr>
-          <p:nvPr/>
-        </p:nvPicPr>
-        <p:blipFill>
-          <a:blip r:embed="rId2"/>
-          <a:stretch>
-            <a:fillRect/>
-          </a:stretch>
-        </p:blipFill>
-        <p:spPr>
-          <a:xfrm>
-            <a:off x="5849521" y="2209800"/>
-            <a:ext cx="1428172" cy="1428172"/>
-          </a:xfrm>
-          <a:prstGeom prst="rect">
-            <a:avLst/>
-          </a:prstGeom>
-        </p:spPr>
-      </p:pic>
-      <p:pic>
-        <p:nvPicPr>
-          <p:cNvPr id="7" name="Picture 6">
-            <a:extLst>
-              <a:ext uri="{FF2B5EF4-FFF2-40B4-BE49-F238E27FC236}">
-                <a16:creationId xmlns:a16="http://schemas.microsoft.com/office/drawing/2014/main" id="{7465D9D9-E530-5040-A9B4-71F3C388CBBA}"/>
-              </a:ext>
-            </a:extLst>
-          </p:cNvPr>
-          <p:cNvPicPr>
-            <a:picLocks noChangeAspect="1"/>
-          </p:cNvPicPr>
-          <p:nvPr/>
-        </p:nvPicPr>
-        <p:blipFill>
-          <a:blip r:embed="rId2"/>
-          <a:stretch>
-            <a:fillRect/>
-          </a:stretch>
-        </p:blipFill>
-        <p:spPr>
-          <a:xfrm>
-            <a:off x="5265032" y="1842567"/>
-            <a:ext cx="1428172" cy="1428172"/>
-          </a:xfrm>
-          <a:prstGeom prst="rect">
-            <a:avLst/>
-          </a:prstGeom>
-        </p:spPr>
-      </p:pic>
-      <p:pic>
-        <p:nvPicPr>
-          <p:cNvPr id="8" name="Picture 7">
-            <a:extLst>
-              <a:ext uri="{FF2B5EF4-FFF2-40B4-BE49-F238E27FC236}">
-                <a16:creationId xmlns:a16="http://schemas.microsoft.com/office/drawing/2014/main" id="{96E97164-EC6C-AC43-91D1-2D849962588C}"/>
-              </a:ext>
-            </a:extLst>
-          </p:cNvPr>
-          <p:cNvPicPr>
-            <a:picLocks noChangeAspect="1"/>
-          </p:cNvPicPr>
-          <p:nvPr/>
-        </p:nvPicPr>
-        <p:blipFill>
-          <a:blip r:embed="rId2"/>
-          <a:stretch>
-            <a:fillRect/>
-          </a:stretch>
-        </p:blipFill>
-        <p:spPr>
-          <a:xfrm>
-            <a:off x="6563607" y="1842567"/>
-            <a:ext cx="1428172" cy="1428172"/>
-          </a:xfrm>
-          <a:prstGeom prst="rect">
-            <a:avLst/>
-          </a:prstGeom>
-        </p:spPr>
-      </p:pic>
-      <p:pic>
-        <p:nvPicPr>
-          <p:cNvPr id="12" name="Picture 11">
-            <a:extLst>
-              <a:ext uri="{FF2B5EF4-FFF2-40B4-BE49-F238E27FC236}">
-                <a16:creationId xmlns:a16="http://schemas.microsoft.com/office/drawing/2014/main" id="{1EC4D899-0DA2-9F41-A2A8-1453C399F1BB}"/>
-              </a:ext>
-            </a:extLst>
-          </p:cNvPr>
-          <p:cNvPicPr>
-            <a:picLocks noChangeAspect="1"/>
-          </p:cNvPicPr>
-          <p:nvPr/>
-        </p:nvPicPr>
-        <p:blipFill>
-          <a:blip r:embed="rId2"/>
-          <a:stretch>
-            <a:fillRect/>
-          </a:stretch>
-        </p:blipFill>
-        <p:spPr>
-          <a:xfrm rot="10800000">
-            <a:off x="5241250" y="986335"/>
-            <a:ext cx="1425600" cy="1425600"/>
-          </a:xfrm>
-          <a:prstGeom prst="rect">
-            <a:avLst/>
-          </a:prstGeom>
-        </p:spPr>
-      </p:pic>
-      <p:pic>
-        <p:nvPicPr>
-          <p:cNvPr id="13" name="Picture 12">
-            <a:extLst>
-              <a:ext uri="{FF2B5EF4-FFF2-40B4-BE49-F238E27FC236}">
-                <a16:creationId xmlns:a16="http://schemas.microsoft.com/office/drawing/2014/main" id="{6E723DA3-080A-8847-98D3-D4B1B9EAE60F}"/>
-              </a:ext>
-            </a:extLst>
-          </p:cNvPr>
-          <p:cNvPicPr>
-            <a:picLocks noChangeAspect="1"/>
-          </p:cNvPicPr>
-          <p:nvPr/>
-        </p:nvPicPr>
-        <p:blipFill>
-          <a:blip r:embed="rId2"/>
-          <a:stretch>
-            <a:fillRect/>
-          </a:stretch>
-        </p:blipFill>
-        <p:spPr>
-          <a:xfrm>
-            <a:off x="6294940" y="923006"/>
-            <a:ext cx="1428172" cy="1428172"/>
-          </a:xfrm>
-          <a:prstGeom prst="rect">
-            <a:avLst/>
-          </a:prstGeom>
-        </p:spPr>
-      </p:pic>
-      <p:pic>
-        <p:nvPicPr>
-          <p:cNvPr id="14" name="Picture 13">
-            <a:extLst>
-              <a:ext uri="{FF2B5EF4-FFF2-40B4-BE49-F238E27FC236}">
-                <a16:creationId xmlns:a16="http://schemas.microsoft.com/office/drawing/2014/main" id="{2D9E8791-7571-024F-A2D5-FF7FBCD097F5}"/>
-              </a:ext>
-            </a:extLst>
-          </p:cNvPr>
-          <p:cNvPicPr>
-            <a:picLocks noChangeAspect="1"/>
-          </p:cNvPicPr>
-          <p:nvPr/>
-        </p:nvPicPr>
-        <p:blipFill>
-          <a:blip r:embed="rId2"/>
-          <a:stretch>
-            <a:fillRect/>
-          </a:stretch>
-        </p:blipFill>
-        <p:spPr>
-          <a:xfrm>
-            <a:off x="5875875" y="1454377"/>
-            <a:ext cx="1425600" cy="1425600"/>
-          </a:xfrm>
-          <a:prstGeom prst="rect">
-            <a:avLst/>
-          </a:prstGeom>
-        </p:spPr>
-      </p:pic>
-      <p:pic>
-        <p:nvPicPr>
-          <p:cNvPr id="4" name="Picture 3">
-            <a:extLst>
-              <a:ext uri="{FF2B5EF4-FFF2-40B4-BE49-F238E27FC236}">
-                <a16:creationId xmlns:a16="http://schemas.microsoft.com/office/drawing/2014/main" id="{74E7EB05-2785-3247-926A-F76ABB4A8261}"/>
-              </a:ext>
-            </a:extLst>
-          </p:cNvPr>
-          <p:cNvPicPr>
-            <a:picLocks noChangeAspect="1"/>
-          </p:cNvPicPr>
-          <p:nvPr/>
-        </p:nvPicPr>
-        <p:blipFill>
-          <a:blip r:embed="rId3">
-            <a:clrChange>
-              <a:clrFrom>
-                <a:srgbClr val="C48D69"/>
-              </a:clrFrom>
-              <a:clrTo>
-                <a:srgbClr val="C48D69">
-                  <a:alpha val="0"/>
-                </a:srgbClr>
-              </a:clrTo>
-            </a:clrChange>
-          </a:blip>
-          <a:stretch>
-            <a:fillRect/>
-          </a:stretch>
-        </p:blipFill>
-        <p:spPr>
-          <a:xfrm>
-            <a:off x="3966457" y="673589"/>
-            <a:ext cx="5194300" cy="5194300"/>
-          </a:xfrm>
-          <a:prstGeom prst="rect">
-            <a:avLst/>
-          </a:prstGeom>
-        </p:spPr>
-      </p:pic>
-      <p:pic>
-        <p:nvPicPr>
-          <p:cNvPr id="15" name="Picture 14">
-            <a:extLst>
-              <a:ext uri="{FF2B5EF4-FFF2-40B4-BE49-F238E27FC236}">
-                <a16:creationId xmlns:a16="http://schemas.microsoft.com/office/drawing/2014/main" id="{886F446A-AA9B-9F46-AE02-01120CDDEEA6}"/>
-              </a:ext>
-            </a:extLst>
-          </p:cNvPr>
-          <p:cNvPicPr>
-            <a:picLocks noChangeAspect="1"/>
-          </p:cNvPicPr>
-          <p:nvPr/>
-        </p:nvPicPr>
-        <p:blipFill>
-          <a:blip r:embed="rId2"/>
-          <a:stretch>
-            <a:fillRect/>
-          </a:stretch>
-        </p:blipFill>
-        <p:spPr>
-          <a:xfrm>
-            <a:off x="4721559" y="1637092"/>
-            <a:ext cx="1425600" cy="1425600"/>
-          </a:xfrm>
-          <a:prstGeom prst="rect">
-            <a:avLst/>
-          </a:prstGeom>
-        </p:spPr>
-      </p:pic>
-      <p:pic>
-        <p:nvPicPr>
-          <p:cNvPr id="16" name="Picture 15">
-            <a:extLst>
-              <a:ext uri="{FF2B5EF4-FFF2-40B4-BE49-F238E27FC236}">
-                <a16:creationId xmlns:a16="http://schemas.microsoft.com/office/drawing/2014/main" id="{B9D8C099-8050-1342-9754-1544EA1A418F}"/>
-              </a:ext>
-            </a:extLst>
-          </p:cNvPr>
-          <p:cNvPicPr>
-            <a:picLocks noChangeAspect="1"/>
-          </p:cNvPicPr>
-          <p:nvPr/>
-        </p:nvPicPr>
-        <p:blipFill>
-          <a:blip r:embed="rId2"/>
-          <a:stretch>
-            <a:fillRect/>
-          </a:stretch>
-        </p:blipFill>
-        <p:spPr>
-          <a:xfrm>
-            <a:off x="6288614" y="2159923"/>
-            <a:ext cx="1425600" cy="1425600"/>
-          </a:xfrm>
-          <a:prstGeom prst="rect">
-            <a:avLst/>
-          </a:prstGeom>
-        </p:spPr>
-      </p:pic>
-      <p:pic>
-        <p:nvPicPr>
-          <p:cNvPr id="17" name="Picture 16">
-            <a:extLst>
-              <a:ext uri="{FF2B5EF4-FFF2-40B4-BE49-F238E27FC236}">
-                <a16:creationId xmlns:a16="http://schemas.microsoft.com/office/drawing/2014/main" id="{7A83EE2A-121C-F747-8C06-04EF0A4D77E0}"/>
-              </a:ext>
-            </a:extLst>
-          </p:cNvPr>
-          <p:cNvPicPr>
-            <a:picLocks noChangeAspect="1"/>
-          </p:cNvPicPr>
-          <p:nvPr/>
-        </p:nvPicPr>
-        <p:blipFill>
-          <a:blip r:embed="rId2"/>
-          <a:stretch>
-            <a:fillRect/>
-          </a:stretch>
-        </p:blipFill>
-        <p:spPr>
-          <a:xfrm rot="1420420">
-            <a:off x="7103600" y="1309257"/>
-            <a:ext cx="1425600" cy="1425600"/>
-          </a:xfrm>
-          <a:prstGeom prst="rect">
-            <a:avLst/>
-          </a:prstGeom>
-        </p:spPr>
-      </p:pic>
-    </p:spTree>
-    <p:extLst>
-      <p:ext uri="{BB962C8B-B14F-4D97-AF65-F5344CB8AC3E}">
-        <p14:creationId xmlns:p14="http://schemas.microsoft.com/office/powerpoint/2010/main" val="3472073214"/>
       </p:ext>
     </p:extLst>
   </p:cSld>
@@ -4669,10 +10132,10 @@
       </p:grpSpPr>
       <p:pic>
         <p:nvPicPr>
-          <p:cNvPr id="24" name="Picture 23">
-            <a:extLst>
-              <a:ext uri="{FF2B5EF4-FFF2-40B4-BE49-F238E27FC236}">
-                <a16:creationId xmlns:a16="http://schemas.microsoft.com/office/drawing/2014/main" id="{0E8D0AEB-6582-2D49-9C78-552FC1790614}"/>
+          <p:cNvPr id="4" name="Picture 3">
+            <a:extLst>
+              <a:ext uri="{FF2B5EF4-FFF2-40B4-BE49-F238E27FC236}">
+                <a16:creationId xmlns:a16="http://schemas.microsoft.com/office/drawing/2014/main" id="{74E7EB05-2785-3247-926A-F76ABB4A8261}"/>
               </a:ext>
             </a:extLst>
           </p:cNvPr>
@@ -4682,15 +10145,26 @@
           <p:nvPr/>
         </p:nvPicPr>
         <p:blipFill>
-          <a:blip r:embed="rId3"/>
+          <a:blip r:embed="rId2">
+            <a:clrChange>
+              <a:clrFrom>
+                <a:srgbClr val="C48D69"/>
+              </a:clrFrom>
+              <a:clrTo>
+                <a:srgbClr val="C48D69">
+                  <a:alpha val="0"/>
+                </a:srgbClr>
+              </a:clrTo>
+            </a:clrChange>
+          </a:blip>
           <a:stretch>
             <a:fillRect/>
           </a:stretch>
         </p:blipFill>
         <p:spPr>
-          <a:xfrm rot="18944566" flipH="1">
-            <a:off x="5113348" y="2531559"/>
-            <a:ext cx="1324429" cy="1324429"/>
+          <a:xfrm>
+            <a:off x="3966457" y="673589"/>
+            <a:ext cx="5194300" cy="5194300"/>
           </a:xfrm>
           <a:prstGeom prst="rect">
             <a:avLst/>
@@ -4699,10 +10173,10 @@
       </p:pic>
       <p:pic>
         <p:nvPicPr>
-          <p:cNvPr id="7" name="Picture 6">
-            <a:extLst>
-              <a:ext uri="{FF2B5EF4-FFF2-40B4-BE49-F238E27FC236}">
-                <a16:creationId xmlns:a16="http://schemas.microsoft.com/office/drawing/2014/main" id="{0F52BFB3-2FA4-2540-B1BC-A7EAB540BCA8}"/>
+          <p:cNvPr id="17" name="Picture 16">
+            <a:extLst>
+              <a:ext uri="{FF2B5EF4-FFF2-40B4-BE49-F238E27FC236}">
+                <a16:creationId xmlns:a16="http://schemas.microsoft.com/office/drawing/2014/main" id="{7A83EE2A-121C-F747-8C06-04EF0A4D77E0}"/>
               </a:ext>
             </a:extLst>
           </p:cNvPr>
@@ -4719,8 +10193,8 @@
         </p:blipFill>
         <p:spPr>
           <a:xfrm>
-            <a:off x="3890156" y="2104571"/>
-            <a:ext cx="1324429" cy="1324429"/>
+            <a:off x="4670400" y="1442532"/>
+            <a:ext cx="1425600" cy="1425600"/>
           </a:xfrm>
           <a:prstGeom prst="rect">
             <a:avLst/>
@@ -4729,10 +10203,10 @@
       </p:pic>
       <p:pic>
         <p:nvPicPr>
-          <p:cNvPr id="8" name="Picture 7">
-            <a:extLst>
-              <a:ext uri="{FF2B5EF4-FFF2-40B4-BE49-F238E27FC236}">
-                <a16:creationId xmlns:a16="http://schemas.microsoft.com/office/drawing/2014/main" id="{6F7A20D5-9D6D-0843-8212-1BF287D9AE5C}"/>
+          <p:cNvPr id="19" name="Picture 18">
+            <a:extLst>
+              <a:ext uri="{FF2B5EF4-FFF2-40B4-BE49-F238E27FC236}">
+                <a16:creationId xmlns:a16="http://schemas.microsoft.com/office/drawing/2014/main" id="{FD747743-2B75-EC43-9786-691231969A8E}"/>
               </a:ext>
             </a:extLst>
           </p:cNvPr>
@@ -4748,9 +10222,9 @@
           </a:stretch>
         </p:blipFill>
         <p:spPr>
-          <a:xfrm rot="751413">
-            <a:off x="4552370" y="1916710"/>
-            <a:ext cx="1324429" cy="1324429"/>
+          <a:xfrm>
+            <a:off x="5489978" y="882413"/>
+            <a:ext cx="1425600" cy="1425600"/>
           </a:xfrm>
           <a:prstGeom prst="rect">
             <a:avLst/>
@@ -4759,10 +10233,10 @@
       </p:pic>
       <p:pic>
         <p:nvPicPr>
-          <p:cNvPr id="9" name="Picture 8">
-            <a:extLst>
-              <a:ext uri="{FF2B5EF4-FFF2-40B4-BE49-F238E27FC236}">
-                <a16:creationId xmlns:a16="http://schemas.microsoft.com/office/drawing/2014/main" id="{EFC72953-78B0-704C-96D0-6ACF69063FDD}"/>
+          <p:cNvPr id="20" name="Picture 19">
+            <a:extLst>
+              <a:ext uri="{FF2B5EF4-FFF2-40B4-BE49-F238E27FC236}">
+                <a16:creationId xmlns:a16="http://schemas.microsoft.com/office/drawing/2014/main" id="{03A0C4D6-3D8F-5546-92BF-2D00B49FE79B}"/>
               </a:ext>
             </a:extLst>
           </p:cNvPr>
@@ -4778,9 +10252,9 @@
           </a:stretch>
         </p:blipFill>
         <p:spPr>
-          <a:xfrm rot="21034053">
-            <a:off x="5412538" y="1916709"/>
-            <a:ext cx="1324429" cy="1324429"/>
+          <a:xfrm>
+            <a:off x="5141983" y="1943473"/>
+            <a:ext cx="1425600" cy="1425600"/>
           </a:xfrm>
           <a:prstGeom prst="rect">
             <a:avLst/>
@@ -4789,10 +10263,10 @@
       </p:pic>
       <p:pic>
         <p:nvPicPr>
-          <p:cNvPr id="10" name="Picture 9">
-            <a:extLst>
-              <a:ext uri="{FF2B5EF4-FFF2-40B4-BE49-F238E27FC236}">
-                <a16:creationId xmlns:a16="http://schemas.microsoft.com/office/drawing/2014/main" id="{FAB681FF-8740-5E4D-ADDB-962C152074AA}"/>
+          <p:cNvPr id="21" name="Picture 20">
+            <a:extLst>
+              <a:ext uri="{FF2B5EF4-FFF2-40B4-BE49-F238E27FC236}">
+                <a16:creationId xmlns:a16="http://schemas.microsoft.com/office/drawing/2014/main" id="{6F37B98D-3669-0F4A-876B-C98E39B073B1}"/>
               </a:ext>
             </a:extLst>
           </p:cNvPr>
@@ -4808,9 +10282,9 @@
           </a:stretch>
         </p:blipFill>
         <p:spPr>
-          <a:xfrm rot="18376669" flipH="1">
-            <a:off x="6418231" y="1916708"/>
-            <a:ext cx="1324429" cy="1324429"/>
+          <a:xfrm>
+            <a:off x="6569943" y="1018814"/>
+            <a:ext cx="1425600" cy="1425600"/>
           </a:xfrm>
           <a:prstGeom prst="rect">
             <a:avLst/>
@@ -4819,10 +10293,10 @@
       </p:pic>
       <p:pic>
         <p:nvPicPr>
-          <p:cNvPr id="11" name="Picture 10">
-            <a:extLst>
-              <a:ext uri="{FF2B5EF4-FFF2-40B4-BE49-F238E27FC236}">
-                <a16:creationId xmlns:a16="http://schemas.microsoft.com/office/drawing/2014/main" id="{9296E25B-7FB2-2E43-B0FB-9067D489F4FD}"/>
+          <p:cNvPr id="22" name="Picture 21">
+            <a:extLst>
+              <a:ext uri="{FF2B5EF4-FFF2-40B4-BE49-F238E27FC236}">
+                <a16:creationId xmlns:a16="http://schemas.microsoft.com/office/drawing/2014/main" id="{1C04958D-BA63-C342-8632-8A5E4E99BE62}"/>
               </a:ext>
             </a:extLst>
           </p:cNvPr>
@@ -4838,9 +10312,9 @@
           </a:stretch>
         </p:blipFill>
         <p:spPr>
-          <a:xfrm rot="5400000" flipH="1">
-            <a:off x="7343913" y="2044550"/>
-            <a:ext cx="1324429" cy="1324429"/>
+          <a:xfrm>
+            <a:off x="6203958" y="2254962"/>
+            <a:ext cx="1425600" cy="1425600"/>
           </a:xfrm>
           <a:prstGeom prst="rect">
             <a:avLst/>
@@ -4849,10 +10323,10 @@
       </p:pic>
       <p:pic>
         <p:nvPicPr>
-          <p:cNvPr id="18" name="Picture 17">
-            <a:extLst>
-              <a:ext uri="{FF2B5EF4-FFF2-40B4-BE49-F238E27FC236}">
-                <a16:creationId xmlns:a16="http://schemas.microsoft.com/office/drawing/2014/main" id="{EEE303F7-79EE-DF48-A68C-034CA5513C6C}"/>
+          <p:cNvPr id="23" name="Picture 22">
+            <a:extLst>
+              <a:ext uri="{FF2B5EF4-FFF2-40B4-BE49-F238E27FC236}">
+                <a16:creationId xmlns:a16="http://schemas.microsoft.com/office/drawing/2014/main" id="{0F94B4FD-0FCA-F64C-9091-A54E31CC182E}"/>
               </a:ext>
             </a:extLst>
           </p:cNvPr>
@@ -4868,9 +10342,9 @@
           </a:stretch>
         </p:blipFill>
         <p:spPr>
-          <a:xfrm rot="1900967" flipH="1">
-            <a:off x="3225794" y="1951524"/>
-            <a:ext cx="1324429" cy="1324429"/>
+          <a:xfrm>
+            <a:off x="7023536" y="1694843"/>
+            <a:ext cx="1425600" cy="1425600"/>
           </a:xfrm>
           <a:prstGeom prst="rect">
             <a:avLst/>
@@ -4879,10 +10353,10 @@
       </p:pic>
       <p:pic>
         <p:nvPicPr>
-          <p:cNvPr id="19" name="Picture 18">
-            <a:extLst>
-              <a:ext uri="{FF2B5EF4-FFF2-40B4-BE49-F238E27FC236}">
-                <a16:creationId xmlns:a16="http://schemas.microsoft.com/office/drawing/2014/main" id="{5542EBA3-E67E-6740-8D09-D67327CFAC06}"/>
+          <p:cNvPr id="24" name="Picture 23">
+            <a:extLst>
+              <a:ext uri="{FF2B5EF4-FFF2-40B4-BE49-F238E27FC236}">
+                <a16:creationId xmlns:a16="http://schemas.microsoft.com/office/drawing/2014/main" id="{CC290BF4-BB3D-D04A-B149-6E2148A6F48E}"/>
               </a:ext>
             </a:extLst>
           </p:cNvPr>
@@ -4898,159 +10372,9 @@
           </a:stretch>
         </p:blipFill>
         <p:spPr>
-          <a:xfrm rot="18376669" flipH="1">
-            <a:off x="6354989" y="2581073"/>
-            <a:ext cx="1324429" cy="1324429"/>
-          </a:xfrm>
-          <a:prstGeom prst="rect">
-            <a:avLst/>
-          </a:prstGeom>
-        </p:spPr>
-      </p:pic>
-      <p:pic>
-        <p:nvPicPr>
-          <p:cNvPr id="20" name="Picture 19">
-            <a:extLst>
-              <a:ext uri="{FF2B5EF4-FFF2-40B4-BE49-F238E27FC236}">
-                <a16:creationId xmlns:a16="http://schemas.microsoft.com/office/drawing/2014/main" id="{977F0FD9-E37B-AD44-9F75-5E4075FC7B19}"/>
-              </a:ext>
-            </a:extLst>
-          </p:cNvPr>
-          <p:cNvPicPr>
-            <a:picLocks noChangeAspect="1"/>
-          </p:cNvPicPr>
-          <p:nvPr/>
-        </p:nvPicPr>
-        <p:blipFill>
-          <a:blip r:embed="rId3"/>
-          <a:stretch>
-            <a:fillRect/>
-          </a:stretch>
-        </p:blipFill>
-        <p:spPr>
-          <a:xfrm rot="5400000" flipH="1">
-            <a:off x="7870849" y="2453231"/>
-            <a:ext cx="1324429" cy="1324429"/>
-          </a:xfrm>
-          <a:prstGeom prst="rect">
-            <a:avLst/>
-          </a:prstGeom>
-        </p:spPr>
-      </p:pic>
-      <p:pic>
-        <p:nvPicPr>
-          <p:cNvPr id="16" name="Picture 15">
-            <a:extLst>
-              <a:ext uri="{FF2B5EF4-FFF2-40B4-BE49-F238E27FC236}">
-                <a16:creationId xmlns:a16="http://schemas.microsoft.com/office/drawing/2014/main" id="{B8352381-2ED0-A342-8637-851D64A533BF}"/>
-              </a:ext>
-            </a:extLst>
-          </p:cNvPr>
-          <p:cNvPicPr>
-            <a:picLocks noChangeAspect="1"/>
-          </p:cNvPicPr>
-          <p:nvPr/>
-        </p:nvPicPr>
-        <p:blipFill>
-          <a:blip r:embed="rId4"/>
-          <a:stretch>
-            <a:fillRect/>
-          </a:stretch>
-        </p:blipFill>
-        <p:spPr>
           <a:xfrm>
-            <a:off x="2840321" y="273869"/>
-            <a:ext cx="6501600" cy="6501600"/>
-          </a:xfrm>
-          <a:prstGeom prst="rect">
-            <a:avLst/>
-          </a:prstGeom>
-        </p:spPr>
-      </p:pic>
-      <p:pic>
-        <p:nvPicPr>
-          <p:cNvPr id="22" name="Picture 21">
-            <a:extLst>
-              <a:ext uri="{FF2B5EF4-FFF2-40B4-BE49-F238E27FC236}">
-                <a16:creationId xmlns:a16="http://schemas.microsoft.com/office/drawing/2014/main" id="{1A0F0EEE-38AB-A945-800F-16734A8B8940}"/>
-              </a:ext>
-            </a:extLst>
-          </p:cNvPr>
-          <p:cNvPicPr>
-            <a:picLocks noChangeAspect="1"/>
-          </p:cNvPicPr>
-          <p:nvPr/>
-        </p:nvPicPr>
-        <p:blipFill>
-          <a:blip r:embed="rId3"/>
-          <a:stretch>
-            <a:fillRect/>
-          </a:stretch>
-        </p:blipFill>
-        <p:spPr>
-          <a:xfrm rot="3502558" flipH="1">
-            <a:off x="4740329" y="1331764"/>
-            <a:ext cx="1324429" cy="1324429"/>
-          </a:xfrm>
-          <a:prstGeom prst="rect">
-            <a:avLst/>
-          </a:prstGeom>
-        </p:spPr>
-      </p:pic>
-      <p:pic>
-        <p:nvPicPr>
-          <p:cNvPr id="23" name="Picture 22">
-            <a:extLst>
-              <a:ext uri="{FF2B5EF4-FFF2-40B4-BE49-F238E27FC236}">
-                <a16:creationId xmlns:a16="http://schemas.microsoft.com/office/drawing/2014/main" id="{3BFE9395-38B9-7B49-AF14-063A4A4D3B89}"/>
-              </a:ext>
-            </a:extLst>
-          </p:cNvPr>
-          <p:cNvPicPr>
-            <a:picLocks noChangeAspect="1"/>
-          </p:cNvPicPr>
-          <p:nvPr/>
-        </p:nvPicPr>
-        <p:blipFill>
-          <a:blip r:embed="rId3"/>
-          <a:stretch>
-            <a:fillRect/>
-          </a:stretch>
-        </p:blipFill>
-        <p:spPr>
-          <a:xfrm rot="18944566" flipH="1">
-            <a:off x="6268456" y="1276964"/>
-            <a:ext cx="1324429" cy="1324429"/>
-          </a:xfrm>
-          <a:prstGeom prst="rect">
-            <a:avLst/>
-          </a:prstGeom>
-        </p:spPr>
-      </p:pic>
-      <p:pic>
-        <p:nvPicPr>
-          <p:cNvPr id="25" name="Picture 24">
-            <a:extLst>
-              <a:ext uri="{FF2B5EF4-FFF2-40B4-BE49-F238E27FC236}">
-                <a16:creationId xmlns:a16="http://schemas.microsoft.com/office/drawing/2014/main" id="{53B7B68D-31B6-0D4E-B5E6-188A310CCB95}"/>
-              </a:ext>
-            </a:extLst>
-          </p:cNvPr>
-          <p:cNvPicPr>
-            <a:picLocks noChangeAspect="1"/>
-          </p:cNvPicPr>
-          <p:nvPr/>
-        </p:nvPicPr>
-        <p:blipFill>
-          <a:blip r:embed="rId3"/>
-          <a:stretch>
-            <a:fillRect/>
-          </a:stretch>
-        </p:blipFill>
-        <p:spPr>
-          <a:xfrm rot="10205650" flipH="1">
-            <a:off x="3745465" y="1495991"/>
-            <a:ext cx="1324429" cy="1324429"/>
+            <a:off x="5837973" y="1442532"/>
+            <a:ext cx="1425600" cy="1425600"/>
           </a:xfrm>
           <a:prstGeom prst="rect">
             <a:avLst/>
@@ -5060,7 +10384,7 @@
     </p:spTree>
     <p:extLst>
       <p:ext uri="{BB962C8B-B14F-4D97-AF65-F5344CB8AC3E}">
-        <p14:creationId xmlns:p14="http://schemas.microsoft.com/office/powerpoint/2010/main" val="3456281083"/>
+        <p14:creationId xmlns:p14="http://schemas.microsoft.com/office/powerpoint/2010/main" val="3472073214"/>
       </p:ext>
     </p:extLst>
   </p:cSld>
@@ -5089,19 +10413,347 @@
       </p:grpSpPr>
       <p:pic>
         <p:nvPicPr>
-          <p:cNvPr id="5" name="Content Placeholder 4">
-            <a:extLst>
-              <a:ext uri="{FF2B5EF4-FFF2-40B4-BE49-F238E27FC236}">
-                <a16:creationId xmlns:a16="http://schemas.microsoft.com/office/drawing/2014/main" id="{75A002A0-3879-3A4D-8D91-0B0A95E7207C}"/>
+          <p:cNvPr id="33" name="Picture 32">
+            <a:extLst>
+              <a:ext uri="{FF2B5EF4-FFF2-40B4-BE49-F238E27FC236}">
+                <a16:creationId xmlns:a16="http://schemas.microsoft.com/office/drawing/2014/main" id="{27D694F1-04E5-734A-AE6F-D19C99CACBB1}"/>
               </a:ext>
             </a:extLst>
           </p:cNvPr>
           <p:cNvPicPr>
-            <a:picLocks noGrp="1" noChangeAspect="1"/>
+            <a:picLocks noChangeAspect="1"/>
           </p:cNvPicPr>
-          <p:nvPr>
-            <p:ph idx="1"/>
-          </p:nvPr>
+          <p:nvPr/>
+        </p:nvPicPr>
+        <p:blipFill>
+          <a:blip r:embed="rId3"/>
+          <a:stretch>
+            <a:fillRect/>
+          </a:stretch>
+        </p:blipFill>
+        <p:spPr>
+          <a:xfrm rot="3867134">
+            <a:off x="6974894" y="2198956"/>
+            <a:ext cx="1324429" cy="1324429"/>
+          </a:xfrm>
+          <a:prstGeom prst="rect">
+            <a:avLst/>
+          </a:prstGeom>
+        </p:spPr>
+      </p:pic>
+      <p:pic>
+        <p:nvPicPr>
+          <p:cNvPr id="32" name="Picture 31">
+            <a:extLst>
+              <a:ext uri="{FF2B5EF4-FFF2-40B4-BE49-F238E27FC236}">
+                <a16:creationId xmlns:a16="http://schemas.microsoft.com/office/drawing/2014/main" id="{B693E010-B0B4-C545-A84C-8718C817CB64}"/>
+              </a:ext>
+            </a:extLst>
+          </p:cNvPr>
+          <p:cNvPicPr>
+            <a:picLocks noChangeAspect="1"/>
+          </p:cNvPicPr>
+          <p:nvPr/>
+        </p:nvPicPr>
+        <p:blipFill>
+          <a:blip r:embed="rId3"/>
+          <a:stretch>
+            <a:fillRect/>
+          </a:stretch>
+        </p:blipFill>
+        <p:spPr>
+          <a:xfrm rot="20204391">
+            <a:off x="5504197" y="2446853"/>
+            <a:ext cx="1324429" cy="1324429"/>
+          </a:xfrm>
+          <a:prstGeom prst="rect">
+            <a:avLst/>
+          </a:prstGeom>
+        </p:spPr>
+      </p:pic>
+      <p:pic>
+        <p:nvPicPr>
+          <p:cNvPr id="31" name="Picture 30">
+            <a:extLst>
+              <a:ext uri="{FF2B5EF4-FFF2-40B4-BE49-F238E27FC236}">
+                <a16:creationId xmlns:a16="http://schemas.microsoft.com/office/drawing/2014/main" id="{B8932C27-768D-9346-83C1-6F9AD110B311}"/>
+              </a:ext>
+            </a:extLst>
+          </p:cNvPr>
+          <p:cNvPicPr>
+            <a:picLocks noChangeAspect="1"/>
+          </p:cNvPicPr>
+          <p:nvPr/>
+        </p:nvPicPr>
+        <p:blipFill>
+          <a:blip r:embed="rId3"/>
+          <a:stretch>
+            <a:fillRect/>
+          </a:stretch>
+        </p:blipFill>
+        <p:spPr>
+          <a:xfrm rot="1866204">
+            <a:off x="4192082" y="2486053"/>
+            <a:ext cx="1324429" cy="1324429"/>
+          </a:xfrm>
+          <a:prstGeom prst="rect">
+            <a:avLst/>
+          </a:prstGeom>
+        </p:spPr>
+      </p:pic>
+      <p:pic>
+        <p:nvPicPr>
+          <p:cNvPr id="16" name="Picture 15">
+            <a:extLst>
+              <a:ext uri="{FF2B5EF4-FFF2-40B4-BE49-F238E27FC236}">
+                <a16:creationId xmlns:a16="http://schemas.microsoft.com/office/drawing/2014/main" id="{B8352381-2ED0-A342-8637-851D64A533BF}"/>
+              </a:ext>
+            </a:extLst>
+          </p:cNvPr>
+          <p:cNvPicPr>
+            <a:picLocks noChangeAspect="1"/>
+          </p:cNvPicPr>
+          <p:nvPr/>
+        </p:nvPicPr>
+        <p:blipFill>
+          <a:blip r:embed="rId4"/>
+          <a:stretch>
+            <a:fillRect/>
+          </a:stretch>
+        </p:blipFill>
+        <p:spPr>
+          <a:xfrm>
+            <a:off x="2845200" y="178200"/>
+            <a:ext cx="6501600" cy="6501600"/>
+          </a:xfrm>
+          <a:prstGeom prst="rect">
+            <a:avLst/>
+          </a:prstGeom>
+        </p:spPr>
+      </p:pic>
+      <p:pic>
+        <p:nvPicPr>
+          <p:cNvPr id="20" name="Picture 19">
+            <a:extLst>
+              <a:ext uri="{FF2B5EF4-FFF2-40B4-BE49-F238E27FC236}">
+                <a16:creationId xmlns:a16="http://schemas.microsoft.com/office/drawing/2014/main" id="{977F0FD9-E37B-AD44-9F75-5E4075FC7B19}"/>
+              </a:ext>
+            </a:extLst>
+          </p:cNvPr>
+          <p:cNvPicPr>
+            <a:picLocks noChangeAspect="1"/>
+          </p:cNvPicPr>
+          <p:nvPr/>
+        </p:nvPicPr>
+        <p:blipFill>
+          <a:blip r:embed="rId3"/>
+          <a:stretch>
+            <a:fillRect/>
+          </a:stretch>
+        </p:blipFill>
+        <p:spPr>
+          <a:xfrm flipH="1">
+            <a:off x="3607607" y="1823839"/>
+            <a:ext cx="1324429" cy="1324429"/>
+          </a:xfrm>
+          <a:prstGeom prst="rect">
+            <a:avLst/>
+          </a:prstGeom>
+        </p:spPr>
+      </p:pic>
+      <p:pic>
+        <p:nvPicPr>
+          <p:cNvPr id="26" name="Picture 25">
+            <a:extLst>
+              <a:ext uri="{FF2B5EF4-FFF2-40B4-BE49-F238E27FC236}">
+                <a16:creationId xmlns:a16="http://schemas.microsoft.com/office/drawing/2014/main" id="{9DB2306C-BF05-3146-9383-7A94CFA39082}"/>
+              </a:ext>
+            </a:extLst>
+          </p:cNvPr>
+          <p:cNvPicPr>
+            <a:picLocks noChangeAspect="1"/>
+          </p:cNvPicPr>
+          <p:nvPr/>
+        </p:nvPicPr>
+        <p:blipFill>
+          <a:blip r:embed="rId3"/>
+          <a:stretch>
+            <a:fillRect/>
+          </a:stretch>
+        </p:blipFill>
+        <p:spPr>
+          <a:xfrm rot="19267374" flipH="1">
+            <a:off x="4771571" y="1823839"/>
+            <a:ext cx="1324429" cy="1324429"/>
+          </a:xfrm>
+          <a:prstGeom prst="rect">
+            <a:avLst/>
+          </a:prstGeom>
+        </p:spPr>
+      </p:pic>
+      <p:pic>
+        <p:nvPicPr>
+          <p:cNvPr id="27" name="Picture 26">
+            <a:extLst>
+              <a:ext uri="{FF2B5EF4-FFF2-40B4-BE49-F238E27FC236}">
+                <a16:creationId xmlns:a16="http://schemas.microsoft.com/office/drawing/2014/main" id="{8F5538DD-D09A-2D4C-A658-3F30B037C853}"/>
+              </a:ext>
+            </a:extLst>
+          </p:cNvPr>
+          <p:cNvPicPr>
+            <a:picLocks noChangeAspect="1"/>
+          </p:cNvPicPr>
+          <p:nvPr/>
+        </p:nvPicPr>
+        <p:blipFill>
+          <a:blip r:embed="rId3"/>
+          <a:stretch>
+            <a:fillRect/>
+          </a:stretch>
+        </p:blipFill>
+        <p:spPr>
+          <a:xfrm rot="8513728" flipH="1">
+            <a:off x="5945067" y="1823839"/>
+            <a:ext cx="1324429" cy="1324429"/>
+          </a:xfrm>
+          <a:prstGeom prst="rect">
+            <a:avLst/>
+          </a:prstGeom>
+        </p:spPr>
+      </p:pic>
+      <p:pic>
+        <p:nvPicPr>
+          <p:cNvPr id="28" name="Picture 27">
+            <a:extLst>
+              <a:ext uri="{FF2B5EF4-FFF2-40B4-BE49-F238E27FC236}">
+                <a16:creationId xmlns:a16="http://schemas.microsoft.com/office/drawing/2014/main" id="{5D54383D-AB9B-8E45-9482-A793B052146C}"/>
+              </a:ext>
+            </a:extLst>
+          </p:cNvPr>
+          <p:cNvPicPr>
+            <a:picLocks noChangeAspect="1"/>
+          </p:cNvPicPr>
+          <p:nvPr/>
+        </p:nvPicPr>
+        <p:blipFill>
+          <a:blip r:embed="rId3"/>
+          <a:stretch>
+            <a:fillRect/>
+          </a:stretch>
+        </p:blipFill>
+        <p:spPr>
+          <a:xfrm rot="19081842" flipH="1">
+            <a:off x="7109031" y="1823839"/>
+            <a:ext cx="1324429" cy="1324429"/>
+          </a:xfrm>
+          <a:prstGeom prst="rect">
+            <a:avLst/>
+          </a:prstGeom>
+        </p:spPr>
+      </p:pic>
+      <p:pic>
+        <p:nvPicPr>
+          <p:cNvPr id="29" name="Picture 28">
+            <a:extLst>
+              <a:ext uri="{FF2B5EF4-FFF2-40B4-BE49-F238E27FC236}">
+                <a16:creationId xmlns:a16="http://schemas.microsoft.com/office/drawing/2014/main" id="{331F486E-4829-E543-B4C7-825733D09BAE}"/>
+              </a:ext>
+            </a:extLst>
+          </p:cNvPr>
+          <p:cNvPicPr>
+            <a:picLocks noChangeAspect="1"/>
+          </p:cNvPicPr>
+          <p:nvPr/>
+        </p:nvPicPr>
+        <p:blipFill>
+          <a:blip r:embed="rId3"/>
+          <a:stretch>
+            <a:fillRect/>
+          </a:stretch>
+        </p:blipFill>
+        <p:spPr>
+          <a:xfrm rot="2166312">
+            <a:off x="4288776" y="1027147"/>
+            <a:ext cx="1324429" cy="1324429"/>
+          </a:xfrm>
+          <a:prstGeom prst="rect">
+            <a:avLst/>
+          </a:prstGeom>
+        </p:spPr>
+      </p:pic>
+      <p:pic>
+        <p:nvPicPr>
+          <p:cNvPr id="30" name="Picture 29">
+            <a:extLst>
+              <a:ext uri="{FF2B5EF4-FFF2-40B4-BE49-F238E27FC236}">
+                <a16:creationId xmlns:a16="http://schemas.microsoft.com/office/drawing/2014/main" id="{4A7E4BEE-69DA-274C-A1C9-4D6B4835BE77}"/>
+              </a:ext>
+            </a:extLst>
+          </p:cNvPr>
+          <p:cNvPicPr>
+            <a:picLocks noChangeAspect="1"/>
+          </p:cNvPicPr>
+          <p:nvPr/>
+        </p:nvPicPr>
+        <p:blipFill>
+          <a:blip r:embed="rId3"/>
+          <a:stretch>
+            <a:fillRect/>
+          </a:stretch>
+        </p:blipFill>
+        <p:spPr>
+          <a:xfrm rot="1866204">
+            <a:off x="6597749" y="1010997"/>
+            <a:ext cx="1324429" cy="1324429"/>
+          </a:xfrm>
+          <a:prstGeom prst="rect">
+            <a:avLst/>
+          </a:prstGeom>
+        </p:spPr>
+      </p:pic>
+    </p:spTree>
+    <p:extLst>
+      <p:ext uri="{BB962C8B-B14F-4D97-AF65-F5344CB8AC3E}">
+        <p14:creationId xmlns:p14="http://schemas.microsoft.com/office/powerpoint/2010/main" val="3456281083"/>
+      </p:ext>
+    </p:extLst>
+  </p:cSld>
+  <p:clrMapOvr>
+    <a:masterClrMapping/>
+  </p:clrMapOvr>
+</p:sld>
+</file>
+
+<file path=ppt/slides/slide6.xml><?xml version="1.0" encoding="utf-8"?>
+<p:sld xmlns:a="http://schemas.openxmlformats.org/drawingml/2006/main" xmlns:r="http://schemas.openxmlformats.org/officeDocument/2006/relationships" xmlns:p="http://schemas.openxmlformats.org/presentationml/2006/main">
+  <p:cSld>
+    <p:spTree>
+      <p:nvGrpSpPr>
+        <p:cNvPr id="1" name=""/>
+        <p:cNvGrpSpPr/>
+        <p:nvPr/>
+      </p:nvGrpSpPr>
+      <p:grpSpPr>
+        <a:xfrm>
+          <a:off x="0" y="0"/>
+          <a:ext cx="0" cy="0"/>
+          <a:chOff x="0" y="0"/>
+          <a:chExt cx="0" cy="0"/>
+        </a:xfrm>
+      </p:grpSpPr>
+      <p:pic>
+        <p:nvPicPr>
+          <p:cNvPr id="7" name="Picture 6">
+            <a:extLst>
+              <a:ext uri="{FF2B5EF4-FFF2-40B4-BE49-F238E27FC236}">
+                <a16:creationId xmlns:a16="http://schemas.microsoft.com/office/drawing/2014/main" id="{E713E85A-DE75-DE45-B5FA-52B5A59D76E9}"/>
+              </a:ext>
+            </a:extLst>
+          </p:cNvPr>
+          <p:cNvPicPr>
+            <a:picLocks noChangeAspect="1"/>
+          </p:cNvPicPr>
+          <p:nvPr/>
         </p:nvPicPr>
         <p:blipFill>
           <a:blip r:embed="rId2"/>
@@ -5111,17 +10763,80 @@
         </p:blipFill>
         <p:spPr>
           <a:xfrm>
-            <a:off x="1038503" y="2181884"/>
-            <a:ext cx="1080000" cy="1080000"/>
+            <a:off x="6802272" y="1958766"/>
+            <a:ext cx="1971919" cy="1971919"/>
           </a:xfrm>
+          <a:prstGeom prst="rect">
+            <a:avLst/>
+          </a:prstGeom>
         </p:spPr>
       </p:pic>
       <p:pic>
         <p:nvPicPr>
-          <p:cNvPr id="7" name="Picture 6">
-            <a:extLst>
-              <a:ext uri="{FF2B5EF4-FFF2-40B4-BE49-F238E27FC236}">
-                <a16:creationId xmlns:a16="http://schemas.microsoft.com/office/drawing/2014/main" id="{7627371F-8DE0-8E41-A9F0-10213C78B3A9}"/>
+          <p:cNvPr id="6" name="Picture 5">
+            <a:extLst>
+              <a:ext uri="{FF2B5EF4-FFF2-40B4-BE49-F238E27FC236}">
+                <a16:creationId xmlns:a16="http://schemas.microsoft.com/office/drawing/2014/main" id="{8610CBE1-BD6C-7C44-B6B5-F3118134D373}"/>
+              </a:ext>
+            </a:extLst>
+          </p:cNvPr>
+          <p:cNvPicPr>
+            <a:picLocks noChangeAspect="1"/>
+          </p:cNvPicPr>
+          <p:nvPr/>
+        </p:nvPicPr>
+        <p:blipFill>
+          <a:blip r:embed="rId2"/>
+          <a:stretch>
+            <a:fillRect/>
+          </a:stretch>
+        </p:blipFill>
+        <p:spPr>
+          <a:xfrm>
+            <a:off x="5514636" y="1958766"/>
+            <a:ext cx="1971919" cy="1971919"/>
+          </a:xfrm>
+          <a:prstGeom prst="rect">
+            <a:avLst/>
+          </a:prstGeom>
+        </p:spPr>
+      </p:pic>
+      <p:pic>
+        <p:nvPicPr>
+          <p:cNvPr id="5" name="Picture 4">
+            <a:extLst>
+              <a:ext uri="{FF2B5EF4-FFF2-40B4-BE49-F238E27FC236}">
+                <a16:creationId xmlns:a16="http://schemas.microsoft.com/office/drawing/2014/main" id="{EA42FFE8-1FFF-6244-B7A9-EA0A04A4CC39}"/>
+              </a:ext>
+            </a:extLst>
+          </p:cNvPr>
+          <p:cNvPicPr>
+            <a:picLocks noChangeAspect="1"/>
+          </p:cNvPicPr>
+          <p:nvPr/>
+        </p:nvPicPr>
+        <p:blipFill>
+          <a:blip r:embed="rId2"/>
+          <a:stretch>
+            <a:fillRect/>
+          </a:stretch>
+        </p:blipFill>
+        <p:spPr>
+          <a:xfrm>
+            <a:off x="4226999" y="1958766"/>
+            <a:ext cx="1971919" cy="1971919"/>
+          </a:xfrm>
+          <a:prstGeom prst="rect">
+            <a:avLst/>
+          </a:prstGeom>
+        </p:spPr>
+      </p:pic>
+      <p:pic>
+        <p:nvPicPr>
+          <p:cNvPr id="4" name="Picture 3">
+            <a:extLst>
+              <a:ext uri="{FF2B5EF4-FFF2-40B4-BE49-F238E27FC236}">
+                <a16:creationId xmlns:a16="http://schemas.microsoft.com/office/drawing/2014/main" id="{2CAE1B50-C791-9F42-994B-F395EEEDE052}"/>
               </a:ext>
             </a:extLst>
           </p:cNvPr>
@@ -5138,8 +10853,292 @@
         </p:blipFill>
         <p:spPr>
           <a:xfrm>
-            <a:off x="2118503" y="2248685"/>
-            <a:ext cx="1080000" cy="1080000"/>
+            <a:off x="4049486" y="2225634"/>
+            <a:ext cx="4876800" cy="4876800"/>
+          </a:xfrm>
+          <a:prstGeom prst="rect">
+            <a:avLst/>
+          </a:prstGeom>
+        </p:spPr>
+      </p:pic>
+    </p:spTree>
+    <p:extLst>
+      <p:ext uri="{BB962C8B-B14F-4D97-AF65-F5344CB8AC3E}">
+        <p14:creationId xmlns:p14="http://schemas.microsoft.com/office/powerpoint/2010/main" val="3962667657"/>
+      </p:ext>
+    </p:extLst>
+  </p:cSld>
+  <p:clrMapOvr>
+    <a:masterClrMapping/>
+  </p:clrMapOvr>
+</p:sld>
+</file>
+
+<file path=ppt/slides/slide7.xml><?xml version="1.0" encoding="utf-8"?>
+<p:sld xmlns:a="http://schemas.openxmlformats.org/drawingml/2006/main" xmlns:r="http://schemas.openxmlformats.org/officeDocument/2006/relationships" xmlns:p="http://schemas.openxmlformats.org/presentationml/2006/main">
+  <p:cSld>
+    <p:spTree>
+      <p:nvGrpSpPr>
+        <p:cNvPr id="1" name=""/>
+        <p:cNvGrpSpPr/>
+        <p:nvPr/>
+      </p:nvGrpSpPr>
+      <p:grpSpPr>
+        <a:xfrm>
+          <a:off x="0" y="0"/>
+          <a:ext cx="0" cy="0"/>
+          <a:chOff x="0" y="0"/>
+          <a:chExt cx="0" cy="0"/>
+        </a:xfrm>
+      </p:grpSpPr>
+      <p:pic>
+        <p:nvPicPr>
+          <p:cNvPr id="5" name="Picture 4">
+            <a:extLst>
+              <a:ext uri="{FF2B5EF4-FFF2-40B4-BE49-F238E27FC236}">
+                <a16:creationId xmlns:a16="http://schemas.microsoft.com/office/drawing/2014/main" id="{00E20945-4878-B44B-BDEB-8B5EF2800842}"/>
+              </a:ext>
+            </a:extLst>
+          </p:cNvPr>
+          <p:cNvPicPr>
+            <a:picLocks noChangeAspect="1"/>
+          </p:cNvPicPr>
+          <p:nvPr/>
+        </p:nvPicPr>
+        <p:blipFill>
+          <a:blip r:embed="rId2"/>
+          <a:stretch>
+            <a:fillRect/>
+          </a:stretch>
+        </p:blipFill>
+        <p:spPr>
+          <a:xfrm>
+            <a:off x="3935426" y="1453736"/>
+            <a:ext cx="1729103" cy="1729103"/>
+          </a:xfrm>
+          <a:prstGeom prst="rect">
+            <a:avLst/>
+          </a:prstGeom>
+        </p:spPr>
+      </p:pic>
+      <p:pic>
+        <p:nvPicPr>
+          <p:cNvPr id="6" name="Picture 5">
+            <a:extLst>
+              <a:ext uri="{FF2B5EF4-FFF2-40B4-BE49-F238E27FC236}">
+                <a16:creationId xmlns:a16="http://schemas.microsoft.com/office/drawing/2014/main" id="{A55773CE-63AC-BF49-AAF4-68C1CA174AA3}"/>
+              </a:ext>
+            </a:extLst>
+          </p:cNvPr>
+          <p:cNvPicPr>
+            <a:picLocks noChangeAspect="1"/>
+          </p:cNvPicPr>
+          <p:nvPr/>
+        </p:nvPicPr>
+        <p:blipFill>
+          <a:blip r:embed="rId2"/>
+          <a:stretch>
+            <a:fillRect/>
+          </a:stretch>
+        </p:blipFill>
+        <p:spPr>
+          <a:xfrm>
+            <a:off x="5243323" y="1453735"/>
+            <a:ext cx="1729103" cy="1729103"/>
+          </a:xfrm>
+          <a:prstGeom prst="rect">
+            <a:avLst/>
+          </a:prstGeom>
+        </p:spPr>
+      </p:pic>
+      <p:pic>
+        <p:nvPicPr>
+          <p:cNvPr id="7" name="Picture 6">
+            <a:extLst>
+              <a:ext uri="{FF2B5EF4-FFF2-40B4-BE49-F238E27FC236}">
+                <a16:creationId xmlns:a16="http://schemas.microsoft.com/office/drawing/2014/main" id="{FB075639-15F3-E544-9575-F3F2FBFA4906}"/>
+              </a:ext>
+            </a:extLst>
+          </p:cNvPr>
+          <p:cNvPicPr>
+            <a:picLocks noChangeAspect="1"/>
+          </p:cNvPicPr>
+          <p:nvPr/>
+        </p:nvPicPr>
+        <p:blipFill>
+          <a:blip r:embed="rId2"/>
+          <a:stretch>
+            <a:fillRect/>
+          </a:stretch>
+        </p:blipFill>
+        <p:spPr>
+          <a:xfrm>
+            <a:off x="6551220" y="1453734"/>
+            <a:ext cx="1729103" cy="1729103"/>
+          </a:xfrm>
+          <a:prstGeom prst="rect">
+            <a:avLst/>
+          </a:prstGeom>
+        </p:spPr>
+      </p:pic>
+      <p:pic>
+        <p:nvPicPr>
+          <p:cNvPr id="4" name="Picture 3">
+            <a:extLst>
+              <a:ext uri="{FF2B5EF4-FFF2-40B4-BE49-F238E27FC236}">
+                <a16:creationId xmlns:a16="http://schemas.microsoft.com/office/drawing/2014/main" id="{9A0DD328-5D78-9344-B276-DDD141376BBD}"/>
+              </a:ext>
+            </a:extLst>
+          </p:cNvPr>
+          <p:cNvPicPr>
+            <a:picLocks noChangeAspect="1"/>
+          </p:cNvPicPr>
+          <p:nvPr/>
+        </p:nvPicPr>
+        <p:blipFill>
+          <a:blip r:embed="rId3"/>
+          <a:stretch>
+            <a:fillRect/>
+          </a:stretch>
+        </p:blipFill>
+        <p:spPr>
+          <a:xfrm>
+            <a:off x="3669475" y="1121230"/>
+            <a:ext cx="4876800" cy="4876800"/>
+          </a:xfrm>
+          <a:prstGeom prst="rect">
+            <a:avLst/>
+          </a:prstGeom>
+        </p:spPr>
+      </p:pic>
+    </p:spTree>
+    <p:extLst>
+      <p:ext uri="{BB962C8B-B14F-4D97-AF65-F5344CB8AC3E}">
+        <p14:creationId xmlns:p14="http://schemas.microsoft.com/office/powerpoint/2010/main" val="255329494"/>
+      </p:ext>
+    </p:extLst>
+  </p:cSld>
+  <p:clrMapOvr>
+    <a:masterClrMapping/>
+  </p:clrMapOvr>
+</p:sld>
+</file>
+
+<file path=ppt/slides/slide8.xml><?xml version="1.0" encoding="utf-8"?>
+<p:sld xmlns:a="http://schemas.openxmlformats.org/drawingml/2006/main" xmlns:r="http://schemas.openxmlformats.org/officeDocument/2006/relationships" xmlns:p="http://schemas.openxmlformats.org/presentationml/2006/main">
+  <p:cSld>
+    <p:spTree>
+      <p:nvGrpSpPr>
+        <p:cNvPr id="1" name=""/>
+        <p:cNvGrpSpPr/>
+        <p:nvPr/>
+      </p:nvGrpSpPr>
+      <p:grpSpPr>
+        <a:xfrm>
+          <a:off x="0" y="0"/>
+          <a:ext cx="0" cy="0"/>
+          <a:chOff x="0" y="0"/>
+          <a:chExt cx="0" cy="0"/>
+        </a:xfrm>
+      </p:grpSpPr>
+      <p:pic>
+        <p:nvPicPr>
+          <p:cNvPr id="10" name="Picture 9">
+            <a:extLst>
+              <a:ext uri="{FF2B5EF4-FFF2-40B4-BE49-F238E27FC236}">
+                <a16:creationId xmlns:a16="http://schemas.microsoft.com/office/drawing/2014/main" id="{C7F09F6A-7E06-704B-B8EC-17E001BB1CA6}"/>
+              </a:ext>
+            </a:extLst>
+          </p:cNvPr>
+          <p:cNvPicPr>
+            <a:picLocks noChangeAspect="1"/>
+          </p:cNvPicPr>
+          <p:nvPr/>
+        </p:nvPicPr>
+        <p:blipFill>
+          <a:blip r:embed="rId2">
+            <a:extLst>
+              <a:ext uri="{BEBA8EAE-BF5A-486C-A8C5-ECC9F3942E4B}">
+                <a14:imgProps xmlns:a14="http://schemas.microsoft.com/office/drawing/2010/main">
+                  <a14:imgLayer r:embed="rId3">
+                    <a14:imgEffect>
+                      <a14:colorTemperature colorTemp="4700"/>
+                    </a14:imgEffect>
+                    <a14:imgEffect>
+                      <a14:saturation sat="0"/>
+                    </a14:imgEffect>
+                  </a14:imgLayer>
+                </a14:imgProps>
+              </a:ext>
+            </a:extLst>
+          </a:blip>
+          <a:stretch>
+            <a:fillRect/>
+          </a:stretch>
+        </p:blipFill>
+        <p:spPr>
+          <a:xfrm>
+            <a:off x="700699" y="1297342"/>
+            <a:ext cx="5560658" cy="5560658"/>
+          </a:xfrm>
+          <a:prstGeom prst="rect">
+            <a:avLst/>
+          </a:prstGeom>
+        </p:spPr>
+      </p:pic>
+      <p:pic>
+        <p:nvPicPr>
+          <p:cNvPr id="4" name="Picture 3">
+            <a:extLst>
+              <a:ext uri="{FF2B5EF4-FFF2-40B4-BE49-F238E27FC236}">
+                <a16:creationId xmlns:a16="http://schemas.microsoft.com/office/drawing/2014/main" id="{A8EAE5C5-A6D0-4648-AB19-FF397749C61E}"/>
+              </a:ext>
+            </a:extLst>
+          </p:cNvPr>
+          <p:cNvPicPr>
+            <a:picLocks noChangeAspect="1"/>
+          </p:cNvPicPr>
+          <p:nvPr/>
+        </p:nvPicPr>
+        <p:blipFill rotWithShape="1">
+          <a:blip r:embed="rId4"/>
+          <a:srcRect t="20678" b="17228"/>
+          <a:stretch/>
+        </p:blipFill>
+        <p:spPr>
+          <a:xfrm>
+            <a:off x="1042628" y="3449858"/>
+            <a:ext cx="4876800" cy="3028209"/>
+          </a:xfrm>
+          <a:prstGeom prst="rect">
+            <a:avLst/>
+          </a:prstGeom>
+        </p:spPr>
+      </p:pic>
+      <p:pic>
+        <p:nvPicPr>
+          <p:cNvPr id="6" name="Picture 5">
+            <a:extLst>
+              <a:ext uri="{FF2B5EF4-FFF2-40B4-BE49-F238E27FC236}">
+                <a16:creationId xmlns:a16="http://schemas.microsoft.com/office/drawing/2014/main" id="{CB883C5D-833B-314F-AB93-8C56BF234076}"/>
+              </a:ext>
+            </a:extLst>
+          </p:cNvPr>
+          <p:cNvPicPr>
+            <a:picLocks noChangeAspect="1"/>
+          </p:cNvPicPr>
+          <p:nvPr/>
+        </p:nvPicPr>
+        <p:blipFill>
+          <a:blip r:embed="rId5"/>
+          <a:stretch>
+            <a:fillRect/>
+          </a:stretch>
+        </p:blipFill>
+        <p:spPr>
+          <a:xfrm rot="5233906">
+            <a:off x="1330520" y="2046363"/>
+            <a:ext cx="1971304" cy="1971304"/>
           </a:xfrm>
           <a:prstGeom prst="rect">
             <a:avLst/>
@@ -5151,7 +11150,161 @@
           <p:cNvPr id="9" name="Picture 8">
             <a:extLst>
               <a:ext uri="{FF2B5EF4-FFF2-40B4-BE49-F238E27FC236}">
-                <a16:creationId xmlns:a16="http://schemas.microsoft.com/office/drawing/2014/main" id="{77030F85-A9FE-3548-AFED-BDC0A377FC6D}"/>
+                <a16:creationId xmlns:a16="http://schemas.microsoft.com/office/drawing/2014/main" id="{5E4DAC4A-BCDA-D34C-8957-4759C752287B}"/>
+              </a:ext>
+            </a:extLst>
+          </p:cNvPr>
+          <p:cNvPicPr>
+            <a:picLocks noChangeAspect="1"/>
+          </p:cNvPicPr>
+          <p:nvPr/>
+        </p:nvPicPr>
+        <p:blipFill>
+          <a:blip r:embed="rId6"/>
+          <a:stretch>
+            <a:fillRect/>
+          </a:stretch>
+        </p:blipFill>
+        <p:spPr>
+          <a:xfrm rot="13706916">
+            <a:off x="3766329" y="1981837"/>
+            <a:ext cx="1726851" cy="1726851"/>
+          </a:xfrm>
+          <a:prstGeom prst="rect">
+            <a:avLst/>
+          </a:prstGeom>
+        </p:spPr>
+      </p:pic>
+      <p:sp>
+        <p:nvSpPr>
+          <p:cNvPr id="7" name="Rectangle 6">
+            <a:extLst>
+              <a:ext uri="{FF2B5EF4-FFF2-40B4-BE49-F238E27FC236}">
+                <a16:creationId xmlns:a16="http://schemas.microsoft.com/office/drawing/2014/main" id="{B6451A26-0DD6-B147-B770-D9C8330F936B}"/>
+              </a:ext>
+            </a:extLst>
+          </p:cNvPr>
+          <p:cNvSpPr>
+            <a:spLocks/>
+          </p:cNvSpPr>
+          <p:nvPr/>
+        </p:nvSpPr>
+        <p:spPr>
+          <a:xfrm>
+            <a:off x="1045028" y="1626919"/>
+            <a:ext cx="4874400" cy="4874400"/>
+          </a:xfrm>
+          <a:prstGeom prst="rect">
+            <a:avLst/>
+          </a:prstGeom>
+          <a:noFill/>
+          <a:ln>
+            <a:noFill/>
+          </a:ln>
+        </p:spPr>
+        <p:style>
+          <a:lnRef idx="2">
+            <a:schemeClr val="accent1">
+              <a:shade val="50000"/>
+            </a:schemeClr>
+          </a:lnRef>
+          <a:fillRef idx="1">
+            <a:schemeClr val="accent1"/>
+          </a:fillRef>
+          <a:effectRef idx="0">
+            <a:schemeClr val="accent1"/>
+          </a:effectRef>
+          <a:fontRef idx="minor">
+            <a:schemeClr val="lt1"/>
+          </a:fontRef>
+        </p:style>
+        <p:txBody>
+          <a:bodyPr rtlCol="0" anchor="ctr"/>
+          <a:lstStyle/>
+          <a:p>
+            <a:pPr algn="ctr"/>
+            <a:endParaRPr lang="en-TW"/>
+          </a:p>
+        </p:txBody>
+      </p:sp>
+    </p:spTree>
+    <p:extLst>
+      <p:ext uri="{BB962C8B-B14F-4D97-AF65-F5344CB8AC3E}">
+        <p14:creationId xmlns:p14="http://schemas.microsoft.com/office/powerpoint/2010/main" val="3140612599"/>
+      </p:ext>
+    </p:extLst>
+  </p:cSld>
+  <p:clrMapOvr>
+    <a:masterClrMapping/>
+  </p:clrMapOvr>
+</p:sld>
+</file>
+
+<file path=ppt/slides/slide9.xml><?xml version="1.0" encoding="utf-8"?>
+<p:sld xmlns:a="http://schemas.openxmlformats.org/drawingml/2006/main" xmlns:r="http://schemas.openxmlformats.org/officeDocument/2006/relationships" xmlns:p="http://schemas.openxmlformats.org/presentationml/2006/main">
+  <p:cSld>
+    <p:spTree>
+      <p:nvGrpSpPr>
+        <p:cNvPr id="1" name=""/>
+        <p:cNvGrpSpPr/>
+        <p:nvPr/>
+      </p:nvGrpSpPr>
+      <p:grpSpPr>
+        <a:xfrm>
+          <a:off x="0" y="0"/>
+          <a:ext cx="0" cy="0"/>
+          <a:chOff x="0" y="0"/>
+          <a:chExt cx="0" cy="0"/>
+        </a:xfrm>
+      </p:grpSpPr>
+      <p:pic>
+        <p:nvPicPr>
+          <p:cNvPr id="13" name="Picture 12">
+            <a:extLst>
+              <a:ext uri="{FF2B5EF4-FFF2-40B4-BE49-F238E27FC236}">
+                <a16:creationId xmlns:a16="http://schemas.microsoft.com/office/drawing/2014/main" id="{83612455-8BA1-B24A-968A-CDEE312B3E24}"/>
+              </a:ext>
+            </a:extLst>
+          </p:cNvPr>
+          <p:cNvPicPr>
+            <a:picLocks noChangeAspect="1"/>
+          </p:cNvPicPr>
+          <p:nvPr/>
+        </p:nvPicPr>
+        <p:blipFill>
+          <a:blip r:embed="rId2">
+            <a:extLst>
+              <a:ext uri="{BEBA8EAE-BF5A-486C-A8C5-ECC9F3942E4B}">
+                <a14:imgProps xmlns:a14="http://schemas.microsoft.com/office/drawing/2010/main">
+                  <a14:imgLayer r:embed="rId3">
+                    <a14:imgEffect>
+                      <a14:saturation sat="33000"/>
+                    </a14:imgEffect>
+                  </a14:imgLayer>
+                </a14:imgProps>
+              </a:ext>
+            </a:extLst>
+          </a:blip>
+          <a:stretch>
+            <a:fillRect/>
+          </a:stretch>
+        </p:blipFill>
+        <p:spPr>
+          <a:xfrm>
+            <a:off x="3782290" y="1156854"/>
+            <a:ext cx="5357090" cy="5357090"/>
+          </a:xfrm>
+          <a:prstGeom prst="rect">
+            <a:avLst/>
+          </a:prstGeom>
+        </p:spPr>
+      </p:pic>
+      <p:pic>
+        <p:nvPicPr>
+          <p:cNvPr id="5" name="Picture 4">
+            <a:extLst>
+              <a:ext uri="{FF2B5EF4-FFF2-40B4-BE49-F238E27FC236}">
+                <a16:creationId xmlns:a16="http://schemas.microsoft.com/office/drawing/2014/main" id="{2017E5F5-A389-AE4F-909E-88079BC16272}"/>
               </a:ext>
             </a:extLst>
           </p:cNvPr>
@@ -5167,9 +11320,9 @@
           </a:stretch>
         </p:blipFill>
         <p:spPr>
-          <a:xfrm>
-            <a:off x="3522600" y="2228068"/>
-            <a:ext cx="1080000" cy="1080000"/>
+          <a:xfrm rot="16200000">
+            <a:off x="4022436" y="1397000"/>
+            <a:ext cx="4876800" cy="4876800"/>
           </a:xfrm>
           <a:prstGeom prst="rect">
             <a:avLst/>
@@ -5178,10 +11331,10 @@
       </p:pic>
       <p:pic>
         <p:nvPicPr>
-          <p:cNvPr id="11" name="Picture 10">
-            <a:extLst>
-              <a:ext uri="{FF2B5EF4-FFF2-40B4-BE49-F238E27FC236}">
-                <a16:creationId xmlns:a16="http://schemas.microsoft.com/office/drawing/2014/main" id="{78066529-75E3-3E45-8978-C88ECB9463D8}"/>
+          <p:cNvPr id="7" name="Picture 6">
+            <a:extLst>
+              <a:ext uri="{FF2B5EF4-FFF2-40B4-BE49-F238E27FC236}">
+                <a16:creationId xmlns:a16="http://schemas.microsoft.com/office/drawing/2014/main" id="{7EFA3C53-02AE-764F-B45A-B7D566FD84C4}"/>
               </a:ext>
             </a:extLst>
           </p:cNvPr>
@@ -5197,9 +11350,9 @@
           </a:stretch>
         </p:blipFill>
         <p:spPr>
-          <a:xfrm>
-            <a:off x="3522600" y="3955061"/>
-            <a:ext cx="1080000" cy="1080000"/>
+          <a:xfrm rot="1800000">
+            <a:off x="5227713" y="2694245"/>
+            <a:ext cx="1251382" cy="1251382"/>
           </a:xfrm>
           <a:prstGeom prst="rect">
             <a:avLst/>
@@ -5208,10 +11361,10 @@
       </p:pic>
       <p:pic>
         <p:nvPicPr>
-          <p:cNvPr id="13" name="Picture 12">
-            <a:extLst>
-              <a:ext uri="{FF2B5EF4-FFF2-40B4-BE49-F238E27FC236}">
-                <a16:creationId xmlns:a16="http://schemas.microsoft.com/office/drawing/2014/main" id="{2583D733-D069-5547-A46B-28CA4A7AAC19}"/>
+          <p:cNvPr id="10" name="Picture 9">
+            <a:extLst>
+              <a:ext uri="{FF2B5EF4-FFF2-40B4-BE49-F238E27FC236}">
+                <a16:creationId xmlns:a16="http://schemas.microsoft.com/office/drawing/2014/main" id="{2D57E3BA-5998-EF4C-A928-110AF0C5EFEA}"/>
               </a:ext>
             </a:extLst>
           </p:cNvPr>
@@ -5227,219 +11380,9 @@
           </a:stretch>
         </p:blipFill>
         <p:spPr>
-          <a:xfrm>
-            <a:off x="1038503" y="3955061"/>
-            <a:ext cx="1080000" cy="1080000"/>
-          </a:xfrm>
-          <a:prstGeom prst="rect">
-            <a:avLst/>
-          </a:prstGeom>
-        </p:spPr>
-      </p:pic>
-      <p:pic>
-        <p:nvPicPr>
-          <p:cNvPr id="15" name="Picture 14">
-            <a:extLst>
-              <a:ext uri="{FF2B5EF4-FFF2-40B4-BE49-F238E27FC236}">
-                <a16:creationId xmlns:a16="http://schemas.microsoft.com/office/drawing/2014/main" id="{B3371ED6-42DE-5348-9DF4-4D6A148647BF}"/>
-              </a:ext>
-            </a:extLst>
-          </p:cNvPr>
-          <p:cNvPicPr>
-            <a:picLocks noChangeAspect="1"/>
-          </p:cNvPicPr>
-          <p:nvPr/>
-        </p:nvPicPr>
-        <p:blipFill>
-          <a:blip r:embed="rId7"/>
-          <a:stretch>
-            <a:fillRect/>
-          </a:stretch>
-        </p:blipFill>
-        <p:spPr>
-          <a:xfrm>
-            <a:off x="2118503" y="3955061"/>
-            <a:ext cx="1080000" cy="1080000"/>
-          </a:xfrm>
-          <a:prstGeom prst="rect">
-            <a:avLst/>
-          </a:prstGeom>
-        </p:spPr>
-      </p:pic>
-      <p:pic>
-        <p:nvPicPr>
-          <p:cNvPr id="17" name="Picture 16">
-            <a:extLst>
-              <a:ext uri="{FF2B5EF4-FFF2-40B4-BE49-F238E27FC236}">
-                <a16:creationId xmlns:a16="http://schemas.microsoft.com/office/drawing/2014/main" id="{4A50A8F1-CF83-3349-92A8-6902E610375F}"/>
-              </a:ext>
-            </a:extLst>
-          </p:cNvPr>
-          <p:cNvPicPr>
-            <a:picLocks noChangeAspect="1"/>
-          </p:cNvPicPr>
-          <p:nvPr/>
-        </p:nvPicPr>
-        <p:blipFill>
-          <a:blip r:embed="rId8"/>
-          <a:stretch>
-            <a:fillRect/>
-          </a:stretch>
-        </p:blipFill>
-        <p:spPr>
-          <a:xfrm>
-            <a:off x="5770793" y="616301"/>
-            <a:ext cx="1080000" cy="1080000"/>
-          </a:xfrm>
-          <a:prstGeom prst="rect">
-            <a:avLst/>
-          </a:prstGeom>
-        </p:spPr>
-      </p:pic>
-      <p:pic>
-        <p:nvPicPr>
-          <p:cNvPr id="19" name="Picture 18">
-            <a:extLst>
-              <a:ext uri="{FF2B5EF4-FFF2-40B4-BE49-F238E27FC236}">
-                <a16:creationId xmlns:a16="http://schemas.microsoft.com/office/drawing/2014/main" id="{8CC003FF-2465-704D-B6CC-E92F61D961CC}"/>
-              </a:ext>
-            </a:extLst>
-          </p:cNvPr>
-          <p:cNvPicPr>
-            <a:picLocks noChangeAspect="1"/>
-          </p:cNvPicPr>
-          <p:nvPr/>
-        </p:nvPicPr>
-        <p:blipFill>
-          <a:blip r:embed="rId9"/>
-          <a:stretch>
-            <a:fillRect/>
-          </a:stretch>
-        </p:blipFill>
-        <p:spPr>
-          <a:xfrm>
-            <a:off x="7174890" y="594985"/>
-            <a:ext cx="1080000" cy="1080000"/>
-          </a:xfrm>
-          <a:prstGeom prst="rect">
-            <a:avLst/>
-          </a:prstGeom>
-        </p:spPr>
-      </p:pic>
-      <p:pic>
-        <p:nvPicPr>
-          <p:cNvPr id="21" name="Picture 20">
-            <a:extLst>
-              <a:ext uri="{FF2B5EF4-FFF2-40B4-BE49-F238E27FC236}">
-                <a16:creationId xmlns:a16="http://schemas.microsoft.com/office/drawing/2014/main" id="{FB91ED6D-ECE3-294E-B8AF-7CC913649395}"/>
-              </a:ext>
-            </a:extLst>
-          </p:cNvPr>
-          <p:cNvPicPr>
-            <a:picLocks noChangeAspect="1"/>
-          </p:cNvPicPr>
-          <p:nvPr/>
-        </p:nvPicPr>
-        <p:blipFill>
-          <a:blip r:embed="rId10"/>
-          <a:stretch>
-            <a:fillRect/>
-          </a:stretch>
-        </p:blipFill>
-        <p:spPr>
-          <a:xfrm>
-            <a:off x="8592538" y="578791"/>
-            <a:ext cx="1080000" cy="1080000"/>
-          </a:xfrm>
-          <a:prstGeom prst="rect">
-            <a:avLst/>
-          </a:prstGeom>
-        </p:spPr>
-      </p:pic>
-      <p:pic>
-        <p:nvPicPr>
-          <p:cNvPr id="23" name="Picture 22">
-            <a:extLst>
-              <a:ext uri="{FF2B5EF4-FFF2-40B4-BE49-F238E27FC236}">
-                <a16:creationId xmlns:a16="http://schemas.microsoft.com/office/drawing/2014/main" id="{0CC0E38D-3013-4C4C-AC98-CEC8F89C17E0}"/>
-              </a:ext>
-            </a:extLst>
-          </p:cNvPr>
-          <p:cNvPicPr>
-            <a:picLocks noChangeAspect="1"/>
-          </p:cNvPicPr>
-          <p:nvPr/>
-        </p:nvPicPr>
-        <p:blipFill>
-          <a:blip r:embed="rId11"/>
-          <a:stretch>
-            <a:fillRect/>
-          </a:stretch>
-        </p:blipFill>
-        <p:spPr>
-          <a:xfrm>
-            <a:off x="10010186" y="578791"/>
-            <a:ext cx="1080000" cy="1080000"/>
-          </a:xfrm>
-          <a:prstGeom prst="rect">
-            <a:avLst/>
-          </a:prstGeom>
-        </p:spPr>
-      </p:pic>
-      <p:pic>
-        <p:nvPicPr>
-          <p:cNvPr id="27" name="Picture 26">
-            <a:extLst>
-              <a:ext uri="{FF2B5EF4-FFF2-40B4-BE49-F238E27FC236}">
-                <a16:creationId xmlns:a16="http://schemas.microsoft.com/office/drawing/2014/main" id="{A1F19967-9693-824A-BC46-117AE2258F2A}"/>
-              </a:ext>
-            </a:extLst>
-          </p:cNvPr>
-          <p:cNvPicPr>
-            <a:picLocks noChangeAspect="1"/>
-          </p:cNvPicPr>
-          <p:nvPr/>
-        </p:nvPicPr>
-        <p:blipFill>
-          <a:blip r:embed="rId12"/>
-          <a:stretch>
-            <a:fillRect/>
-          </a:stretch>
-        </p:blipFill>
-        <p:spPr>
-          <a:xfrm>
-            <a:off x="6006697" y="2458769"/>
-            <a:ext cx="1080000" cy="1080000"/>
-          </a:xfrm>
-          <a:prstGeom prst="rect">
-            <a:avLst/>
-          </a:prstGeom>
-        </p:spPr>
-      </p:pic>
-      <p:pic>
-        <p:nvPicPr>
-          <p:cNvPr id="28" name="Picture 27">
-            <a:extLst>
-              <a:ext uri="{FF2B5EF4-FFF2-40B4-BE49-F238E27FC236}">
-                <a16:creationId xmlns:a16="http://schemas.microsoft.com/office/drawing/2014/main" id="{0E078ED4-2DDC-3441-A7E9-D1C070A278F4}"/>
-              </a:ext>
-            </a:extLst>
-          </p:cNvPr>
-          <p:cNvPicPr>
-            <a:picLocks noChangeAspect="1"/>
-          </p:cNvPicPr>
-          <p:nvPr/>
-        </p:nvPicPr>
-        <p:blipFill>
-          <a:blip r:embed="rId10"/>
-          <a:stretch>
-            <a:fillRect/>
-          </a:stretch>
-        </p:blipFill>
-        <p:spPr>
-          <a:xfrm>
-            <a:off x="7174890" y="2458769"/>
-            <a:ext cx="1080000" cy="1080000"/>
+          <a:xfrm rot="441877" flipH="1">
+            <a:off x="6379783" y="2633525"/>
+            <a:ext cx="1667725" cy="1667725"/>
           </a:xfrm>
           <a:prstGeom prst="rect">
             <a:avLst/>
@@ -5449,7 +11392,7 @@
     </p:spTree>
     <p:extLst>
       <p:ext uri="{BB962C8B-B14F-4D97-AF65-F5344CB8AC3E}">
-        <p14:creationId xmlns:p14="http://schemas.microsoft.com/office/powerpoint/2010/main" val="4239763204"/>
+        <p14:creationId xmlns:p14="http://schemas.microsoft.com/office/powerpoint/2010/main" val="3076624607"/>
       </p:ext>
     </p:extLst>
   </p:cSld>
